--- a/documentation/P4 Presentation.pptx
+++ b/documentation/P4 Presentation.pptx
@@ -6123,7 +6123,7 @@
             <a:tbl>
               <a:tblPr>
                 <a:noFill/>
-                <a:tableStyleId>{630C3C68-4E58-4847-B9E8-E10102D1AA2B}</a:tableStyleId>
+                <a:tableStyleId>{8C26647D-D1D5-4D67-9F86-84C805F2B472}</a:tableStyleId>
               </a:tblPr>
               <a:tblGrid>
                 <a:gridCol w="1626350"/>
@@ -14885,7 +14885,7 @@
         </p:nvSpPr>
         <p:spPr>
           <a:xfrm>
-            <a:off x="152675" y="179975"/>
+            <a:off x="85375" y="64625"/>
             <a:ext cx="8520600" cy="572700"/>
           </a:xfrm>
           <a:prstGeom prst="rect">
@@ -14918,7 +14918,7 @@
       </p:sp>
       <p:pic>
         <p:nvPicPr>
-          <p:cNvPr descr="Jungle Client.png" id="80" name="Shape 80"/>
+          <p:cNvPr id="80" name="Shape 80"/>
           <p:cNvPicPr preferRelativeResize="0"/>
           <p:nvPr/>
         </p:nvPicPr>
@@ -14932,8 +14932,8 @@
         </p:blipFill>
         <p:spPr>
           <a:xfrm>
-            <a:off x="727125" y="752675"/>
-            <a:ext cx="7946146" cy="4086026"/>
+            <a:off x="1653600" y="564950"/>
+            <a:ext cx="5499223" cy="4347048"/>
           </a:xfrm>
           <a:prstGeom prst="rect">
             <a:avLst/>
@@ -15188,7 +15188,7 @@
         </p:nvSpPr>
         <p:spPr>
           <a:xfrm>
-            <a:off x="139425" y="113725"/>
+            <a:off x="72125" y="56050"/>
             <a:ext cx="8520600" cy="572700"/>
           </a:xfrm>
           <a:prstGeom prst="rect">
@@ -15235,8 +15235,8 @@
         </p:blipFill>
         <p:spPr>
           <a:xfrm>
-            <a:off x="390925" y="686425"/>
-            <a:ext cx="8534116" cy="4152275"/>
+            <a:off x="940725" y="628750"/>
+            <a:ext cx="6750500" cy="4356577"/>
           </a:xfrm>
           <a:prstGeom prst="rect">
             <a:avLst/>

--- a/documentation/P4 Presentation.pptx
+++ b/documentation/P4 Presentation.pptx
@@ -24,6 +24,7 @@
     <p:sldId id="269" r:id="rId19"/>
     <p:sldId id="270" r:id="rId20"/>
     <p:sldId id="271" r:id="rId21"/>
+    <p:sldId id="272" r:id="rId22"/>
   </p:sldIdLst>
   <p:sldSz cy="5143500" cx="9144000"/>
   <p:notesSz cx="6858000" cy="9144000"/>
@@ -499,7 +500,7 @@
   <p:cSld>
     <p:spTree>
       <p:nvGrpSpPr>
-        <p:cNvPr id="111" name="Shape 111"/>
+        <p:cNvPr id="120" name="Shape 120"/>
         <p:cNvGrpSpPr/>
         <p:nvPr/>
       </p:nvGrpSpPr>
@@ -513,7 +514,7 @@
       </p:grpSpPr>
       <p:sp>
         <p:nvSpPr>
-          <p:cNvPr id="112" name="Shape 112"/>
+          <p:cNvPr id="121" name="Shape 121"/>
           <p:cNvSpPr/>
           <p:nvPr>
             <p:ph idx="2" type="sldImg"/>
@@ -547,7 +548,7 @@
       </p:sp>
       <p:sp>
         <p:nvSpPr>
-          <p:cNvPr id="113" name="Shape 113"/>
+          <p:cNvPr id="122" name="Shape 122"/>
           <p:cNvSpPr txBox="1"/>
           <p:nvPr>
             <p:ph idx="1" type="body"/>
@@ -594,7 +595,7 @@
   <p:cSld>
     <p:spTree>
       <p:nvGrpSpPr>
-        <p:cNvPr id="117" name="Shape 117"/>
+        <p:cNvPr id="126" name="Shape 126"/>
         <p:cNvGrpSpPr/>
         <p:nvPr/>
       </p:nvGrpSpPr>
@@ -608,7 +609,7 @@
       </p:grpSpPr>
       <p:sp>
         <p:nvSpPr>
-          <p:cNvPr id="118" name="Shape 118"/>
+          <p:cNvPr id="127" name="Shape 127"/>
           <p:cNvSpPr/>
           <p:nvPr>
             <p:ph idx="2" type="sldImg"/>
@@ -642,7 +643,7 @@
       </p:sp>
       <p:sp>
         <p:nvSpPr>
-          <p:cNvPr id="119" name="Shape 119"/>
+          <p:cNvPr id="128" name="Shape 128"/>
           <p:cNvSpPr txBox="1"/>
           <p:nvPr>
             <p:ph idx="1" type="body"/>
@@ -689,7 +690,7 @@
   <p:cSld>
     <p:spTree>
       <p:nvGrpSpPr>
-        <p:cNvPr id="123" name="Shape 123"/>
+        <p:cNvPr id="132" name="Shape 132"/>
         <p:cNvGrpSpPr/>
         <p:nvPr/>
       </p:nvGrpSpPr>
@@ -703,7 +704,7 @@
       </p:grpSpPr>
       <p:sp>
         <p:nvSpPr>
-          <p:cNvPr id="124" name="Shape 124"/>
+          <p:cNvPr id="133" name="Shape 133"/>
           <p:cNvSpPr/>
           <p:nvPr>
             <p:ph idx="2" type="sldImg"/>
@@ -737,7 +738,7 @@
       </p:sp>
       <p:sp>
         <p:nvSpPr>
-          <p:cNvPr id="125" name="Shape 125"/>
+          <p:cNvPr id="134" name="Shape 134"/>
           <p:cNvSpPr txBox="1"/>
           <p:nvPr>
             <p:ph idx="1" type="body"/>
@@ -784,7 +785,7 @@
   <p:cSld>
     <p:spTree>
       <p:nvGrpSpPr>
-        <p:cNvPr id="129" name="Shape 129"/>
+        <p:cNvPr id="138" name="Shape 138"/>
         <p:cNvGrpSpPr/>
         <p:nvPr/>
       </p:nvGrpSpPr>
@@ -798,7 +799,7 @@
       </p:grpSpPr>
       <p:sp>
         <p:nvSpPr>
-          <p:cNvPr id="130" name="Shape 130"/>
+          <p:cNvPr id="139" name="Shape 139"/>
           <p:cNvSpPr/>
           <p:nvPr>
             <p:ph idx="2" type="sldImg"/>
@@ -832,7 +833,7 @@
       </p:sp>
       <p:sp>
         <p:nvSpPr>
-          <p:cNvPr id="131" name="Shape 131"/>
+          <p:cNvPr id="140" name="Shape 140"/>
           <p:cNvSpPr txBox="1"/>
           <p:nvPr>
             <p:ph idx="1" type="body"/>
@@ -879,7 +880,7 @@
   <p:cSld>
     <p:spTree>
       <p:nvGrpSpPr>
-        <p:cNvPr id="135" name="Shape 135"/>
+        <p:cNvPr id="144" name="Shape 144"/>
         <p:cNvGrpSpPr/>
         <p:nvPr/>
       </p:nvGrpSpPr>
@@ -893,7 +894,7 @@
       </p:grpSpPr>
       <p:sp>
         <p:nvSpPr>
-          <p:cNvPr id="136" name="Shape 136"/>
+          <p:cNvPr id="145" name="Shape 145"/>
           <p:cNvSpPr/>
           <p:nvPr>
             <p:ph idx="2" type="sldImg"/>
@@ -927,7 +928,7 @@
       </p:sp>
       <p:sp>
         <p:nvSpPr>
-          <p:cNvPr id="137" name="Shape 137"/>
+          <p:cNvPr id="146" name="Shape 146"/>
           <p:cNvSpPr txBox="1"/>
           <p:nvPr>
             <p:ph idx="1" type="body"/>
@@ -974,7 +975,7 @@
   <p:cSld>
     <p:spTree>
       <p:nvGrpSpPr>
-        <p:cNvPr id="140" name="Shape 140"/>
+        <p:cNvPr id="150" name="Shape 150"/>
         <p:cNvGrpSpPr/>
         <p:nvPr/>
       </p:nvGrpSpPr>
@@ -988,7 +989,7 @@
       </p:grpSpPr>
       <p:sp>
         <p:nvSpPr>
-          <p:cNvPr id="141" name="Shape 141"/>
+          <p:cNvPr id="151" name="Shape 151"/>
           <p:cNvSpPr/>
           <p:nvPr>
             <p:ph idx="2" type="sldImg"/>
@@ -1022,7 +1023,7 @@
       </p:sp>
       <p:sp>
         <p:nvSpPr>
-          <p:cNvPr id="142" name="Shape 142"/>
+          <p:cNvPr id="152" name="Shape 152"/>
           <p:cNvSpPr txBox="1"/>
           <p:nvPr>
             <p:ph idx="1" type="body"/>
@@ -1069,7 +1070,7 @@
   <p:cSld>
     <p:spTree>
       <p:nvGrpSpPr>
-        <p:cNvPr id="145" name="Shape 145"/>
+        <p:cNvPr id="155" name="Shape 155"/>
         <p:cNvGrpSpPr/>
         <p:nvPr/>
       </p:nvGrpSpPr>
@@ -1083,7 +1084,7 @@
       </p:grpSpPr>
       <p:sp>
         <p:nvSpPr>
-          <p:cNvPr id="146" name="Shape 146"/>
+          <p:cNvPr id="156" name="Shape 156"/>
           <p:cNvSpPr/>
           <p:nvPr>
             <p:ph idx="2" type="sldImg"/>
@@ -1117,7 +1118,102 @@
       </p:sp>
       <p:sp>
         <p:nvSpPr>
-          <p:cNvPr id="147" name="Shape 147"/>
+          <p:cNvPr id="157" name="Shape 157"/>
+          <p:cNvSpPr txBox="1"/>
+          <p:nvPr>
+            <p:ph idx="1" type="body"/>
+          </p:nvPr>
+        </p:nvSpPr>
+        <p:spPr>
+          <a:xfrm>
+            <a:off x="685800" y="4343400"/>
+            <a:ext cx="5486400" cy="4114800"/>
+          </a:xfrm>
+          <a:prstGeom prst="rect">
+            <a:avLst/>
+          </a:prstGeom>
+        </p:spPr>
+        <p:txBody>
+          <a:bodyPr anchorCtr="0" anchor="t" bIns="91425" lIns="91425" rIns="91425" wrap="square" tIns="91425">
+            <a:noAutofit/>
+          </a:bodyPr>
+          <a:lstStyle/>
+          <a:p>
+            <a:pPr lvl="0" rtl="0">
+              <a:spcBef>
+                <a:spcPts val="0"/>
+              </a:spcBef>
+              <a:buNone/>
+            </a:pPr>
+            <a:r>
+              <a:t/>
+            </a:r>
+            <a:endParaRPr/>
+          </a:p>
+        </p:txBody>
+      </p:sp>
+    </p:spTree>
+  </p:cSld>
+  <p:clrMapOvr>
+    <a:masterClrMapping/>
+  </p:clrMapOvr>
+</p:notes>
+</file>
+
+<file path=ppt/notesSlides/notesSlide17.xml><?xml version="1.0" encoding="utf-8"?>
+<p:notes xmlns:a="http://schemas.openxmlformats.org/drawingml/2006/main" xmlns:r="http://schemas.openxmlformats.org/officeDocument/2006/relationships" xmlns:mc="http://schemas.openxmlformats.org/markup-compatibility/2006" xmlns:mv="urn:schemas-microsoft-com:mac:vml" xmlns:p="http://schemas.openxmlformats.org/presentationml/2006/main" xmlns:c="http://schemas.openxmlformats.org/drawingml/2006/chart" xmlns:dgm="http://schemas.openxmlformats.org/drawingml/2006/diagram" xmlns:o="urn:schemas-microsoft-com:office:office" xmlns:v="urn:schemas-microsoft-com:vml" xmlns:pvml="urn:schemas-microsoft-com:office:powerpoint" xmlns:com="http://schemas.openxmlformats.org/drawingml/2006/compatibility" xmlns:p14="http://schemas.microsoft.com/office/powerpoint/2010/main" xmlns:p15="http://schemas.microsoft.com/office/powerpoint/2012/main" showMasterPhAnim="0" showMasterSp="0">
+  <p:cSld>
+    <p:spTree>
+      <p:nvGrpSpPr>
+        <p:cNvPr id="160" name="Shape 160"/>
+        <p:cNvGrpSpPr/>
+        <p:nvPr/>
+      </p:nvGrpSpPr>
+      <p:grpSpPr>
+        <a:xfrm>
+          <a:off x="0" y="0"/>
+          <a:ext cx="0" cy="0"/>
+          <a:chOff x="0" y="0"/>
+          <a:chExt cx="0" cy="0"/>
+        </a:xfrm>
+      </p:grpSpPr>
+      <p:sp>
+        <p:nvSpPr>
+          <p:cNvPr id="161" name="Shape 161"/>
+          <p:cNvSpPr/>
+          <p:nvPr>
+            <p:ph idx="2" type="sldImg"/>
+          </p:nvPr>
+        </p:nvSpPr>
+        <p:spPr>
+          <a:xfrm>
+            <a:off x="381300" y="685800"/>
+            <a:ext cx="6096000" cy="3429000"/>
+          </a:xfrm>
+          <a:custGeom>
+            <a:pathLst>
+              <a:path extrusionOk="0" h="120000" w="120000">
+                <a:moveTo>
+                  <a:pt x="0" y="0"/>
+                </a:moveTo>
+                <a:lnTo>
+                  <a:pt x="120000" y="0"/>
+                </a:lnTo>
+                <a:lnTo>
+                  <a:pt x="120000" y="120000"/>
+                </a:lnTo>
+                <a:lnTo>
+                  <a:pt x="0" y="120000"/>
+                </a:lnTo>
+                <a:close/>
+              </a:path>
+            </a:pathLst>
+          </a:custGeom>
+        </p:spPr>
+      </p:sp>
+      <p:sp>
+        <p:nvSpPr>
+          <p:cNvPr id="162" name="Shape 162"/>
           <p:cNvSpPr txBox="1"/>
           <p:nvPr>
             <p:ph idx="1" type="body"/>
@@ -1544,7 +1640,7 @@
   <p:cSld>
     <p:spTree>
       <p:nvGrpSpPr>
-        <p:cNvPr id="87" name="Shape 87"/>
+        <p:cNvPr id="92" name="Shape 92"/>
         <p:cNvGrpSpPr/>
         <p:nvPr/>
       </p:nvGrpSpPr>
@@ -1558,7 +1654,7 @@
       </p:grpSpPr>
       <p:sp>
         <p:nvSpPr>
-          <p:cNvPr id="88" name="Shape 88"/>
+          <p:cNvPr id="93" name="Shape 93"/>
           <p:cNvSpPr/>
           <p:nvPr>
             <p:ph idx="2" type="sldImg"/>
@@ -1592,7 +1688,7 @@
       </p:sp>
       <p:sp>
         <p:nvSpPr>
-          <p:cNvPr id="89" name="Shape 89"/>
+          <p:cNvPr id="94" name="Shape 94"/>
           <p:cNvSpPr txBox="1"/>
           <p:nvPr>
             <p:ph idx="1" type="body"/>
@@ -1639,7 +1735,7 @@
   <p:cSld>
     <p:spTree>
       <p:nvGrpSpPr>
-        <p:cNvPr id="93" name="Shape 93"/>
+        <p:cNvPr id="98" name="Shape 98"/>
         <p:cNvGrpSpPr/>
         <p:nvPr/>
       </p:nvGrpSpPr>
@@ -1653,7 +1749,7 @@
       </p:grpSpPr>
       <p:sp>
         <p:nvSpPr>
-          <p:cNvPr id="94" name="Shape 94"/>
+          <p:cNvPr id="99" name="Shape 99"/>
           <p:cNvSpPr/>
           <p:nvPr>
             <p:ph idx="2" type="sldImg"/>
@@ -1687,7 +1783,7 @@
       </p:sp>
       <p:sp>
         <p:nvSpPr>
-          <p:cNvPr id="95" name="Shape 95"/>
+          <p:cNvPr id="100" name="Shape 100"/>
           <p:cNvSpPr txBox="1"/>
           <p:nvPr>
             <p:ph idx="1" type="body"/>
@@ -1734,7 +1830,7 @@
   <p:cSld>
     <p:spTree>
       <p:nvGrpSpPr>
-        <p:cNvPr id="99" name="Shape 99"/>
+        <p:cNvPr id="104" name="Shape 104"/>
         <p:cNvGrpSpPr/>
         <p:nvPr/>
       </p:nvGrpSpPr>
@@ -1748,7 +1844,7 @@
       </p:grpSpPr>
       <p:sp>
         <p:nvSpPr>
-          <p:cNvPr id="100" name="Shape 100"/>
+          <p:cNvPr id="105" name="Shape 105"/>
           <p:cNvSpPr/>
           <p:nvPr>
             <p:ph idx="2" type="sldImg"/>
@@ -1782,7 +1878,7 @@
       </p:sp>
       <p:sp>
         <p:nvSpPr>
-          <p:cNvPr id="101" name="Shape 101"/>
+          <p:cNvPr id="106" name="Shape 106"/>
           <p:cNvSpPr txBox="1"/>
           <p:nvPr>
             <p:ph idx="1" type="body"/>
@@ -1829,7 +1925,7 @@
   <p:cSld>
     <p:spTree>
       <p:nvGrpSpPr>
-        <p:cNvPr id="105" name="Shape 105"/>
+        <p:cNvPr id="114" name="Shape 114"/>
         <p:cNvGrpSpPr/>
         <p:nvPr/>
       </p:nvGrpSpPr>
@@ -1843,7 +1939,7 @@
       </p:grpSpPr>
       <p:sp>
         <p:nvSpPr>
-          <p:cNvPr id="106" name="Shape 106"/>
+          <p:cNvPr id="115" name="Shape 115"/>
           <p:cNvSpPr/>
           <p:nvPr>
             <p:ph idx="2" type="sldImg"/>
@@ -1877,7 +1973,7 @@
       </p:sp>
       <p:sp>
         <p:nvSpPr>
-          <p:cNvPr id="107" name="Shape 107"/>
+          <p:cNvPr id="116" name="Shape 116"/>
           <p:cNvSpPr txBox="1"/>
           <p:nvPr>
             <p:ph idx="1" type="body"/>
@@ -5479,7 +5575,7 @@
     </p:bg>
     <p:spTree>
       <p:nvGrpSpPr>
-        <p:cNvPr id="114" name="Shape 114"/>
+        <p:cNvPr id="123" name="Shape 123"/>
         <p:cNvGrpSpPr/>
         <p:nvPr/>
       </p:nvGrpSpPr>
@@ -5493,7 +5589,129 @@
       </p:grpSpPr>
       <p:sp>
         <p:nvSpPr>
-          <p:cNvPr id="115" name="Shape 115"/>
+          <p:cNvPr id="124" name="Shape 124"/>
+          <p:cNvSpPr txBox="1"/>
+          <p:nvPr>
+            <p:ph type="title"/>
+          </p:nvPr>
+        </p:nvSpPr>
+        <p:spPr>
+          <a:xfrm>
+            <a:off x="86425" y="0"/>
+            <a:ext cx="8520600" cy="572700"/>
+          </a:xfrm>
+          <a:prstGeom prst="rect">
+            <a:avLst/>
+          </a:prstGeom>
+        </p:spPr>
+        <p:txBody>
+          <a:bodyPr anchorCtr="0" anchor="t" bIns="91425" lIns="91425" rIns="91425" wrap="square" tIns="91425">
+            <a:noAutofit/>
+          </a:bodyPr>
+          <a:lstStyle/>
+          <a:p>
+            <a:pPr lvl="0" rtl="0">
+              <a:spcBef>
+                <a:spcPts val="0"/>
+              </a:spcBef>
+              <a:buClr>
+                <a:schemeClr val="dk1"/>
+              </a:buClr>
+              <a:buSzPct val="39285"/>
+              <a:buFont typeface="Arial"/>
+              <a:buNone/>
+            </a:pPr>
+            <a:r>
+              <a:rPr b="1" i="1" lang="es">
+                <a:latin typeface="Cambria"/>
+                <a:ea typeface="Cambria"/>
+                <a:cs typeface="Cambria"/>
+                <a:sym typeface="Cambria"/>
+              </a:rPr>
+              <a:t>Sequence Diagram:</a:t>
+            </a:r>
+          </a:p>
+          <a:p>
+            <a:pPr lvl="0" rtl="0" algn="l">
+              <a:spcBef>
+                <a:spcPts val="0"/>
+              </a:spcBef>
+              <a:buNone/>
+            </a:pPr>
+            <a:r>
+              <a:rPr b="1" i="1" lang="es">
+                <a:latin typeface="Cambria"/>
+                <a:ea typeface="Cambria"/>
+                <a:cs typeface="Cambria"/>
+                <a:sym typeface="Cambria"/>
+              </a:rPr>
+              <a:t>Register</a:t>
+            </a:r>
+          </a:p>
+        </p:txBody>
+      </p:sp>
+      <p:pic>
+        <p:nvPicPr>
+          <p:cNvPr descr="Sequence Diagrams - Register.png" id="125" name="Shape 125"/>
+          <p:cNvPicPr preferRelativeResize="0"/>
+          <p:nvPr/>
+        </p:nvPicPr>
+        <p:blipFill rotWithShape="1">
+          <a:blip r:embed="rId3">
+            <a:alphaModFix/>
+          </a:blip>
+          <a:srcRect b="13650" l="0" r="2210" t="3016"/>
+          <a:stretch/>
+        </p:blipFill>
+        <p:spPr>
+          <a:xfrm>
+            <a:off x="1982525" y="427112"/>
+            <a:ext cx="7161474" cy="4716376"/>
+          </a:xfrm>
+          <a:prstGeom prst="rect">
+            <a:avLst/>
+          </a:prstGeom>
+          <a:noFill/>
+          <a:ln>
+            <a:noFill/>
+          </a:ln>
+        </p:spPr>
+      </p:pic>
+    </p:spTree>
+  </p:cSld>
+  <p:clrMapOvr>
+    <a:masterClrMapping/>
+  </p:clrMapOvr>
+</p:sld>
+</file>
+
+<file path=ppt/slides/slide11.xml><?xml version="1.0" encoding="utf-8"?>
+<p:sld xmlns:a="http://schemas.openxmlformats.org/drawingml/2006/main" xmlns:r="http://schemas.openxmlformats.org/officeDocument/2006/relationships" xmlns:mc="http://schemas.openxmlformats.org/markup-compatibility/2006" xmlns:mv="urn:schemas-microsoft-com:mac:vml" xmlns:p="http://schemas.openxmlformats.org/presentationml/2006/main" xmlns:c="http://schemas.openxmlformats.org/drawingml/2006/chart" xmlns:dgm="http://schemas.openxmlformats.org/drawingml/2006/diagram" xmlns:o="urn:schemas-microsoft-com:office:office" xmlns:v="urn:schemas-microsoft-com:vml" xmlns:pvml="urn:schemas-microsoft-com:office:powerpoint" xmlns:com="http://schemas.openxmlformats.org/drawingml/2006/compatibility" xmlns:p14="http://schemas.microsoft.com/office/powerpoint/2010/main" xmlns:p15="http://schemas.microsoft.com/office/powerpoint/2012/main">
+  <p:cSld>
+    <p:bg>
+      <p:bgPr>
+        <a:solidFill>
+          <a:srgbClr val="EFEFEF"/>
+        </a:solidFill>
+      </p:bgPr>
+    </p:bg>
+    <p:spTree>
+      <p:nvGrpSpPr>
+        <p:cNvPr id="129" name="Shape 129"/>
+        <p:cNvGrpSpPr/>
+        <p:nvPr/>
+      </p:nvGrpSpPr>
+      <p:grpSpPr>
+        <a:xfrm>
+          <a:off x="0" y="0"/>
+          <a:ext cx="0" cy="0"/>
+          <a:chOff x="0" y="0"/>
+          <a:chExt cx="0" cy="0"/>
+        </a:xfrm>
+      </p:grpSpPr>
+      <p:sp>
+        <p:nvSpPr>
+          <p:cNvPr id="130" name="Shape 130"/>
           <p:cNvSpPr txBox="1"/>
           <p:nvPr>
             <p:ph type="title"/>
@@ -5556,7 +5774,7 @@
       </p:sp>
       <p:pic>
         <p:nvPicPr>
-          <p:cNvPr descr="Game Invite.png" id="116" name="Shape 116"/>
+          <p:cNvPr descr="Game Invite.png" id="131" name="Shape 131"/>
           <p:cNvPicPr preferRelativeResize="0"/>
           <p:nvPr/>
         </p:nvPicPr>
@@ -5589,7 +5807,7 @@
 </p:sld>
 </file>
 
-<file path=ppt/slides/slide11.xml><?xml version="1.0" encoding="utf-8"?>
+<file path=ppt/slides/slide12.xml><?xml version="1.0" encoding="utf-8"?>
 <p:sld xmlns:a="http://schemas.openxmlformats.org/drawingml/2006/main" xmlns:r="http://schemas.openxmlformats.org/officeDocument/2006/relationships" xmlns:mc="http://schemas.openxmlformats.org/markup-compatibility/2006" xmlns:mv="urn:schemas-microsoft-com:mac:vml" xmlns:p="http://schemas.openxmlformats.org/presentationml/2006/main" xmlns:c="http://schemas.openxmlformats.org/drawingml/2006/chart" xmlns:dgm="http://schemas.openxmlformats.org/drawingml/2006/diagram" xmlns:o="urn:schemas-microsoft-com:office:office" xmlns:v="urn:schemas-microsoft-com:vml" xmlns:pvml="urn:schemas-microsoft-com:office:powerpoint" xmlns:com="http://schemas.openxmlformats.org/drawingml/2006/compatibility" xmlns:p14="http://schemas.microsoft.com/office/powerpoint/2010/main" xmlns:p15="http://schemas.microsoft.com/office/powerpoint/2012/main">
   <p:cSld>
     <p:bg>
@@ -5601,7 +5819,7 @@
     </p:bg>
     <p:spTree>
       <p:nvGrpSpPr>
-        <p:cNvPr id="120" name="Shape 120"/>
+        <p:cNvPr id="135" name="Shape 135"/>
         <p:cNvGrpSpPr/>
         <p:nvPr/>
       </p:nvGrpSpPr>
@@ -5615,7 +5833,7 @@
       </p:grpSpPr>
       <p:sp>
         <p:nvSpPr>
-          <p:cNvPr id="121" name="Shape 121"/>
+          <p:cNvPr id="136" name="Shape 136"/>
           <p:cNvSpPr txBox="1"/>
           <p:nvPr>
             <p:ph type="title"/>
@@ -5678,7 +5896,7 @@
       </p:sp>
       <p:pic>
         <p:nvPicPr>
-          <p:cNvPr descr="Create Game.png" id="122" name="Shape 122"/>
+          <p:cNvPr descr="Create Game.png" id="137" name="Shape 137"/>
           <p:cNvPicPr preferRelativeResize="0"/>
           <p:nvPr/>
         </p:nvPicPr>
@@ -5711,7 +5929,7 @@
 </p:sld>
 </file>
 
-<file path=ppt/slides/slide12.xml><?xml version="1.0" encoding="utf-8"?>
+<file path=ppt/slides/slide13.xml><?xml version="1.0" encoding="utf-8"?>
 <p:sld xmlns:a="http://schemas.openxmlformats.org/drawingml/2006/main" xmlns:r="http://schemas.openxmlformats.org/officeDocument/2006/relationships" xmlns:mc="http://schemas.openxmlformats.org/markup-compatibility/2006" xmlns:mv="urn:schemas-microsoft-com:mac:vml" xmlns:p="http://schemas.openxmlformats.org/presentationml/2006/main" xmlns:c="http://schemas.openxmlformats.org/drawingml/2006/chart" xmlns:dgm="http://schemas.openxmlformats.org/drawingml/2006/diagram" xmlns:o="urn:schemas-microsoft-com:office:office" xmlns:v="urn:schemas-microsoft-com:vml" xmlns:pvml="urn:schemas-microsoft-com:office:powerpoint" xmlns:com="http://schemas.openxmlformats.org/drawingml/2006/compatibility" xmlns:p14="http://schemas.microsoft.com/office/powerpoint/2010/main" xmlns:p15="http://schemas.microsoft.com/office/powerpoint/2012/main">
   <p:cSld>
     <p:bg>
@@ -5723,7 +5941,7 @@
     </p:bg>
     <p:spTree>
       <p:nvGrpSpPr>
-        <p:cNvPr id="126" name="Shape 126"/>
+        <p:cNvPr id="141" name="Shape 141"/>
         <p:cNvGrpSpPr/>
         <p:nvPr/>
       </p:nvGrpSpPr>
@@ -5737,7 +5955,7 @@
       </p:grpSpPr>
       <p:sp>
         <p:nvSpPr>
-          <p:cNvPr id="127" name="Shape 127"/>
+          <p:cNvPr id="142" name="Shape 142"/>
           <p:cNvSpPr txBox="1"/>
           <p:nvPr>
             <p:ph type="title"/>
@@ -5804,7 +6022,7 @@
       </p:sp>
       <p:pic>
         <p:nvPicPr>
-          <p:cNvPr id="128" name="Shape 128"/>
+          <p:cNvPr id="143" name="Shape 143"/>
           <p:cNvPicPr preferRelativeResize="0"/>
           <p:nvPr/>
         </p:nvPicPr>
@@ -5838,7 +6056,7 @@
 </p:sld>
 </file>
 
-<file path=ppt/slides/slide13.xml><?xml version="1.0" encoding="utf-8"?>
+<file path=ppt/slides/slide14.xml><?xml version="1.0" encoding="utf-8"?>
 <p:sld xmlns:a="http://schemas.openxmlformats.org/drawingml/2006/main" xmlns:r="http://schemas.openxmlformats.org/officeDocument/2006/relationships" xmlns:mc="http://schemas.openxmlformats.org/markup-compatibility/2006" xmlns:mv="urn:schemas-microsoft-com:mac:vml" xmlns:p="http://schemas.openxmlformats.org/presentationml/2006/main" xmlns:c="http://schemas.openxmlformats.org/drawingml/2006/chart" xmlns:dgm="http://schemas.openxmlformats.org/drawingml/2006/diagram" xmlns:o="urn:schemas-microsoft-com:office:office" xmlns:v="urn:schemas-microsoft-com:vml" xmlns:pvml="urn:schemas-microsoft-com:office:powerpoint" xmlns:com="http://schemas.openxmlformats.org/drawingml/2006/compatibility" xmlns:p14="http://schemas.microsoft.com/office/powerpoint/2010/main" xmlns:p15="http://schemas.microsoft.com/office/powerpoint/2012/main">
   <p:cSld>
     <p:bg>
@@ -5850,7 +6068,7 @@
     </p:bg>
     <p:spTree>
       <p:nvGrpSpPr>
-        <p:cNvPr id="132" name="Shape 132"/>
+        <p:cNvPr id="147" name="Shape 147"/>
         <p:cNvGrpSpPr/>
         <p:nvPr/>
       </p:nvGrpSpPr>
@@ -5864,7 +6082,7 @@
       </p:grpSpPr>
       <p:sp>
         <p:nvSpPr>
-          <p:cNvPr id="133" name="Shape 133"/>
+          <p:cNvPr id="148" name="Shape 148"/>
           <p:cNvSpPr txBox="1"/>
           <p:nvPr>
             <p:ph type="title"/>
@@ -5905,7 +6123,7 @@
       </p:sp>
       <p:sp>
         <p:nvSpPr>
-          <p:cNvPr id="134" name="Shape 134"/>
+          <p:cNvPr id="149" name="Shape 149"/>
           <p:cNvSpPr txBox="1"/>
           <p:nvPr/>
         </p:nvSpPr>
@@ -6084,7 +6302,7 @@
 </p:sld>
 </file>
 
-<file path=ppt/slides/slide14.xml><?xml version="1.0" encoding="utf-8"?>
+<file path=ppt/slides/slide15.xml><?xml version="1.0" encoding="utf-8"?>
 <p:sld xmlns:a="http://schemas.openxmlformats.org/drawingml/2006/main" xmlns:r="http://schemas.openxmlformats.org/officeDocument/2006/relationships" xmlns:mc="http://schemas.openxmlformats.org/markup-compatibility/2006" xmlns:mv="urn:schemas-microsoft-com:mac:vml" xmlns:p="http://schemas.openxmlformats.org/presentationml/2006/main" xmlns:c="http://schemas.openxmlformats.org/drawingml/2006/chart" xmlns:dgm="http://schemas.openxmlformats.org/drawingml/2006/diagram" xmlns:o="urn:schemas-microsoft-com:office:office" xmlns:v="urn:schemas-microsoft-com:vml" xmlns:pvml="urn:schemas-microsoft-com:office:powerpoint" xmlns:com="http://schemas.openxmlformats.org/drawingml/2006/compatibility" xmlns:p14="http://schemas.microsoft.com/office/powerpoint/2010/main" xmlns:p15="http://schemas.microsoft.com/office/powerpoint/2012/main">
   <p:cSld>
     <p:bg>
@@ -6096,7 +6314,7 @@
     </p:bg>
     <p:spTree>
       <p:nvGrpSpPr>
-        <p:cNvPr id="138" name="Shape 138"/>
+        <p:cNvPr id="153" name="Shape 153"/>
         <p:cNvGrpSpPr/>
         <p:nvPr/>
       </p:nvGrpSpPr>
@@ -6110,7 +6328,7 @@
       </p:grpSpPr>
       <p:graphicFrame>
         <p:nvGraphicFramePr>
-          <p:cNvPr id="139" name="Shape 139"/>
+          <p:cNvPr id="154" name="Shape 154"/>
           <p:cNvGraphicFramePr/>
           <p:nvPr/>
         </p:nvGraphicFramePr>
@@ -6123,7 +6341,7 @@
             <a:tbl>
               <a:tblPr>
                 <a:noFill/>
-                <a:tableStyleId>{8C26647D-D1D5-4D67-9F86-84C805F2B472}</a:tableStyleId>
+                <a:tableStyleId>{F9B7D604-EB72-4D57-9A2F-9175F3D8398A}</a:tableStyleId>
               </a:tblPr>
               <a:tblGrid>
                 <a:gridCol w="1626350"/>
@@ -14341,7 +14559,7 @@
 </p:sld>
 </file>
 
-<file path=ppt/slides/slide15.xml><?xml version="1.0" encoding="utf-8"?>
+<file path=ppt/slides/slide16.xml><?xml version="1.0" encoding="utf-8"?>
 <p:sld xmlns:a="http://schemas.openxmlformats.org/drawingml/2006/main" xmlns:r="http://schemas.openxmlformats.org/officeDocument/2006/relationships" xmlns:mc="http://schemas.openxmlformats.org/markup-compatibility/2006" xmlns:mv="urn:schemas-microsoft-com:mac:vml" xmlns:p="http://schemas.openxmlformats.org/presentationml/2006/main" xmlns:c="http://schemas.openxmlformats.org/drawingml/2006/chart" xmlns:dgm="http://schemas.openxmlformats.org/drawingml/2006/diagram" xmlns:o="urn:schemas-microsoft-com:office:office" xmlns:v="urn:schemas-microsoft-com:vml" xmlns:pvml="urn:schemas-microsoft-com:office:powerpoint" xmlns:com="http://schemas.openxmlformats.org/drawingml/2006/compatibility" xmlns:p14="http://schemas.microsoft.com/office/powerpoint/2010/main" xmlns:p15="http://schemas.microsoft.com/office/powerpoint/2012/main">
   <p:cSld>
     <p:bg>
@@ -14353,7 +14571,7 @@
     </p:bg>
     <p:spTree>
       <p:nvGrpSpPr>
-        <p:cNvPr id="143" name="Shape 143"/>
+        <p:cNvPr id="158" name="Shape 158"/>
         <p:cNvGrpSpPr/>
         <p:nvPr/>
       </p:nvGrpSpPr>
@@ -14367,7 +14585,7 @@
       </p:grpSpPr>
       <p:sp>
         <p:nvSpPr>
-          <p:cNvPr id="144" name="Shape 144"/>
+          <p:cNvPr id="159" name="Shape 159"/>
           <p:cNvSpPr txBox="1"/>
           <p:nvPr/>
         </p:nvSpPr>
@@ -14419,7 +14637,7 @@
 </p:sld>
 </file>
 
-<file path=ppt/slides/slide16.xml><?xml version="1.0" encoding="utf-8"?>
+<file path=ppt/slides/slide17.xml><?xml version="1.0" encoding="utf-8"?>
 <p:sld xmlns:a="http://schemas.openxmlformats.org/drawingml/2006/main" xmlns:r="http://schemas.openxmlformats.org/officeDocument/2006/relationships" xmlns:mc="http://schemas.openxmlformats.org/markup-compatibility/2006" xmlns:mv="urn:schemas-microsoft-com:mac:vml" xmlns:p="http://schemas.openxmlformats.org/presentationml/2006/main" xmlns:c="http://schemas.openxmlformats.org/drawingml/2006/chart" xmlns:dgm="http://schemas.openxmlformats.org/drawingml/2006/diagram" xmlns:o="urn:schemas-microsoft-com:office:office" xmlns:v="urn:schemas-microsoft-com:vml" xmlns:pvml="urn:schemas-microsoft-com:office:powerpoint" xmlns:com="http://schemas.openxmlformats.org/drawingml/2006/compatibility" xmlns:p14="http://schemas.microsoft.com/office/powerpoint/2010/main" xmlns:p15="http://schemas.microsoft.com/office/powerpoint/2012/main">
   <p:cSld>
     <p:bg>
@@ -14431,7 +14649,7 @@
     </p:bg>
     <p:spTree>
       <p:nvGrpSpPr>
-        <p:cNvPr id="148" name="Shape 148"/>
+        <p:cNvPr id="163" name="Shape 163"/>
         <p:cNvGrpSpPr/>
         <p:nvPr/>
       </p:nvGrpSpPr>
@@ -14445,7 +14663,7 @@
       </p:grpSpPr>
       <p:sp>
         <p:nvSpPr>
-          <p:cNvPr id="149" name="Shape 149"/>
+          <p:cNvPr id="164" name="Shape 164"/>
           <p:cNvSpPr txBox="1"/>
           <p:nvPr/>
         </p:nvSpPr>
@@ -14608,18 +14826,17 @@
           <p:cNvPicPr preferRelativeResize="0"/>
           <p:nvPr/>
         </p:nvPicPr>
-        <p:blipFill>
+        <p:blipFill rotWithShape="1">
           <a:blip r:embed="rId3">
             <a:alphaModFix/>
           </a:blip>
-          <a:stretch>
-            <a:fillRect/>
-          </a:stretch>
+          <a:srcRect b="37477" l="5232" r="51661" t="21499"/>
+          <a:stretch/>
         </p:blipFill>
         <p:spPr>
           <a:xfrm>
-            <a:off x="136950" y="602772"/>
-            <a:ext cx="4829775" cy="1703900"/>
+            <a:off x="4703150" y="1116725"/>
+            <a:ext cx="4156500" cy="2683576"/>
           </a:xfrm>
           <a:prstGeom prst="rect">
             <a:avLst/>
@@ -14646,8 +14863,8 @@
         </p:blipFill>
         <p:spPr>
           <a:xfrm>
-            <a:off x="136950" y="2344375"/>
-            <a:ext cx="3303950" cy="2715575"/>
+            <a:off x="273600" y="596500"/>
+            <a:ext cx="4120400" cy="3386644"/>
           </a:xfrm>
           <a:prstGeom prst="rect">
             <a:avLst/>
@@ -14674,7 +14891,7 @@
         </p:blipFill>
         <p:spPr>
           <a:xfrm>
-            <a:off x="5027625" y="709325"/>
+            <a:off x="4703150" y="3800300"/>
             <a:ext cx="4004575" cy="1343200"/>
           </a:xfrm>
           <a:prstGeom prst="rect">
@@ -14702,8 +14919,8 @@
         </p:blipFill>
         <p:spPr>
           <a:xfrm>
-            <a:off x="3570175" y="3733600"/>
-            <a:ext cx="4733736" cy="1321500"/>
+            <a:off x="255538" y="3983150"/>
+            <a:ext cx="4156517" cy="1160350"/>
           </a:xfrm>
           <a:prstGeom prst="rect">
             <a:avLst/>
@@ -14720,18 +14937,17 @@
           <p:cNvPicPr preferRelativeResize="0"/>
           <p:nvPr/>
         </p:nvPicPr>
-        <p:blipFill>
+        <p:blipFill rotWithShape="1">
           <a:blip r:embed="rId7">
             <a:alphaModFix/>
           </a:blip>
-          <a:stretch>
-            <a:fillRect/>
-          </a:stretch>
+          <a:srcRect b="80163" l="5337" r="50729" t="5227"/>
+          <a:stretch/>
         </p:blipFill>
         <p:spPr>
           <a:xfrm>
-            <a:off x="3570175" y="2348537"/>
-            <a:ext cx="4884326" cy="1343200"/>
+            <a:off x="4703150" y="102774"/>
+            <a:ext cx="4156500" cy="1068052"/>
           </a:xfrm>
           <a:prstGeom prst="rect">
             <a:avLst/>
@@ -14784,7 +15000,7 @@
         </p:nvSpPr>
         <p:spPr>
           <a:xfrm>
-            <a:off x="152675" y="153475"/>
+            <a:off x="85375" y="64625"/>
             <a:ext cx="8520600" cy="572700"/>
           </a:xfrm>
           <a:prstGeom prst="rect">
@@ -14810,7 +15026,7 @@
                 <a:cs typeface="Cambria"/>
                 <a:sym typeface="Cambria"/>
               </a:rPr>
-              <a:t>Design Class Diagram: Front End</a:t>
+              <a:t>Design Class Diagram: Jungle Client - Before</a:t>
             </a:r>
           </a:p>
         </p:txBody>
@@ -14831,8 +15047,8 @@
         </p:blipFill>
         <p:spPr>
           <a:xfrm>
-            <a:off x="2561450" y="644275"/>
-            <a:ext cx="4021099" cy="4426348"/>
+            <a:off x="695000" y="767425"/>
+            <a:ext cx="7362410" cy="4201376"/>
           </a:xfrm>
           <a:prstGeom prst="rect">
             <a:avLst/>
@@ -14911,7 +15127,7 @@
                 <a:cs typeface="Cambria"/>
                 <a:sym typeface="Cambria"/>
               </a:rPr>
-              <a:t>Design Class Diagram: Jungle Client</a:t>
+              <a:t>Design Class Diagram: Jungle Client - After</a:t>
             </a:r>
           </a:p>
         </p:txBody>
@@ -15033,8 +15249,8 @@
         </p:blipFill>
         <p:spPr>
           <a:xfrm>
-            <a:off x="2368850" y="686425"/>
-            <a:ext cx="3984547" cy="4336152"/>
+            <a:off x="4812750" y="113725"/>
+            <a:ext cx="4216466" cy="4987175"/>
           </a:xfrm>
           <a:prstGeom prst="rect">
             <a:avLst/>
@@ -15045,6 +15261,166 @@
           </a:ln>
         </p:spPr>
       </p:pic>
+      <p:pic>
+        <p:nvPicPr>
+          <p:cNvPr id="87" name="Shape 87"/>
+          <p:cNvPicPr preferRelativeResize="0"/>
+          <p:nvPr/>
+        </p:nvPicPr>
+        <p:blipFill>
+          <a:blip r:embed="rId4">
+            <a:alphaModFix/>
+          </a:blip>
+          <a:stretch>
+            <a:fillRect/>
+          </a:stretch>
+        </p:blipFill>
+        <p:spPr>
+          <a:xfrm>
+            <a:off x="197000" y="1188175"/>
+            <a:ext cx="1549700" cy="1560900"/>
+          </a:xfrm>
+          <a:prstGeom prst="rect">
+            <a:avLst/>
+          </a:prstGeom>
+          <a:noFill/>
+          <a:ln>
+            <a:noFill/>
+          </a:ln>
+        </p:spPr>
+      </p:pic>
+      <p:pic>
+        <p:nvPicPr>
+          <p:cNvPr id="88" name="Shape 88"/>
+          <p:cNvPicPr preferRelativeResize="0"/>
+          <p:nvPr/>
+        </p:nvPicPr>
+        <p:blipFill>
+          <a:blip r:embed="rId5">
+            <a:alphaModFix/>
+          </a:blip>
+          <a:stretch>
+            <a:fillRect/>
+          </a:stretch>
+        </p:blipFill>
+        <p:spPr>
+          <a:xfrm>
+            <a:off x="2047775" y="1429650"/>
+            <a:ext cx="1653750" cy="1282275"/>
+          </a:xfrm>
+          <a:prstGeom prst="rect">
+            <a:avLst/>
+          </a:prstGeom>
+          <a:noFill/>
+          <a:ln>
+            <a:noFill/>
+          </a:ln>
+        </p:spPr>
+      </p:pic>
+      <p:pic>
+        <p:nvPicPr>
+          <p:cNvPr id="89" name="Shape 89"/>
+          <p:cNvPicPr preferRelativeResize="0"/>
+          <p:nvPr/>
+        </p:nvPicPr>
+        <p:blipFill>
+          <a:blip r:embed="rId6">
+            <a:alphaModFix/>
+          </a:blip>
+          <a:stretch>
+            <a:fillRect/>
+          </a:stretch>
+        </p:blipFill>
+        <p:spPr>
+          <a:xfrm>
+            <a:off x="877075" y="2996475"/>
+            <a:ext cx="2084875" cy="1334325"/>
+          </a:xfrm>
+          <a:prstGeom prst="rect">
+            <a:avLst/>
+          </a:prstGeom>
+          <a:noFill/>
+          <a:ln>
+            <a:noFill/>
+          </a:ln>
+        </p:spPr>
+      </p:pic>
+      <p:sp>
+        <p:nvSpPr>
+          <p:cNvPr id="90" name="Shape 90"/>
+          <p:cNvSpPr txBox="1"/>
+          <p:nvPr/>
+        </p:nvSpPr>
+        <p:spPr>
+          <a:xfrm>
+            <a:off x="401375" y="686425"/>
+            <a:ext cx="3500700" cy="331500"/>
+          </a:xfrm>
+          <a:prstGeom prst="rect">
+            <a:avLst/>
+          </a:prstGeom>
+          <a:noFill/>
+          <a:ln>
+            <a:noFill/>
+          </a:ln>
+        </p:spPr>
+        <p:txBody>
+          <a:bodyPr anchorCtr="0" anchor="t" bIns="91425" lIns="91425" rIns="91425" wrap="square" tIns="91425">
+            <a:noAutofit/>
+          </a:bodyPr>
+          <a:lstStyle/>
+          <a:p>
+            <a:pPr lvl="0">
+              <a:spcBef>
+                <a:spcPts val="0"/>
+              </a:spcBef>
+              <a:buNone/>
+            </a:pPr>
+            <a:r>
+              <a:rPr lang="es"/>
+              <a:t>Addition of Singleton Manager Classes</a:t>
+            </a:r>
+          </a:p>
+        </p:txBody>
+      </p:sp>
+      <p:sp>
+        <p:nvSpPr>
+          <p:cNvPr id="91" name="Shape 91"/>
+          <p:cNvSpPr txBox="1"/>
+          <p:nvPr/>
+        </p:nvSpPr>
+        <p:spPr>
+          <a:xfrm>
+            <a:off x="4812750" y="686425"/>
+            <a:ext cx="2627700" cy="532500"/>
+          </a:xfrm>
+          <a:prstGeom prst="rect">
+            <a:avLst/>
+          </a:prstGeom>
+          <a:noFill/>
+          <a:ln>
+            <a:noFill/>
+          </a:ln>
+        </p:spPr>
+        <p:txBody>
+          <a:bodyPr anchorCtr="0" anchor="t" bIns="91425" lIns="91425" rIns="91425" wrap="square" tIns="91425">
+            <a:noAutofit/>
+          </a:bodyPr>
+          <a:lstStyle/>
+          <a:p>
+            <a:pPr lvl="0">
+              <a:spcBef>
+                <a:spcPts val="0"/>
+              </a:spcBef>
+              <a:buNone/>
+            </a:pPr>
+            <a:r>
+              <a:rPr lang="es"/>
+              <a:t>Addition of JungleGame Class</a:t>
+            </a:r>
+          </a:p>
+        </p:txBody>
+      </p:sp>
     </p:spTree>
   </p:cSld>
   <p:clrMapOvr>
@@ -15065,7 +15441,7 @@
     </p:bg>
     <p:spTree>
       <p:nvGrpSpPr>
-        <p:cNvPr id="90" name="Shape 90"/>
+        <p:cNvPr id="95" name="Shape 95"/>
         <p:cNvGrpSpPr/>
         <p:nvPr/>
       </p:nvGrpSpPr>
@@ -15079,7 +15455,7 @@
       </p:grpSpPr>
       <p:sp>
         <p:nvSpPr>
-          <p:cNvPr id="91" name="Shape 91"/>
+          <p:cNvPr id="96" name="Shape 96"/>
           <p:cNvSpPr txBox="1"/>
           <p:nvPr>
             <p:ph type="title"/>
@@ -15087,7 +15463,7 @@
         </p:nvSpPr>
         <p:spPr>
           <a:xfrm>
-            <a:off x="152400" y="179975"/>
+            <a:off x="91088" y="75900"/>
             <a:ext cx="8520600" cy="572700"/>
           </a:xfrm>
           <a:prstGeom prst="rect">
@@ -15113,14 +15489,14 @@
                 <a:cs typeface="Cambria"/>
                 <a:sym typeface="Cambria"/>
               </a:rPr>
-              <a:t>Design Class Diagram: Jungle Network</a:t>
+              <a:t>Design Class Diagram: Jungle Network - Before</a:t>
             </a:r>
           </a:p>
         </p:txBody>
       </p:sp>
       <p:pic>
         <p:nvPicPr>
-          <p:cNvPr descr="Jungle Network.png" id="92" name="Shape 92"/>
+          <p:cNvPr id="97" name="Shape 97"/>
           <p:cNvPicPr preferRelativeResize="0"/>
           <p:nvPr/>
         </p:nvPicPr>
@@ -15134,8 +15510,8 @@
         </p:blipFill>
         <p:spPr>
           <a:xfrm>
-            <a:off x="2348339" y="752675"/>
-            <a:ext cx="4128728" cy="4265820"/>
+            <a:off x="152400" y="905075"/>
+            <a:ext cx="8397978" cy="4086026"/>
           </a:xfrm>
           <a:prstGeom prst="rect">
             <a:avLst/>
@@ -15166,7 +15542,7 @@
     </p:bg>
     <p:spTree>
       <p:nvGrpSpPr>
-        <p:cNvPr id="96" name="Shape 96"/>
+        <p:cNvPr id="101" name="Shape 101"/>
         <p:cNvGrpSpPr/>
         <p:nvPr/>
       </p:nvGrpSpPr>
@@ -15180,7 +15556,7 @@
       </p:grpSpPr>
       <p:sp>
         <p:nvSpPr>
-          <p:cNvPr id="97" name="Shape 97"/>
+          <p:cNvPr id="102" name="Shape 102"/>
           <p:cNvSpPr txBox="1"/>
           <p:nvPr>
             <p:ph type="title"/>
@@ -15214,14 +15590,14 @@
                 <a:cs typeface="Cambria"/>
                 <a:sym typeface="Cambria"/>
               </a:rPr>
-              <a:t>Design Class Diagram: Jungle Server</a:t>
+              <a:t>Design Class Diagram: Jungle Server - After</a:t>
             </a:r>
           </a:p>
         </p:txBody>
       </p:sp>
       <p:pic>
         <p:nvPicPr>
-          <p:cNvPr id="98" name="Shape 98"/>
+          <p:cNvPr id="103" name="Shape 103"/>
           <p:cNvPicPr preferRelativeResize="0"/>
           <p:nvPr/>
         </p:nvPicPr>
@@ -15267,7 +15643,292 @@
     </p:bg>
     <p:spTree>
       <p:nvGrpSpPr>
-        <p:cNvPr id="102" name="Shape 102"/>
+        <p:cNvPr id="107" name="Shape 107"/>
+        <p:cNvGrpSpPr/>
+        <p:nvPr/>
+      </p:nvGrpSpPr>
+      <p:grpSpPr>
+        <a:xfrm>
+          <a:off x="0" y="0"/>
+          <a:ext cx="0" cy="0"/>
+          <a:chOff x="0" y="0"/>
+          <a:chExt cx="0" cy="0"/>
+        </a:xfrm>
+      </p:grpSpPr>
+      <p:grpSp>
+        <p:nvGrpSpPr>
+          <p:cNvPr id="108" name="Shape 108"/>
+          <p:cNvGrpSpPr/>
+          <p:nvPr/>
+        </p:nvGrpSpPr>
+        <p:grpSpPr>
+          <a:xfrm>
+            <a:off x="135870" y="74894"/>
+            <a:ext cx="8627355" cy="5024154"/>
+            <a:chOff x="819700" y="647575"/>
+            <a:chExt cx="7072762" cy="4343524"/>
+          </a:xfrm>
+        </p:grpSpPr>
+        <p:pic>
+          <p:nvPicPr>
+            <p:cNvPr id="109" name="Shape 109"/>
+            <p:cNvPicPr preferRelativeResize="0"/>
+            <p:nvPr/>
+          </p:nvPicPr>
+          <p:blipFill>
+            <a:blip r:embed="rId3">
+              <a:alphaModFix/>
+            </a:blip>
+            <a:stretch>
+              <a:fillRect/>
+            </a:stretch>
+          </p:blipFill>
+          <p:spPr>
+            <a:xfrm>
+              <a:off x="819700" y="647575"/>
+              <a:ext cx="7072762" cy="4343524"/>
+            </a:xfrm>
+            <a:prstGeom prst="rect">
+              <a:avLst/>
+            </a:prstGeom>
+            <a:noFill/>
+            <a:ln>
+              <a:noFill/>
+            </a:ln>
+          </p:spPr>
+        </p:pic>
+        <p:sp>
+          <p:nvSpPr>
+            <p:cNvPr id="110" name="Shape 110"/>
+            <p:cNvSpPr/>
+            <p:nvPr/>
+          </p:nvSpPr>
+          <p:spPr>
+            <a:xfrm>
+              <a:off x="946775" y="1933850"/>
+              <a:ext cx="2108400" cy="1245600"/>
+            </a:xfrm>
+            <a:prstGeom prst="rect">
+              <a:avLst/>
+            </a:prstGeom>
+            <a:noFill/>
+            <a:ln cap="flat" cmpd="sng" w="9525">
+              <a:solidFill>
+                <a:srgbClr val="FF0000"/>
+              </a:solidFill>
+              <a:prstDash val="solid"/>
+              <a:round/>
+              <a:headEnd len="med" w="med" type="none"/>
+              <a:tailEnd len="med" w="med" type="none"/>
+            </a:ln>
+          </p:spPr>
+          <p:txBody>
+            <a:bodyPr anchorCtr="0" anchor="ctr" bIns="91425" lIns="91425" rIns="91425" wrap="square" tIns="91425">
+              <a:noAutofit/>
+            </a:bodyPr>
+            <a:lstStyle/>
+            <a:p>
+              <a:pPr lvl="0">
+                <a:spcBef>
+                  <a:spcPts val="0"/>
+                </a:spcBef>
+                <a:buNone/>
+              </a:pPr>
+              <a:r>
+                <a:t/>
+              </a:r>
+              <a:endParaRPr/>
+            </a:p>
+          </p:txBody>
+        </p:sp>
+        <p:sp>
+          <p:nvSpPr>
+            <p:cNvPr id="111" name="Shape 111"/>
+            <p:cNvSpPr/>
+            <p:nvPr/>
+          </p:nvSpPr>
+          <p:spPr>
+            <a:xfrm>
+              <a:off x="3301875" y="1933850"/>
+              <a:ext cx="2108400" cy="1245600"/>
+            </a:xfrm>
+            <a:prstGeom prst="rect">
+              <a:avLst/>
+            </a:prstGeom>
+            <a:noFill/>
+            <a:ln cap="flat" cmpd="sng" w="9525">
+              <a:solidFill>
+                <a:srgbClr val="FF0000"/>
+              </a:solidFill>
+              <a:prstDash val="solid"/>
+              <a:round/>
+              <a:headEnd len="med" w="med" type="none"/>
+              <a:tailEnd len="med" w="med" type="none"/>
+            </a:ln>
+          </p:spPr>
+          <p:txBody>
+            <a:bodyPr anchorCtr="0" anchor="ctr" bIns="91425" lIns="91425" rIns="91425" wrap="square" tIns="91425">
+              <a:noAutofit/>
+            </a:bodyPr>
+            <a:lstStyle/>
+            <a:p>
+              <a:pPr lvl="0" rtl="0">
+                <a:spcBef>
+                  <a:spcPts val="0"/>
+                </a:spcBef>
+                <a:buNone/>
+              </a:pPr>
+              <a:r>
+                <a:t/>
+              </a:r>
+              <a:endParaRPr/>
+            </a:p>
+          </p:txBody>
+        </p:sp>
+        <p:sp>
+          <p:nvSpPr>
+            <p:cNvPr id="112" name="Shape 112"/>
+            <p:cNvSpPr/>
+            <p:nvPr/>
+          </p:nvSpPr>
+          <p:spPr>
+            <a:xfrm>
+              <a:off x="5656975" y="1933850"/>
+              <a:ext cx="2108400" cy="1245600"/>
+            </a:xfrm>
+            <a:prstGeom prst="rect">
+              <a:avLst/>
+            </a:prstGeom>
+            <a:noFill/>
+            <a:ln cap="flat" cmpd="sng" w="9525">
+              <a:solidFill>
+                <a:srgbClr val="FF0000"/>
+              </a:solidFill>
+              <a:prstDash val="solid"/>
+              <a:round/>
+              <a:headEnd len="med" w="med" type="none"/>
+              <a:tailEnd len="med" w="med" type="none"/>
+            </a:ln>
+          </p:spPr>
+          <p:txBody>
+            <a:bodyPr anchorCtr="0" anchor="ctr" bIns="91425" lIns="91425" rIns="91425" wrap="square" tIns="91425">
+              <a:noAutofit/>
+            </a:bodyPr>
+            <a:lstStyle/>
+            <a:p>
+              <a:pPr lvl="0" rtl="0">
+                <a:spcBef>
+                  <a:spcPts val="0"/>
+                </a:spcBef>
+                <a:buNone/>
+              </a:pPr>
+              <a:r>
+                <a:t/>
+              </a:r>
+              <a:endParaRPr/>
+            </a:p>
+          </p:txBody>
+        </p:sp>
+      </p:grpSp>
+      <p:sp>
+        <p:nvSpPr>
+          <p:cNvPr id="113" name="Shape 113"/>
+          <p:cNvSpPr txBox="1"/>
+          <p:nvPr>
+            <p:ph type="title"/>
+          </p:nvPr>
+        </p:nvSpPr>
+        <p:spPr>
+          <a:xfrm>
+            <a:off x="95775" y="74875"/>
+            <a:ext cx="8793900" cy="572700"/>
+          </a:xfrm>
+          <a:prstGeom prst="rect">
+            <a:avLst/>
+          </a:prstGeom>
+          <a:solidFill>
+            <a:srgbClr val="EFEFEF"/>
+          </a:solidFill>
+        </p:spPr>
+        <p:txBody>
+          <a:bodyPr anchorCtr="0" anchor="t" bIns="91425" lIns="91425" rIns="91425" wrap="square" tIns="91425">
+            <a:noAutofit/>
+          </a:bodyPr>
+          <a:lstStyle/>
+          <a:p>
+            <a:pPr indent="0" lvl="0" marL="0" rtl="0" algn="l">
+              <a:spcBef>
+                <a:spcPts val="0"/>
+              </a:spcBef>
+              <a:buNone/>
+            </a:pPr>
+            <a:r>
+              <a:rPr b="1" i="1" lang="es">
+                <a:latin typeface="Cambria"/>
+                <a:ea typeface="Cambria"/>
+                <a:cs typeface="Cambria"/>
+                <a:sym typeface="Cambria"/>
+              </a:rPr>
+              <a:t>Server Structure &amp; Packages</a:t>
+            </a:r>
+          </a:p>
+          <a:p>
+            <a:pPr lvl="0" rtl="0" algn="l">
+              <a:spcBef>
+                <a:spcPts val="0"/>
+              </a:spcBef>
+              <a:buNone/>
+            </a:pPr>
+            <a:r>
+              <a:t/>
+            </a:r>
+            <a:endParaRPr b="1" i="1">
+              <a:latin typeface="Cambria"/>
+              <a:ea typeface="Cambria"/>
+              <a:cs typeface="Cambria"/>
+              <a:sym typeface="Cambria"/>
+            </a:endParaRPr>
+          </a:p>
+          <a:p>
+            <a:pPr lvl="0" rtl="0" algn="l">
+              <a:spcBef>
+                <a:spcPts val="0"/>
+              </a:spcBef>
+              <a:buNone/>
+            </a:pPr>
+            <a:r>
+              <a:t/>
+            </a:r>
+            <a:endParaRPr b="1" i="1">
+              <a:latin typeface="Cambria"/>
+              <a:ea typeface="Cambria"/>
+              <a:cs typeface="Cambria"/>
+              <a:sym typeface="Cambria"/>
+            </a:endParaRPr>
+          </a:p>
+        </p:txBody>
+      </p:sp>
+    </p:spTree>
+  </p:cSld>
+  <p:clrMapOvr>
+    <a:masterClrMapping/>
+  </p:clrMapOvr>
+</p:sld>
+</file>
+
+<file path=ppt/slides/slide9.xml><?xml version="1.0" encoding="utf-8"?>
+<p:sld xmlns:a="http://schemas.openxmlformats.org/drawingml/2006/main" xmlns:r="http://schemas.openxmlformats.org/officeDocument/2006/relationships" xmlns:mc="http://schemas.openxmlformats.org/markup-compatibility/2006" xmlns:mv="urn:schemas-microsoft-com:mac:vml" xmlns:p="http://schemas.openxmlformats.org/presentationml/2006/main" xmlns:c="http://schemas.openxmlformats.org/drawingml/2006/chart" xmlns:dgm="http://schemas.openxmlformats.org/drawingml/2006/diagram" xmlns:o="urn:schemas-microsoft-com:office:office" xmlns:v="urn:schemas-microsoft-com:vml" xmlns:pvml="urn:schemas-microsoft-com:office:powerpoint" xmlns:com="http://schemas.openxmlformats.org/drawingml/2006/compatibility" xmlns:p14="http://schemas.microsoft.com/office/powerpoint/2010/main" xmlns:p15="http://schemas.microsoft.com/office/powerpoint/2012/main">
+  <p:cSld>
+    <p:bg>
+      <p:bgPr>
+        <a:solidFill>
+          <a:srgbClr val="EFEFEF"/>
+        </a:solidFill>
+      </p:bgPr>
+    </p:bg>
+    <p:spTree>
+      <p:nvGrpSpPr>
+        <p:cNvPr id="117" name="Shape 117"/>
         <p:cNvGrpSpPr/>
         <p:nvPr/>
       </p:nvGrpSpPr>
@@ -15281,7 +15942,7 @@
       </p:grpSpPr>
       <p:sp>
         <p:nvSpPr>
-          <p:cNvPr id="103" name="Shape 103"/>
+          <p:cNvPr id="118" name="Shape 118"/>
           <p:cNvSpPr txBox="1"/>
           <p:nvPr>
             <p:ph type="title"/>
@@ -15339,143 +16000,22 @@
       </p:sp>
       <p:pic>
         <p:nvPicPr>
-          <p:cNvPr descr="Login.png" id="104" name="Shape 104"/>
+          <p:cNvPr id="119" name="Shape 119"/>
           <p:cNvPicPr preferRelativeResize="0"/>
           <p:nvPr/>
         </p:nvPicPr>
-        <p:blipFill rotWithShape="1">
+        <p:blipFill>
           <a:blip r:embed="rId3">
             <a:alphaModFix/>
           </a:blip>
-          <a:srcRect b="14537" l="5123" r="0" t="0"/>
-          <a:stretch/>
+          <a:stretch>
+            <a:fillRect/>
+          </a:stretch>
         </p:blipFill>
         <p:spPr>
           <a:xfrm>
-            <a:off x="2259225" y="382525"/>
-            <a:ext cx="6692326" cy="4658698"/>
-          </a:xfrm>
-          <a:prstGeom prst="rect">
-            <a:avLst/>
-          </a:prstGeom>
-          <a:noFill/>
-          <a:ln>
-            <a:noFill/>
-          </a:ln>
-        </p:spPr>
-      </p:pic>
-    </p:spTree>
-  </p:cSld>
-  <p:clrMapOvr>
-    <a:masterClrMapping/>
-  </p:clrMapOvr>
-</p:sld>
-</file>
-
-<file path=ppt/slides/slide9.xml><?xml version="1.0" encoding="utf-8"?>
-<p:sld xmlns:a="http://schemas.openxmlformats.org/drawingml/2006/main" xmlns:r="http://schemas.openxmlformats.org/officeDocument/2006/relationships" xmlns:mc="http://schemas.openxmlformats.org/markup-compatibility/2006" xmlns:mv="urn:schemas-microsoft-com:mac:vml" xmlns:p="http://schemas.openxmlformats.org/presentationml/2006/main" xmlns:c="http://schemas.openxmlformats.org/drawingml/2006/chart" xmlns:dgm="http://schemas.openxmlformats.org/drawingml/2006/diagram" xmlns:o="urn:schemas-microsoft-com:office:office" xmlns:v="urn:schemas-microsoft-com:vml" xmlns:pvml="urn:schemas-microsoft-com:office:powerpoint" xmlns:com="http://schemas.openxmlformats.org/drawingml/2006/compatibility" xmlns:p14="http://schemas.microsoft.com/office/powerpoint/2010/main" xmlns:p15="http://schemas.microsoft.com/office/powerpoint/2012/main">
-  <p:cSld>
-    <p:bg>
-      <p:bgPr>
-        <a:solidFill>
-          <a:srgbClr val="EFEFEF"/>
-        </a:solidFill>
-      </p:bgPr>
-    </p:bg>
-    <p:spTree>
-      <p:nvGrpSpPr>
-        <p:cNvPr id="108" name="Shape 108"/>
-        <p:cNvGrpSpPr/>
-        <p:nvPr/>
-      </p:nvGrpSpPr>
-      <p:grpSpPr>
-        <a:xfrm>
-          <a:off x="0" y="0"/>
-          <a:ext cx="0" cy="0"/>
-          <a:chOff x="0" y="0"/>
-          <a:chExt cx="0" cy="0"/>
-        </a:xfrm>
-      </p:grpSpPr>
-      <p:sp>
-        <p:nvSpPr>
-          <p:cNvPr id="109" name="Shape 109"/>
-          <p:cNvSpPr txBox="1"/>
-          <p:nvPr>
-            <p:ph type="title"/>
-          </p:nvPr>
-        </p:nvSpPr>
-        <p:spPr>
-          <a:xfrm>
-            <a:off x="86425" y="0"/>
-            <a:ext cx="8520600" cy="572700"/>
-          </a:xfrm>
-          <a:prstGeom prst="rect">
-            <a:avLst/>
-          </a:prstGeom>
-        </p:spPr>
-        <p:txBody>
-          <a:bodyPr anchorCtr="0" anchor="t" bIns="91425" lIns="91425" rIns="91425" wrap="square" tIns="91425">
-            <a:noAutofit/>
-          </a:bodyPr>
-          <a:lstStyle/>
-          <a:p>
-            <a:pPr lvl="0" rtl="0">
-              <a:spcBef>
-                <a:spcPts val="0"/>
-              </a:spcBef>
-              <a:buClr>
-                <a:schemeClr val="dk1"/>
-              </a:buClr>
-              <a:buSzPct val="39285"/>
-              <a:buFont typeface="Arial"/>
-              <a:buNone/>
-            </a:pPr>
-            <a:r>
-              <a:rPr b="1" i="1" lang="es">
-                <a:latin typeface="Cambria"/>
-                <a:ea typeface="Cambria"/>
-                <a:cs typeface="Cambria"/>
-                <a:sym typeface="Cambria"/>
-              </a:rPr>
-              <a:t>Sequence Diagram:</a:t>
-            </a:r>
-          </a:p>
-          <a:p>
-            <a:pPr lvl="0" rtl="0" algn="l">
-              <a:spcBef>
-                <a:spcPts val="0"/>
-              </a:spcBef>
-              <a:buNone/>
-            </a:pPr>
-            <a:r>
-              <a:rPr b="1" i="1" lang="es">
-                <a:latin typeface="Cambria"/>
-                <a:ea typeface="Cambria"/>
-                <a:cs typeface="Cambria"/>
-                <a:sym typeface="Cambria"/>
-              </a:rPr>
-              <a:t>Register</a:t>
-            </a:r>
-          </a:p>
-        </p:txBody>
-      </p:sp>
-      <p:pic>
-        <p:nvPicPr>
-          <p:cNvPr descr="Sequence Diagrams - Register.png" id="110" name="Shape 110"/>
-          <p:cNvPicPr preferRelativeResize="0"/>
-          <p:nvPr/>
-        </p:nvPicPr>
-        <p:blipFill rotWithShape="1">
-          <a:blip r:embed="rId3">
-            <a:alphaModFix/>
-          </a:blip>
-          <a:srcRect b="13650" l="0" r="2210" t="3016"/>
-          <a:stretch/>
-        </p:blipFill>
-        <p:spPr>
-          <a:xfrm>
-            <a:off x="1982525" y="427112"/>
-            <a:ext cx="7161474" cy="4716376"/>
+            <a:off x="152400" y="725100"/>
+            <a:ext cx="8676385" cy="4265999"/>
           </a:xfrm>
           <a:prstGeom prst="rect">
             <a:avLst/>
@@ -15495,6 +16035,285 @@
 </file>
 
 <file path=ppt/theme/theme1.xml><?xml version="1.0" encoding="utf-8"?>
+<a:theme xmlns:a="http://schemas.openxmlformats.org/drawingml/2006/main" xmlns:r="http://schemas.openxmlformats.org/officeDocument/2006/relationships" name="Custom Theme">
+  <a:themeElements>
+    <a:clrScheme name="Default">
+      <a:dk1>
+        <a:srgbClr val="000000"/>
+      </a:dk1>
+      <a:lt1>
+        <a:srgbClr val="FFFFFF"/>
+      </a:lt1>
+      <a:dk2>
+        <a:srgbClr val="158158"/>
+      </a:dk2>
+      <a:lt2>
+        <a:srgbClr val="F3F3F3"/>
+      </a:lt2>
+      <a:accent1>
+        <a:srgbClr val="058DC7"/>
+      </a:accent1>
+      <a:accent2>
+        <a:srgbClr val="50B432"/>
+      </a:accent2>
+      <a:accent3>
+        <a:srgbClr val="ED561B"/>
+      </a:accent3>
+      <a:accent4>
+        <a:srgbClr val="EDEF00"/>
+      </a:accent4>
+      <a:accent5>
+        <a:srgbClr val="24CBE5"/>
+      </a:accent5>
+      <a:accent6>
+        <a:srgbClr val="64E572"/>
+      </a:accent6>
+      <a:hlink>
+        <a:srgbClr val="2200CC"/>
+      </a:hlink>
+      <a:folHlink>
+        <a:srgbClr val="551A8B"/>
+      </a:folHlink>
+    </a:clrScheme>
+    <a:fontScheme name="Office">
+      <a:majorFont>
+        <a:latin typeface="Arial"/>
+        <a:ea typeface=""/>
+        <a:cs typeface=""/>
+        <a:font script="Jpan" typeface="ＭＳ Ｐゴシック"/>
+        <a:font script="Hang" typeface="맑은 고딕"/>
+        <a:font script="Hans" typeface="宋体"/>
+        <a:font script="Hant" typeface="新細明體"/>
+        <a:font script="Arab" typeface="Times New Roman"/>
+        <a:font script="Hebr" typeface="Times New Roman"/>
+        <a:font script="Thai" typeface="Angsana New"/>
+        <a:font script="Ethi" typeface="Nyala"/>
+        <a:font script="Beng" typeface="Vrinda"/>
+        <a:font script="Gujr" typeface="Shruti"/>
+        <a:font script="Khmr" typeface="MoolBoran"/>
+        <a:font script="Knda" typeface="Tunga"/>
+        <a:font script="Guru" typeface="Raavi"/>
+        <a:font script="Cans" typeface="Euphemia"/>
+        <a:font script="Cher" typeface="Plantagenet Cherokee"/>
+        <a:font script="Yiii" typeface="Microsoft Yi Baiti"/>
+        <a:font script="Tibt" typeface="Microsoft Himalaya"/>
+        <a:font script="Thaa" typeface="MV Boli"/>
+        <a:font script="Deva" typeface="Mangal"/>
+        <a:font script="Telu" typeface="Gautami"/>
+        <a:font script="Taml" typeface="Latha"/>
+        <a:font script="Syrc" typeface="Estrangelo Edessa"/>
+        <a:font script="Orya" typeface="Kalinga"/>
+        <a:font script="Mlym" typeface="Kartika"/>
+        <a:font script="Laoo" typeface="DokChampa"/>
+        <a:font script="Sinh" typeface="Iskoola Pota"/>
+        <a:font script="Mong" typeface="Mongolian Baiti"/>
+        <a:font script="Viet" typeface="Times New Roman"/>
+        <a:font script="Uigh" typeface="Microsoft Uighur"/>
+        <a:font script="Geor" typeface="Sylfaen"/>
+      </a:majorFont>
+      <a:minorFont>
+        <a:latin typeface="Arial"/>
+        <a:ea typeface=""/>
+        <a:cs typeface=""/>
+        <a:font script="Jpan" typeface="ＭＳ Ｐゴシック"/>
+        <a:font script="Hang" typeface="맑은 고딕"/>
+        <a:font script="Hans" typeface="宋体"/>
+        <a:font script="Hant" typeface="新細明體"/>
+        <a:font script="Arab" typeface="Arial"/>
+        <a:font script="Hebr" typeface="Arial"/>
+        <a:font script="Thai" typeface="Cordia New"/>
+        <a:font script="Ethi" typeface="Nyala"/>
+        <a:font script="Beng" typeface="Vrinda"/>
+        <a:font script="Gujr" typeface="Shruti"/>
+        <a:font script="Khmr" typeface="DaunPenh"/>
+        <a:font script="Knda" typeface="Tunga"/>
+        <a:font script="Guru" typeface="Raavi"/>
+        <a:font script="Cans" typeface="Euphemia"/>
+        <a:font script="Cher" typeface="Plantagenet Cherokee"/>
+        <a:font script="Yiii" typeface="Microsoft Yi Baiti"/>
+        <a:font script="Tibt" typeface="Microsoft Himalaya"/>
+        <a:font script="Thaa" typeface="MV Boli"/>
+        <a:font script="Deva" typeface="Mangal"/>
+        <a:font script="Telu" typeface="Gautami"/>
+        <a:font script="Taml" typeface="Latha"/>
+        <a:font script="Syrc" typeface="Estrangelo Edessa"/>
+        <a:font script="Orya" typeface="Kalinga"/>
+        <a:font script="Mlym" typeface="Kartika"/>
+        <a:font script="Laoo" typeface="DokChampa"/>
+        <a:font script="Sinh" typeface="Iskoola Pota"/>
+        <a:font script="Mong" typeface="Mongolian Baiti"/>
+        <a:font script="Viet" typeface="Arial"/>
+        <a:font script="Uigh" typeface="Microsoft Uighur"/>
+        <a:font script="Geor" typeface="Sylfaen"/>
+      </a:minorFont>
+    </a:fontScheme>
+    <a:fmtScheme name="Office">
+      <a:fillStyleLst>
+        <a:solidFill>
+          <a:schemeClr val="phClr"/>
+        </a:solidFill>
+        <a:gradFill rotWithShape="1">
+          <a:gsLst>
+            <a:gs pos="0">
+              <a:schemeClr val="phClr">
+                <a:tint val="50000"/>
+                <a:satMod val="300000"/>
+              </a:schemeClr>
+            </a:gs>
+            <a:gs pos="35000">
+              <a:schemeClr val="phClr">
+                <a:tint val="37000"/>
+                <a:satMod val="300000"/>
+              </a:schemeClr>
+            </a:gs>
+            <a:gs pos="100000">
+              <a:schemeClr val="phClr">
+                <a:tint val="15000"/>
+                <a:satMod val="350000"/>
+              </a:schemeClr>
+            </a:gs>
+          </a:gsLst>
+          <a:lin ang="16200000" scaled="1"/>
+        </a:gradFill>
+        <a:gradFill rotWithShape="1">
+          <a:gsLst>
+            <a:gs pos="0">
+              <a:schemeClr val="phClr">
+                <a:tint val="100000"/>
+                <a:shade val="100000"/>
+                <a:satMod val="130000"/>
+              </a:schemeClr>
+            </a:gs>
+            <a:gs pos="100000">
+              <a:schemeClr val="phClr">
+                <a:tint val="50000"/>
+                <a:shade val="100000"/>
+                <a:satMod val="350000"/>
+              </a:schemeClr>
+            </a:gs>
+          </a:gsLst>
+          <a:lin ang="16200000" scaled="0"/>
+        </a:gradFill>
+      </a:fillStyleLst>
+      <a:lnStyleLst>
+        <a:ln w="9525" cap="flat" cmpd="sng" algn="ctr">
+          <a:solidFill>
+            <a:schemeClr val="phClr">
+              <a:shade val="95000"/>
+              <a:satMod val="105000"/>
+            </a:schemeClr>
+          </a:solidFill>
+          <a:prstDash val="solid"/>
+        </a:ln>
+        <a:ln w="25400" cap="flat" cmpd="sng" algn="ctr">
+          <a:solidFill>
+            <a:schemeClr val="phClr"/>
+          </a:solidFill>
+          <a:prstDash val="solid"/>
+        </a:ln>
+        <a:ln w="38100" cap="flat" cmpd="sng" algn="ctr">
+          <a:solidFill>
+            <a:schemeClr val="phClr"/>
+          </a:solidFill>
+          <a:prstDash val="solid"/>
+        </a:ln>
+      </a:lnStyleLst>
+      <a:effectStyleLst>
+        <a:effectStyle>
+          <a:effectLst>
+            <a:outerShdw blurRad="40000" dist="20000" dir="5400000" rotWithShape="0">
+              <a:srgbClr val="000000">
+                <a:alpha val="38000"/>
+              </a:srgbClr>
+            </a:outerShdw>
+          </a:effectLst>
+        </a:effectStyle>
+        <a:effectStyle>
+          <a:effectLst>
+            <a:outerShdw blurRad="40000" dist="23000" dir="5400000" rotWithShape="0">
+              <a:srgbClr val="000000">
+                <a:alpha val="35000"/>
+              </a:srgbClr>
+            </a:outerShdw>
+          </a:effectLst>
+        </a:effectStyle>
+        <a:effectStyle>
+          <a:effectLst>
+            <a:outerShdw blurRad="40000" dist="23000" dir="5400000" rotWithShape="0">
+              <a:srgbClr val="000000">
+                <a:alpha val="35000"/>
+              </a:srgbClr>
+            </a:outerShdw>
+          </a:effectLst>
+          <a:scene3d>
+            <a:camera prst="orthographicFront">
+              <a:rot lat="0" lon="0" rev="0"/>
+            </a:camera>
+            <a:lightRig rig="threePt" dir="t">
+              <a:rot lat="0" lon="0" rev="1200000"/>
+            </a:lightRig>
+          </a:scene3d>
+          <a:sp3d>
+            <a:bevelT w="63500" h="25400"/>
+          </a:sp3d>
+        </a:effectStyle>
+      </a:effectStyleLst>
+      <a:bgFillStyleLst>
+        <a:solidFill>
+          <a:schemeClr val="phClr"/>
+        </a:solidFill>
+        <a:gradFill rotWithShape="1">
+          <a:gsLst>
+            <a:gs pos="0">
+              <a:schemeClr val="phClr">
+                <a:tint val="40000"/>
+                <a:satMod val="350000"/>
+              </a:schemeClr>
+            </a:gs>
+            <a:gs pos="40000">
+              <a:schemeClr val="phClr">
+                <a:tint val="45000"/>
+                <a:shade val="99000"/>
+                <a:satMod val="350000"/>
+              </a:schemeClr>
+            </a:gs>
+            <a:gs pos="100000">
+              <a:schemeClr val="phClr">
+                <a:shade val="20000"/>
+                <a:satMod val="255000"/>
+              </a:schemeClr>
+            </a:gs>
+          </a:gsLst>
+          <a:path path="circle">
+            <a:fillToRect l="50000" t="-80000" r="50000" b="180000"/>
+          </a:path>
+        </a:gradFill>
+        <a:gradFill rotWithShape="1">
+          <a:gsLst>
+            <a:gs pos="0">
+              <a:schemeClr val="phClr">
+                <a:tint val="80000"/>
+                <a:satMod val="300000"/>
+              </a:schemeClr>
+            </a:gs>
+            <a:gs pos="100000">
+              <a:schemeClr val="phClr">
+                <a:shade val="30000"/>
+                <a:satMod val="200000"/>
+              </a:schemeClr>
+            </a:gs>
+          </a:gsLst>
+          <a:path path="circle">
+            <a:fillToRect l="50000" t="50000" r="50000" b="50000"/>
+          </a:path>
+        </a:gradFill>
+      </a:bgFillStyleLst>
+    </a:fmtScheme>
+  </a:themeElements>
+</a:theme>
+</file>
+
+<file path=ppt/theme/theme2.xml><?xml version="1.0" encoding="utf-8"?>
 <a:theme xmlns:a="http://schemas.openxmlformats.org/drawingml/2006/main" xmlns:r="http://schemas.openxmlformats.org/officeDocument/2006/relationships" name="Simple Light">
   <a:themeElements>
     <a:clrScheme name="Simple Light">
@@ -15771,283 +16590,4 @@
     </a:fmtScheme>
   </a:themeElements>
 </a:theme>
-</file>
-
-<file path=ppt/theme/theme2.xml><?xml version="1.0" encoding="utf-8"?>
-<a:theme xmlns:a="http://schemas.openxmlformats.org/drawingml/2006/main" xmlns:r="http://schemas.openxmlformats.org/officeDocument/2006/relationships" name="Custom Theme">
-  <a:themeElements>
-    <a:clrScheme name="Default">
-      <a:dk1>
-        <a:srgbClr val="000000"/>
-      </a:dk1>
-      <a:lt1>
-        <a:srgbClr val="FFFFFF"/>
-      </a:lt1>
-      <a:dk2>
-        <a:srgbClr val="158158"/>
-      </a:dk2>
-      <a:lt2>
-        <a:srgbClr val="F3F3F3"/>
-      </a:lt2>
-      <a:accent1>
-        <a:srgbClr val="058DC7"/>
-      </a:accent1>
-      <a:accent2>
-        <a:srgbClr val="50B432"/>
-      </a:accent2>
-      <a:accent3>
-        <a:srgbClr val="ED561B"/>
-      </a:accent3>
-      <a:accent4>
-        <a:srgbClr val="EDEF00"/>
-      </a:accent4>
-      <a:accent5>
-        <a:srgbClr val="24CBE5"/>
-      </a:accent5>
-      <a:accent6>
-        <a:srgbClr val="64E572"/>
-      </a:accent6>
-      <a:hlink>
-        <a:srgbClr val="2200CC"/>
-      </a:hlink>
-      <a:folHlink>
-        <a:srgbClr val="551A8B"/>
-      </a:folHlink>
-    </a:clrScheme>
-    <a:fontScheme name="Office">
-      <a:majorFont>
-        <a:latin typeface="Arial"/>
-        <a:ea typeface=""/>
-        <a:cs typeface=""/>
-        <a:font script="Jpan" typeface="ＭＳ Ｐゴシック"/>
-        <a:font script="Hang" typeface="맑은 고딕"/>
-        <a:font script="Hans" typeface="宋体"/>
-        <a:font script="Hant" typeface="新細明體"/>
-        <a:font script="Arab" typeface="Times New Roman"/>
-        <a:font script="Hebr" typeface="Times New Roman"/>
-        <a:font script="Thai" typeface="Angsana New"/>
-        <a:font script="Ethi" typeface="Nyala"/>
-        <a:font script="Beng" typeface="Vrinda"/>
-        <a:font script="Gujr" typeface="Shruti"/>
-        <a:font script="Khmr" typeface="MoolBoran"/>
-        <a:font script="Knda" typeface="Tunga"/>
-        <a:font script="Guru" typeface="Raavi"/>
-        <a:font script="Cans" typeface="Euphemia"/>
-        <a:font script="Cher" typeface="Plantagenet Cherokee"/>
-        <a:font script="Yiii" typeface="Microsoft Yi Baiti"/>
-        <a:font script="Tibt" typeface="Microsoft Himalaya"/>
-        <a:font script="Thaa" typeface="MV Boli"/>
-        <a:font script="Deva" typeface="Mangal"/>
-        <a:font script="Telu" typeface="Gautami"/>
-        <a:font script="Taml" typeface="Latha"/>
-        <a:font script="Syrc" typeface="Estrangelo Edessa"/>
-        <a:font script="Orya" typeface="Kalinga"/>
-        <a:font script="Mlym" typeface="Kartika"/>
-        <a:font script="Laoo" typeface="DokChampa"/>
-        <a:font script="Sinh" typeface="Iskoola Pota"/>
-        <a:font script="Mong" typeface="Mongolian Baiti"/>
-        <a:font script="Viet" typeface="Times New Roman"/>
-        <a:font script="Uigh" typeface="Microsoft Uighur"/>
-        <a:font script="Geor" typeface="Sylfaen"/>
-      </a:majorFont>
-      <a:minorFont>
-        <a:latin typeface="Arial"/>
-        <a:ea typeface=""/>
-        <a:cs typeface=""/>
-        <a:font script="Jpan" typeface="ＭＳ Ｐゴシック"/>
-        <a:font script="Hang" typeface="맑은 고딕"/>
-        <a:font script="Hans" typeface="宋体"/>
-        <a:font script="Hant" typeface="新細明體"/>
-        <a:font script="Arab" typeface="Arial"/>
-        <a:font script="Hebr" typeface="Arial"/>
-        <a:font script="Thai" typeface="Cordia New"/>
-        <a:font script="Ethi" typeface="Nyala"/>
-        <a:font script="Beng" typeface="Vrinda"/>
-        <a:font script="Gujr" typeface="Shruti"/>
-        <a:font script="Khmr" typeface="DaunPenh"/>
-        <a:font script="Knda" typeface="Tunga"/>
-        <a:font script="Guru" typeface="Raavi"/>
-        <a:font script="Cans" typeface="Euphemia"/>
-        <a:font script="Cher" typeface="Plantagenet Cherokee"/>
-        <a:font script="Yiii" typeface="Microsoft Yi Baiti"/>
-        <a:font script="Tibt" typeface="Microsoft Himalaya"/>
-        <a:font script="Thaa" typeface="MV Boli"/>
-        <a:font script="Deva" typeface="Mangal"/>
-        <a:font script="Telu" typeface="Gautami"/>
-        <a:font script="Taml" typeface="Latha"/>
-        <a:font script="Syrc" typeface="Estrangelo Edessa"/>
-        <a:font script="Orya" typeface="Kalinga"/>
-        <a:font script="Mlym" typeface="Kartika"/>
-        <a:font script="Laoo" typeface="DokChampa"/>
-        <a:font script="Sinh" typeface="Iskoola Pota"/>
-        <a:font script="Mong" typeface="Mongolian Baiti"/>
-        <a:font script="Viet" typeface="Arial"/>
-        <a:font script="Uigh" typeface="Microsoft Uighur"/>
-        <a:font script="Geor" typeface="Sylfaen"/>
-      </a:minorFont>
-    </a:fontScheme>
-    <a:fmtScheme name="Office">
-      <a:fillStyleLst>
-        <a:solidFill>
-          <a:schemeClr val="phClr"/>
-        </a:solidFill>
-        <a:gradFill rotWithShape="1">
-          <a:gsLst>
-            <a:gs pos="0">
-              <a:schemeClr val="phClr">
-                <a:tint val="50000"/>
-                <a:satMod val="300000"/>
-              </a:schemeClr>
-            </a:gs>
-            <a:gs pos="35000">
-              <a:schemeClr val="phClr">
-                <a:tint val="37000"/>
-                <a:satMod val="300000"/>
-              </a:schemeClr>
-            </a:gs>
-            <a:gs pos="100000">
-              <a:schemeClr val="phClr">
-                <a:tint val="15000"/>
-                <a:satMod val="350000"/>
-              </a:schemeClr>
-            </a:gs>
-          </a:gsLst>
-          <a:lin ang="16200000" scaled="1"/>
-        </a:gradFill>
-        <a:gradFill rotWithShape="1">
-          <a:gsLst>
-            <a:gs pos="0">
-              <a:schemeClr val="phClr">
-                <a:tint val="100000"/>
-                <a:shade val="100000"/>
-                <a:satMod val="130000"/>
-              </a:schemeClr>
-            </a:gs>
-            <a:gs pos="100000">
-              <a:schemeClr val="phClr">
-                <a:tint val="50000"/>
-                <a:shade val="100000"/>
-                <a:satMod val="350000"/>
-              </a:schemeClr>
-            </a:gs>
-          </a:gsLst>
-          <a:lin ang="16200000" scaled="0"/>
-        </a:gradFill>
-      </a:fillStyleLst>
-      <a:lnStyleLst>
-        <a:ln w="9525" cap="flat" cmpd="sng" algn="ctr">
-          <a:solidFill>
-            <a:schemeClr val="phClr">
-              <a:shade val="95000"/>
-              <a:satMod val="105000"/>
-            </a:schemeClr>
-          </a:solidFill>
-          <a:prstDash val="solid"/>
-        </a:ln>
-        <a:ln w="25400" cap="flat" cmpd="sng" algn="ctr">
-          <a:solidFill>
-            <a:schemeClr val="phClr"/>
-          </a:solidFill>
-          <a:prstDash val="solid"/>
-        </a:ln>
-        <a:ln w="38100" cap="flat" cmpd="sng" algn="ctr">
-          <a:solidFill>
-            <a:schemeClr val="phClr"/>
-          </a:solidFill>
-          <a:prstDash val="solid"/>
-        </a:ln>
-      </a:lnStyleLst>
-      <a:effectStyleLst>
-        <a:effectStyle>
-          <a:effectLst>
-            <a:outerShdw blurRad="40000" dist="20000" dir="5400000" rotWithShape="0">
-              <a:srgbClr val="000000">
-                <a:alpha val="38000"/>
-              </a:srgbClr>
-            </a:outerShdw>
-          </a:effectLst>
-        </a:effectStyle>
-        <a:effectStyle>
-          <a:effectLst>
-            <a:outerShdw blurRad="40000" dist="23000" dir="5400000" rotWithShape="0">
-              <a:srgbClr val="000000">
-                <a:alpha val="35000"/>
-              </a:srgbClr>
-            </a:outerShdw>
-          </a:effectLst>
-        </a:effectStyle>
-        <a:effectStyle>
-          <a:effectLst>
-            <a:outerShdw blurRad="40000" dist="23000" dir="5400000" rotWithShape="0">
-              <a:srgbClr val="000000">
-                <a:alpha val="35000"/>
-              </a:srgbClr>
-            </a:outerShdw>
-          </a:effectLst>
-          <a:scene3d>
-            <a:camera prst="orthographicFront">
-              <a:rot lat="0" lon="0" rev="0"/>
-            </a:camera>
-            <a:lightRig rig="threePt" dir="t">
-              <a:rot lat="0" lon="0" rev="1200000"/>
-            </a:lightRig>
-          </a:scene3d>
-          <a:sp3d>
-            <a:bevelT w="63500" h="25400"/>
-          </a:sp3d>
-        </a:effectStyle>
-      </a:effectStyleLst>
-      <a:bgFillStyleLst>
-        <a:solidFill>
-          <a:schemeClr val="phClr"/>
-        </a:solidFill>
-        <a:gradFill rotWithShape="1">
-          <a:gsLst>
-            <a:gs pos="0">
-              <a:schemeClr val="phClr">
-                <a:tint val="40000"/>
-                <a:satMod val="350000"/>
-              </a:schemeClr>
-            </a:gs>
-            <a:gs pos="40000">
-              <a:schemeClr val="phClr">
-                <a:tint val="45000"/>
-                <a:shade val="99000"/>
-                <a:satMod val="350000"/>
-              </a:schemeClr>
-            </a:gs>
-            <a:gs pos="100000">
-              <a:schemeClr val="phClr">
-                <a:shade val="20000"/>
-                <a:satMod val="255000"/>
-              </a:schemeClr>
-            </a:gs>
-          </a:gsLst>
-          <a:path path="circle">
-            <a:fillToRect l="50000" t="-80000" r="50000" b="180000"/>
-          </a:path>
-        </a:gradFill>
-        <a:gradFill rotWithShape="1">
-          <a:gsLst>
-            <a:gs pos="0">
-              <a:schemeClr val="phClr">
-                <a:tint val="80000"/>
-                <a:satMod val="300000"/>
-              </a:schemeClr>
-            </a:gs>
-            <a:gs pos="100000">
-              <a:schemeClr val="phClr">
-                <a:shade val="30000"/>
-                <a:satMod val="200000"/>
-              </a:schemeClr>
-            </a:gs>
-          </a:gsLst>
-          <a:path path="circle">
-            <a:fillToRect l="50000" t="50000" r="50000" b="50000"/>
-          </a:path>
-        </a:gradFill>
-      </a:bgFillStyleLst>
-    </a:fmtScheme>
-  </a:themeElements>
-</a:theme>
 </file>
--- a/documentation/P4 Presentation.pptx
+++ b/documentation/P4 Presentation.pptx
@@ -23,8 +23,6 @@
     <p:sldId id="268" r:id="rId18"/>
     <p:sldId id="269" r:id="rId19"/>
     <p:sldId id="270" r:id="rId20"/>
-    <p:sldId id="271" r:id="rId21"/>
-    <p:sldId id="272" r:id="rId22"/>
   </p:sldIdLst>
   <p:sldSz cy="5143500" cx="9144000"/>
   <p:notesSz cx="6858000" cy="9144000"/>
@@ -500,7 +498,7 @@
   <p:cSld>
     <p:spTree>
       <p:nvGrpSpPr>
-        <p:cNvPr id="120" name="Shape 120"/>
+        <p:cNvPr id="119" name="Shape 119"/>
         <p:cNvGrpSpPr/>
         <p:nvPr/>
       </p:nvGrpSpPr>
@@ -514,7 +512,7 @@
       </p:grpSpPr>
       <p:sp>
         <p:nvSpPr>
-          <p:cNvPr id="121" name="Shape 121"/>
+          <p:cNvPr id="120" name="Shape 120"/>
           <p:cNvSpPr/>
           <p:nvPr>
             <p:ph idx="2" type="sldImg"/>
@@ -548,7 +546,7 @@
       </p:sp>
       <p:sp>
         <p:nvSpPr>
-          <p:cNvPr id="122" name="Shape 122"/>
+          <p:cNvPr id="121" name="Shape 121"/>
           <p:cNvSpPr txBox="1"/>
           <p:nvPr>
             <p:ph idx="1" type="body"/>
@@ -595,7 +593,7 @@
   <p:cSld>
     <p:spTree>
       <p:nvGrpSpPr>
-        <p:cNvPr id="126" name="Shape 126"/>
+        <p:cNvPr id="125" name="Shape 125"/>
         <p:cNvGrpSpPr/>
         <p:nvPr/>
       </p:nvGrpSpPr>
@@ -609,7 +607,7 @@
       </p:grpSpPr>
       <p:sp>
         <p:nvSpPr>
-          <p:cNvPr id="127" name="Shape 127"/>
+          <p:cNvPr id="126" name="Shape 126"/>
           <p:cNvSpPr/>
           <p:nvPr>
             <p:ph idx="2" type="sldImg"/>
@@ -643,7 +641,7 @@
       </p:sp>
       <p:sp>
         <p:nvSpPr>
-          <p:cNvPr id="128" name="Shape 128"/>
+          <p:cNvPr id="127" name="Shape 127"/>
           <p:cNvSpPr txBox="1"/>
           <p:nvPr>
             <p:ph idx="1" type="body"/>
@@ -690,7 +688,7 @@
   <p:cSld>
     <p:spTree>
       <p:nvGrpSpPr>
-        <p:cNvPr id="132" name="Shape 132"/>
+        <p:cNvPr id="131" name="Shape 131"/>
         <p:cNvGrpSpPr/>
         <p:nvPr/>
       </p:nvGrpSpPr>
@@ -704,7 +702,7 @@
       </p:grpSpPr>
       <p:sp>
         <p:nvSpPr>
-          <p:cNvPr id="133" name="Shape 133"/>
+          <p:cNvPr id="132" name="Shape 132"/>
           <p:cNvSpPr/>
           <p:nvPr>
             <p:ph idx="2" type="sldImg"/>
@@ -738,7 +736,7 @@
       </p:sp>
       <p:sp>
         <p:nvSpPr>
-          <p:cNvPr id="134" name="Shape 134"/>
+          <p:cNvPr id="133" name="Shape 133"/>
           <p:cNvSpPr txBox="1"/>
           <p:nvPr>
             <p:ph idx="1" type="body"/>
@@ -785,7 +783,7 @@
   <p:cSld>
     <p:spTree>
       <p:nvGrpSpPr>
-        <p:cNvPr id="138" name="Shape 138"/>
+        <p:cNvPr id="137" name="Shape 137"/>
         <p:cNvGrpSpPr/>
         <p:nvPr/>
       </p:nvGrpSpPr>
@@ -799,7 +797,7 @@
       </p:grpSpPr>
       <p:sp>
         <p:nvSpPr>
-          <p:cNvPr id="139" name="Shape 139"/>
+          <p:cNvPr id="138" name="Shape 138"/>
           <p:cNvSpPr/>
           <p:nvPr>
             <p:ph idx="2" type="sldImg"/>
@@ -833,7 +831,7 @@
       </p:sp>
       <p:sp>
         <p:nvSpPr>
-          <p:cNvPr id="140" name="Shape 140"/>
+          <p:cNvPr id="139" name="Shape 139"/>
           <p:cNvSpPr txBox="1"/>
           <p:nvPr>
             <p:ph idx="1" type="body"/>
@@ -880,7 +878,7 @@
   <p:cSld>
     <p:spTree>
       <p:nvGrpSpPr>
-        <p:cNvPr id="144" name="Shape 144"/>
+        <p:cNvPr id="142" name="Shape 142"/>
         <p:cNvGrpSpPr/>
         <p:nvPr/>
       </p:nvGrpSpPr>
@@ -894,7 +892,7 @@
       </p:grpSpPr>
       <p:sp>
         <p:nvSpPr>
-          <p:cNvPr id="145" name="Shape 145"/>
+          <p:cNvPr id="143" name="Shape 143"/>
           <p:cNvSpPr/>
           <p:nvPr>
             <p:ph idx="2" type="sldImg"/>
@@ -928,7 +926,7 @@
       </p:sp>
       <p:sp>
         <p:nvSpPr>
-          <p:cNvPr id="146" name="Shape 146"/>
+          <p:cNvPr id="144" name="Shape 144"/>
           <p:cNvSpPr txBox="1"/>
           <p:nvPr>
             <p:ph idx="1" type="body"/>
@@ -975,7 +973,7 @@
   <p:cSld>
     <p:spTree>
       <p:nvGrpSpPr>
-        <p:cNvPr id="150" name="Shape 150"/>
+        <p:cNvPr id="147" name="Shape 147"/>
         <p:cNvGrpSpPr/>
         <p:nvPr/>
       </p:nvGrpSpPr>
@@ -989,7 +987,7 @@
       </p:grpSpPr>
       <p:sp>
         <p:nvSpPr>
-          <p:cNvPr id="151" name="Shape 151"/>
+          <p:cNvPr id="148" name="Shape 148"/>
           <p:cNvSpPr/>
           <p:nvPr>
             <p:ph idx="2" type="sldImg"/>
@@ -1023,197 +1021,7 @@
       </p:sp>
       <p:sp>
         <p:nvSpPr>
-          <p:cNvPr id="152" name="Shape 152"/>
-          <p:cNvSpPr txBox="1"/>
-          <p:nvPr>
-            <p:ph idx="1" type="body"/>
-          </p:nvPr>
-        </p:nvSpPr>
-        <p:spPr>
-          <a:xfrm>
-            <a:off x="685800" y="4343400"/>
-            <a:ext cx="5486400" cy="4114800"/>
-          </a:xfrm>
-          <a:prstGeom prst="rect">
-            <a:avLst/>
-          </a:prstGeom>
-        </p:spPr>
-        <p:txBody>
-          <a:bodyPr anchorCtr="0" anchor="t" bIns="91425" lIns="91425" rIns="91425" wrap="square" tIns="91425">
-            <a:noAutofit/>
-          </a:bodyPr>
-          <a:lstStyle/>
-          <a:p>
-            <a:pPr lvl="0" rtl="0">
-              <a:spcBef>
-                <a:spcPts val="0"/>
-              </a:spcBef>
-              <a:buNone/>
-            </a:pPr>
-            <a:r>
-              <a:t/>
-            </a:r>
-            <a:endParaRPr/>
-          </a:p>
-        </p:txBody>
-      </p:sp>
-    </p:spTree>
-  </p:cSld>
-  <p:clrMapOvr>
-    <a:masterClrMapping/>
-  </p:clrMapOvr>
-</p:notes>
-</file>
-
-<file path=ppt/notesSlides/notesSlide16.xml><?xml version="1.0" encoding="utf-8"?>
-<p:notes xmlns:a="http://schemas.openxmlformats.org/drawingml/2006/main" xmlns:r="http://schemas.openxmlformats.org/officeDocument/2006/relationships" xmlns:mc="http://schemas.openxmlformats.org/markup-compatibility/2006" xmlns:mv="urn:schemas-microsoft-com:mac:vml" xmlns:p="http://schemas.openxmlformats.org/presentationml/2006/main" xmlns:c="http://schemas.openxmlformats.org/drawingml/2006/chart" xmlns:dgm="http://schemas.openxmlformats.org/drawingml/2006/diagram" xmlns:o="urn:schemas-microsoft-com:office:office" xmlns:v="urn:schemas-microsoft-com:vml" xmlns:pvml="urn:schemas-microsoft-com:office:powerpoint" xmlns:com="http://schemas.openxmlformats.org/drawingml/2006/compatibility" xmlns:p14="http://schemas.microsoft.com/office/powerpoint/2010/main" xmlns:p15="http://schemas.microsoft.com/office/powerpoint/2012/main" showMasterPhAnim="0" showMasterSp="0">
-  <p:cSld>
-    <p:spTree>
-      <p:nvGrpSpPr>
-        <p:cNvPr id="155" name="Shape 155"/>
-        <p:cNvGrpSpPr/>
-        <p:nvPr/>
-      </p:nvGrpSpPr>
-      <p:grpSpPr>
-        <a:xfrm>
-          <a:off x="0" y="0"/>
-          <a:ext cx="0" cy="0"/>
-          <a:chOff x="0" y="0"/>
-          <a:chExt cx="0" cy="0"/>
-        </a:xfrm>
-      </p:grpSpPr>
-      <p:sp>
-        <p:nvSpPr>
-          <p:cNvPr id="156" name="Shape 156"/>
-          <p:cNvSpPr/>
-          <p:nvPr>
-            <p:ph idx="2" type="sldImg"/>
-          </p:nvPr>
-        </p:nvSpPr>
-        <p:spPr>
-          <a:xfrm>
-            <a:off x="381300" y="685800"/>
-            <a:ext cx="6096000" cy="3429000"/>
-          </a:xfrm>
-          <a:custGeom>
-            <a:pathLst>
-              <a:path extrusionOk="0" h="120000" w="120000">
-                <a:moveTo>
-                  <a:pt x="0" y="0"/>
-                </a:moveTo>
-                <a:lnTo>
-                  <a:pt x="120000" y="0"/>
-                </a:lnTo>
-                <a:lnTo>
-                  <a:pt x="120000" y="120000"/>
-                </a:lnTo>
-                <a:lnTo>
-                  <a:pt x="0" y="120000"/>
-                </a:lnTo>
-                <a:close/>
-              </a:path>
-            </a:pathLst>
-          </a:custGeom>
-        </p:spPr>
-      </p:sp>
-      <p:sp>
-        <p:nvSpPr>
-          <p:cNvPr id="157" name="Shape 157"/>
-          <p:cNvSpPr txBox="1"/>
-          <p:nvPr>
-            <p:ph idx="1" type="body"/>
-          </p:nvPr>
-        </p:nvSpPr>
-        <p:spPr>
-          <a:xfrm>
-            <a:off x="685800" y="4343400"/>
-            <a:ext cx="5486400" cy="4114800"/>
-          </a:xfrm>
-          <a:prstGeom prst="rect">
-            <a:avLst/>
-          </a:prstGeom>
-        </p:spPr>
-        <p:txBody>
-          <a:bodyPr anchorCtr="0" anchor="t" bIns="91425" lIns="91425" rIns="91425" wrap="square" tIns="91425">
-            <a:noAutofit/>
-          </a:bodyPr>
-          <a:lstStyle/>
-          <a:p>
-            <a:pPr lvl="0" rtl="0">
-              <a:spcBef>
-                <a:spcPts val="0"/>
-              </a:spcBef>
-              <a:buNone/>
-            </a:pPr>
-            <a:r>
-              <a:t/>
-            </a:r>
-            <a:endParaRPr/>
-          </a:p>
-        </p:txBody>
-      </p:sp>
-    </p:spTree>
-  </p:cSld>
-  <p:clrMapOvr>
-    <a:masterClrMapping/>
-  </p:clrMapOvr>
-</p:notes>
-</file>
-
-<file path=ppt/notesSlides/notesSlide17.xml><?xml version="1.0" encoding="utf-8"?>
-<p:notes xmlns:a="http://schemas.openxmlformats.org/drawingml/2006/main" xmlns:r="http://schemas.openxmlformats.org/officeDocument/2006/relationships" xmlns:mc="http://schemas.openxmlformats.org/markup-compatibility/2006" xmlns:mv="urn:schemas-microsoft-com:mac:vml" xmlns:p="http://schemas.openxmlformats.org/presentationml/2006/main" xmlns:c="http://schemas.openxmlformats.org/drawingml/2006/chart" xmlns:dgm="http://schemas.openxmlformats.org/drawingml/2006/diagram" xmlns:o="urn:schemas-microsoft-com:office:office" xmlns:v="urn:schemas-microsoft-com:vml" xmlns:pvml="urn:schemas-microsoft-com:office:powerpoint" xmlns:com="http://schemas.openxmlformats.org/drawingml/2006/compatibility" xmlns:p14="http://schemas.microsoft.com/office/powerpoint/2010/main" xmlns:p15="http://schemas.microsoft.com/office/powerpoint/2012/main" showMasterPhAnim="0" showMasterSp="0">
-  <p:cSld>
-    <p:spTree>
-      <p:nvGrpSpPr>
-        <p:cNvPr id="160" name="Shape 160"/>
-        <p:cNvGrpSpPr/>
-        <p:nvPr/>
-      </p:nvGrpSpPr>
-      <p:grpSpPr>
-        <a:xfrm>
-          <a:off x="0" y="0"/>
-          <a:ext cx="0" cy="0"/>
-          <a:chOff x="0" y="0"/>
-          <a:chExt cx="0" cy="0"/>
-        </a:xfrm>
-      </p:grpSpPr>
-      <p:sp>
-        <p:nvSpPr>
-          <p:cNvPr id="161" name="Shape 161"/>
-          <p:cNvSpPr/>
-          <p:nvPr>
-            <p:ph idx="2" type="sldImg"/>
-          </p:nvPr>
-        </p:nvSpPr>
-        <p:spPr>
-          <a:xfrm>
-            <a:off x="381300" y="685800"/>
-            <a:ext cx="6096000" cy="3429000"/>
-          </a:xfrm>
-          <a:custGeom>
-            <a:pathLst>
-              <a:path extrusionOk="0" h="120000" w="120000">
-                <a:moveTo>
-                  <a:pt x="0" y="0"/>
-                </a:moveTo>
-                <a:lnTo>
-                  <a:pt x="120000" y="0"/>
-                </a:lnTo>
-                <a:lnTo>
-                  <a:pt x="120000" y="120000"/>
-                </a:lnTo>
-                <a:lnTo>
-                  <a:pt x="0" y="120000"/>
-                </a:lnTo>
-                <a:close/>
-              </a:path>
-            </a:pathLst>
-          </a:custGeom>
-        </p:spPr>
-      </p:sp>
-      <p:sp>
-        <p:nvSpPr>
-          <p:cNvPr id="162" name="Shape 162"/>
+          <p:cNvPr id="149" name="Shape 149"/>
           <p:cNvSpPr txBox="1"/>
           <p:nvPr>
             <p:ph idx="1" type="body"/>
@@ -1355,7 +1163,7 @@
   <p:cSld>
     <p:spTree>
       <p:nvGrpSpPr>
-        <p:cNvPr id="69" name="Shape 69"/>
+        <p:cNvPr id="67" name="Shape 67"/>
         <p:cNvGrpSpPr/>
         <p:nvPr/>
       </p:nvGrpSpPr>
@@ -1369,7 +1177,7 @@
       </p:grpSpPr>
       <p:sp>
         <p:nvSpPr>
-          <p:cNvPr id="70" name="Shape 70"/>
+          <p:cNvPr id="68" name="Shape 68"/>
           <p:cNvSpPr/>
           <p:nvPr>
             <p:ph idx="2" type="sldImg"/>
@@ -1403,7 +1211,7 @@
       </p:sp>
       <p:sp>
         <p:nvSpPr>
-          <p:cNvPr id="71" name="Shape 71"/>
+          <p:cNvPr id="69" name="Shape 69"/>
           <p:cNvSpPr txBox="1"/>
           <p:nvPr>
             <p:ph idx="1" type="body"/>
@@ -1450,7 +1258,7 @@
   <p:cSld>
     <p:spTree>
       <p:nvGrpSpPr>
-        <p:cNvPr id="75" name="Shape 75"/>
+        <p:cNvPr id="74" name="Shape 74"/>
         <p:cNvGrpSpPr/>
         <p:nvPr/>
       </p:nvGrpSpPr>
@@ -1464,7 +1272,7 @@
       </p:grpSpPr>
       <p:sp>
         <p:nvSpPr>
-          <p:cNvPr id="76" name="Shape 76"/>
+          <p:cNvPr id="75" name="Shape 75"/>
           <p:cNvSpPr/>
           <p:nvPr>
             <p:ph idx="2" type="sldImg"/>
@@ -1498,7 +1306,7 @@
       </p:sp>
       <p:sp>
         <p:nvSpPr>
-          <p:cNvPr id="77" name="Shape 77"/>
+          <p:cNvPr id="76" name="Shape 76"/>
           <p:cNvSpPr txBox="1"/>
           <p:nvPr>
             <p:ph idx="1" type="body"/>
@@ -1545,7 +1353,7 @@
   <p:cSld>
     <p:spTree>
       <p:nvGrpSpPr>
-        <p:cNvPr id="81" name="Shape 81"/>
+        <p:cNvPr id="80" name="Shape 80"/>
         <p:cNvGrpSpPr/>
         <p:nvPr/>
       </p:nvGrpSpPr>
@@ -1559,7 +1367,7 @@
       </p:grpSpPr>
       <p:sp>
         <p:nvSpPr>
-          <p:cNvPr id="82" name="Shape 82"/>
+          <p:cNvPr id="81" name="Shape 81"/>
           <p:cNvSpPr/>
           <p:nvPr>
             <p:ph idx="2" type="sldImg"/>
@@ -1593,7 +1401,7 @@
       </p:sp>
       <p:sp>
         <p:nvSpPr>
-          <p:cNvPr id="83" name="Shape 83"/>
+          <p:cNvPr id="82" name="Shape 82"/>
           <p:cNvSpPr txBox="1"/>
           <p:nvPr>
             <p:ph idx="1" type="body"/>
@@ -1640,7 +1448,7 @@
   <p:cSld>
     <p:spTree>
       <p:nvGrpSpPr>
-        <p:cNvPr id="92" name="Shape 92"/>
+        <p:cNvPr id="86" name="Shape 86"/>
         <p:cNvGrpSpPr/>
         <p:nvPr/>
       </p:nvGrpSpPr>
@@ -1654,7 +1462,7 @@
       </p:grpSpPr>
       <p:sp>
         <p:nvSpPr>
-          <p:cNvPr id="93" name="Shape 93"/>
+          <p:cNvPr id="87" name="Shape 87"/>
           <p:cNvSpPr/>
           <p:nvPr>
             <p:ph idx="2" type="sldImg"/>
@@ -1688,7 +1496,7 @@
       </p:sp>
       <p:sp>
         <p:nvSpPr>
-          <p:cNvPr id="94" name="Shape 94"/>
+          <p:cNvPr id="88" name="Shape 88"/>
           <p:cNvSpPr txBox="1"/>
           <p:nvPr>
             <p:ph idx="1" type="body"/>
@@ -1735,7 +1543,7 @@
   <p:cSld>
     <p:spTree>
       <p:nvGrpSpPr>
-        <p:cNvPr id="98" name="Shape 98"/>
+        <p:cNvPr id="97" name="Shape 97"/>
         <p:cNvGrpSpPr/>
         <p:nvPr/>
       </p:nvGrpSpPr>
@@ -1749,7 +1557,7 @@
       </p:grpSpPr>
       <p:sp>
         <p:nvSpPr>
-          <p:cNvPr id="99" name="Shape 99"/>
+          <p:cNvPr id="98" name="Shape 98"/>
           <p:cNvSpPr/>
           <p:nvPr>
             <p:ph idx="2" type="sldImg"/>
@@ -1783,7 +1591,7 @@
       </p:sp>
       <p:sp>
         <p:nvSpPr>
-          <p:cNvPr id="100" name="Shape 100"/>
+          <p:cNvPr id="99" name="Shape 99"/>
           <p:cNvSpPr txBox="1"/>
           <p:nvPr>
             <p:ph idx="1" type="body"/>
@@ -1830,7 +1638,7 @@
   <p:cSld>
     <p:spTree>
       <p:nvGrpSpPr>
-        <p:cNvPr id="104" name="Shape 104"/>
+        <p:cNvPr id="103" name="Shape 103"/>
         <p:cNvGrpSpPr/>
         <p:nvPr/>
       </p:nvGrpSpPr>
@@ -1844,7 +1652,7 @@
       </p:grpSpPr>
       <p:sp>
         <p:nvSpPr>
-          <p:cNvPr id="105" name="Shape 105"/>
+          <p:cNvPr id="104" name="Shape 104"/>
           <p:cNvSpPr/>
           <p:nvPr>
             <p:ph idx="2" type="sldImg"/>
@@ -1878,7 +1686,7 @@
       </p:sp>
       <p:sp>
         <p:nvSpPr>
-          <p:cNvPr id="106" name="Shape 106"/>
+          <p:cNvPr id="105" name="Shape 105"/>
           <p:cNvSpPr txBox="1"/>
           <p:nvPr>
             <p:ph idx="1" type="body"/>
@@ -1925,7 +1733,7 @@
   <p:cSld>
     <p:spTree>
       <p:nvGrpSpPr>
-        <p:cNvPr id="114" name="Shape 114"/>
+        <p:cNvPr id="109" name="Shape 109"/>
         <p:cNvGrpSpPr/>
         <p:nvPr/>
       </p:nvGrpSpPr>
@@ -1939,7 +1747,7 @@
       </p:grpSpPr>
       <p:sp>
         <p:nvSpPr>
-          <p:cNvPr id="115" name="Shape 115"/>
+          <p:cNvPr id="110" name="Shape 110"/>
           <p:cNvSpPr/>
           <p:nvPr>
             <p:ph idx="2" type="sldImg"/>
@@ -1973,7 +1781,7 @@
       </p:sp>
       <p:sp>
         <p:nvSpPr>
-          <p:cNvPr id="116" name="Shape 116"/>
+          <p:cNvPr id="111" name="Shape 111"/>
           <p:cNvSpPr txBox="1"/>
           <p:nvPr>
             <p:ph idx="1" type="body"/>
@@ -5575,7 +5383,7 @@
     </p:bg>
     <p:spTree>
       <p:nvGrpSpPr>
-        <p:cNvPr id="123" name="Shape 123"/>
+        <p:cNvPr id="122" name="Shape 122"/>
         <p:cNvGrpSpPr/>
         <p:nvPr/>
       </p:nvGrpSpPr>
@@ -5589,7 +5397,7 @@
       </p:grpSpPr>
       <p:sp>
         <p:nvSpPr>
-          <p:cNvPr id="124" name="Shape 124"/>
+          <p:cNvPr id="123" name="Shape 123"/>
           <p:cNvSpPr txBox="1"/>
           <p:nvPr>
             <p:ph type="title"/>
@@ -5597,7 +5405,7 @@
         </p:nvSpPr>
         <p:spPr>
           <a:xfrm>
-            <a:off x="86425" y="0"/>
+            <a:off x="92750" y="0"/>
             <a:ext cx="8520600" cy="572700"/>
           </a:xfrm>
           <a:prstGeom prst="rect">
@@ -5610,15 +5418,10 @@
           </a:bodyPr>
           <a:lstStyle/>
           <a:p>
-            <a:pPr lvl="0" rtl="0">
-              <a:spcBef>
-                <a:spcPts val="0"/>
-              </a:spcBef>
-              <a:buClr>
-                <a:schemeClr val="dk1"/>
-              </a:buClr>
-              <a:buSzPct val="39285"/>
-              <a:buFont typeface="Arial"/>
+            <a:pPr lvl="0" rtl="0" algn="l">
+              <a:spcBef>
+                <a:spcPts val="0"/>
+              </a:spcBef>
               <a:buNone/>
             </a:pPr>
             <a:r>
@@ -5645,28 +5448,29 @@
                 <a:cs typeface="Cambria"/>
                 <a:sym typeface="Cambria"/>
               </a:rPr>
-              <a:t>Register</a:t>
+              <a:t>Login</a:t>
             </a:r>
           </a:p>
         </p:txBody>
       </p:sp>
       <p:pic>
         <p:nvPicPr>
-          <p:cNvPr descr="Sequence Diagrams - Register.png" id="125" name="Shape 125"/>
+          <p:cNvPr id="124" name="Shape 124"/>
           <p:cNvPicPr preferRelativeResize="0"/>
           <p:nvPr/>
         </p:nvPicPr>
-        <p:blipFill rotWithShape="1">
+        <p:blipFill>
           <a:blip r:embed="rId3">
             <a:alphaModFix/>
           </a:blip>
-          <a:srcRect b="13650" l="0" r="2210" t="3016"/>
-          <a:stretch/>
+          <a:stretch>
+            <a:fillRect/>
+          </a:stretch>
         </p:blipFill>
         <p:spPr>
           <a:xfrm>
-            <a:off x="1982525" y="427112"/>
-            <a:ext cx="7161474" cy="4716376"/>
+            <a:off x="152400" y="725100"/>
+            <a:ext cx="8676385" cy="4265999"/>
           </a:xfrm>
           <a:prstGeom prst="rect">
             <a:avLst/>
@@ -5697,7 +5501,7 @@
     </p:bg>
     <p:spTree>
       <p:nvGrpSpPr>
-        <p:cNvPr id="129" name="Shape 129"/>
+        <p:cNvPr id="128" name="Shape 128"/>
         <p:cNvGrpSpPr/>
         <p:nvPr/>
       </p:nvGrpSpPr>
@@ -5711,7 +5515,7 @@
       </p:grpSpPr>
       <p:sp>
         <p:nvSpPr>
-          <p:cNvPr id="130" name="Shape 130"/>
+          <p:cNvPr id="129" name="Shape 129"/>
           <p:cNvSpPr txBox="1"/>
           <p:nvPr>
             <p:ph type="title"/>
@@ -5719,7 +5523,7 @@
         </p:nvSpPr>
         <p:spPr>
           <a:xfrm>
-            <a:off x="126175" y="0"/>
+            <a:off x="86425" y="0"/>
             <a:ext cx="8520600" cy="572700"/>
           </a:xfrm>
           <a:prstGeom prst="rect">
@@ -5767,28 +5571,29 @@
                 <a:cs typeface="Cambria"/>
                 <a:sym typeface="Cambria"/>
               </a:rPr>
-              <a:t>Game Invite </a:t>
+              <a:t>Register</a:t>
             </a:r>
           </a:p>
         </p:txBody>
       </p:sp>
       <p:pic>
         <p:nvPicPr>
-          <p:cNvPr descr="Game Invite.png" id="131" name="Shape 131"/>
+          <p:cNvPr id="130" name="Shape 130"/>
           <p:cNvPicPr preferRelativeResize="0"/>
           <p:nvPr/>
         </p:nvPicPr>
-        <p:blipFill rotWithShape="1">
+        <p:blipFill>
           <a:blip r:embed="rId3">
             <a:alphaModFix/>
           </a:blip>
-          <a:srcRect b="37984" l="0" r="21042" t="0"/>
-          <a:stretch/>
+          <a:stretch>
+            <a:fillRect/>
+          </a:stretch>
         </p:blipFill>
         <p:spPr>
           <a:xfrm>
-            <a:off x="998025" y="805675"/>
-            <a:ext cx="8069176" cy="4203649"/>
+            <a:off x="1089875" y="275025"/>
+            <a:ext cx="7093676" cy="4911951"/>
           </a:xfrm>
           <a:prstGeom prst="rect">
             <a:avLst/>
@@ -5819,7 +5624,7 @@
     </p:bg>
     <p:spTree>
       <p:nvGrpSpPr>
-        <p:cNvPr id="135" name="Shape 135"/>
+        <p:cNvPr id="134" name="Shape 134"/>
         <p:cNvGrpSpPr/>
         <p:nvPr/>
       </p:nvGrpSpPr>
@@ -5833,256 +5638,7 @@
       </p:grpSpPr>
       <p:sp>
         <p:nvSpPr>
-          <p:cNvPr id="136" name="Shape 136"/>
-          <p:cNvSpPr txBox="1"/>
-          <p:nvPr>
-            <p:ph type="title"/>
-          </p:nvPr>
-        </p:nvSpPr>
-        <p:spPr>
-          <a:xfrm>
-            <a:off x="126150" y="0"/>
-            <a:ext cx="8520600" cy="572700"/>
-          </a:xfrm>
-          <a:prstGeom prst="rect">
-            <a:avLst/>
-          </a:prstGeom>
-        </p:spPr>
-        <p:txBody>
-          <a:bodyPr anchorCtr="0" anchor="t" bIns="91425" lIns="91425" rIns="91425" wrap="square" tIns="91425">
-            <a:noAutofit/>
-          </a:bodyPr>
-          <a:lstStyle/>
-          <a:p>
-            <a:pPr lvl="0" rtl="0">
-              <a:spcBef>
-                <a:spcPts val="0"/>
-              </a:spcBef>
-              <a:buClr>
-                <a:schemeClr val="dk1"/>
-              </a:buClr>
-              <a:buSzPct val="39285"/>
-              <a:buFont typeface="Arial"/>
-              <a:buNone/>
-            </a:pPr>
-            <a:r>
-              <a:rPr b="1" i="1" lang="es">
-                <a:latin typeface="Cambria"/>
-                <a:ea typeface="Cambria"/>
-                <a:cs typeface="Cambria"/>
-                <a:sym typeface="Cambria"/>
-              </a:rPr>
-              <a:t>Sequence Diagram:</a:t>
-            </a:r>
-          </a:p>
-          <a:p>
-            <a:pPr lvl="0" rtl="0" algn="l">
-              <a:spcBef>
-                <a:spcPts val="0"/>
-              </a:spcBef>
-              <a:buNone/>
-            </a:pPr>
-            <a:r>
-              <a:rPr b="1" i="1" lang="es">
-                <a:latin typeface="Cambria"/>
-                <a:ea typeface="Cambria"/>
-                <a:cs typeface="Cambria"/>
-                <a:sym typeface="Cambria"/>
-              </a:rPr>
-              <a:t>Create Game </a:t>
-            </a:r>
-          </a:p>
-        </p:txBody>
-      </p:sp>
-      <p:pic>
-        <p:nvPicPr>
-          <p:cNvPr descr="Create Game.png" id="137" name="Shape 137"/>
-          <p:cNvPicPr preferRelativeResize="0"/>
-          <p:nvPr/>
-        </p:nvPicPr>
-        <p:blipFill rotWithShape="1">
-          <a:blip r:embed="rId3">
-            <a:alphaModFix/>
-          </a:blip>
-          <a:srcRect b="21544" l="0" r="0" t="0"/>
-          <a:stretch/>
-        </p:blipFill>
-        <p:spPr>
-          <a:xfrm>
-            <a:off x="2841221" y="-23375"/>
-            <a:ext cx="6302779" cy="5190250"/>
-          </a:xfrm>
-          <a:prstGeom prst="rect">
-            <a:avLst/>
-          </a:prstGeom>
-          <a:noFill/>
-          <a:ln>
-            <a:noFill/>
-          </a:ln>
-        </p:spPr>
-      </p:pic>
-    </p:spTree>
-  </p:cSld>
-  <p:clrMapOvr>
-    <a:masterClrMapping/>
-  </p:clrMapOvr>
-</p:sld>
-</file>
-
-<file path=ppt/slides/slide13.xml><?xml version="1.0" encoding="utf-8"?>
-<p:sld xmlns:a="http://schemas.openxmlformats.org/drawingml/2006/main" xmlns:r="http://schemas.openxmlformats.org/officeDocument/2006/relationships" xmlns:mc="http://schemas.openxmlformats.org/markup-compatibility/2006" xmlns:mv="urn:schemas-microsoft-com:mac:vml" xmlns:p="http://schemas.openxmlformats.org/presentationml/2006/main" xmlns:c="http://schemas.openxmlformats.org/drawingml/2006/chart" xmlns:dgm="http://schemas.openxmlformats.org/drawingml/2006/diagram" xmlns:o="urn:schemas-microsoft-com:office:office" xmlns:v="urn:schemas-microsoft-com:vml" xmlns:pvml="urn:schemas-microsoft-com:office:powerpoint" xmlns:com="http://schemas.openxmlformats.org/drawingml/2006/compatibility" xmlns:p14="http://schemas.microsoft.com/office/powerpoint/2010/main" xmlns:p15="http://schemas.microsoft.com/office/powerpoint/2012/main">
-  <p:cSld>
-    <p:bg>
-      <p:bgPr>
-        <a:solidFill>
-          <a:srgbClr val="EFEFEF"/>
-        </a:solidFill>
-      </p:bgPr>
-    </p:bg>
-    <p:spTree>
-      <p:nvGrpSpPr>
-        <p:cNvPr id="141" name="Shape 141"/>
-        <p:cNvGrpSpPr/>
-        <p:nvPr/>
-      </p:nvGrpSpPr>
-      <p:grpSpPr>
-        <a:xfrm>
-          <a:off x="0" y="0"/>
-          <a:ext cx="0" cy="0"/>
-          <a:chOff x="0" y="0"/>
-          <a:chExt cx="0" cy="0"/>
-        </a:xfrm>
-      </p:grpSpPr>
-      <p:sp>
-        <p:nvSpPr>
-          <p:cNvPr id="142" name="Shape 142"/>
-          <p:cNvSpPr txBox="1"/>
-          <p:nvPr>
-            <p:ph type="title"/>
-          </p:nvPr>
-        </p:nvSpPr>
-        <p:spPr>
-          <a:xfrm>
-            <a:off x="139425" y="0"/>
-            <a:ext cx="8520600" cy="572700"/>
-          </a:xfrm>
-          <a:prstGeom prst="rect">
-            <a:avLst/>
-          </a:prstGeom>
-        </p:spPr>
-        <p:txBody>
-          <a:bodyPr anchorCtr="0" anchor="t" bIns="91425" lIns="91425" rIns="91425" wrap="square" tIns="91425">
-            <a:noAutofit/>
-          </a:bodyPr>
-          <a:lstStyle/>
-          <a:p>
-            <a:pPr lvl="0" rtl="0" algn="l">
-              <a:spcBef>
-                <a:spcPts val="0"/>
-              </a:spcBef>
-              <a:buNone/>
-            </a:pPr>
-            <a:r>
-              <a:rPr b="1" i="1" lang="es">
-                <a:latin typeface="Cambria"/>
-                <a:ea typeface="Cambria"/>
-                <a:cs typeface="Cambria"/>
-                <a:sym typeface="Cambria"/>
-              </a:rPr>
-              <a:t>Sequence </a:t>
-            </a:r>
-            <a:r>
-              <a:rPr b="1" i="1" lang="es">
-                <a:latin typeface="Cambria"/>
-                <a:ea typeface="Cambria"/>
-                <a:cs typeface="Cambria"/>
-                <a:sym typeface="Cambria"/>
-              </a:rPr>
-              <a:t>Diagram:</a:t>
-            </a:r>
-          </a:p>
-          <a:p>
-            <a:pPr lvl="0" rtl="0" algn="l">
-              <a:spcBef>
-                <a:spcPts val="0"/>
-              </a:spcBef>
-              <a:buNone/>
-            </a:pPr>
-            <a:r>
-              <a:rPr b="1" i="1" lang="es">
-                <a:latin typeface="Cambria"/>
-                <a:ea typeface="Cambria"/>
-                <a:cs typeface="Cambria"/>
-                <a:sym typeface="Cambria"/>
-              </a:rPr>
-              <a:t>Take Turn</a:t>
-            </a:r>
-          </a:p>
-        </p:txBody>
-      </p:sp>
-      <p:pic>
-        <p:nvPicPr>
-          <p:cNvPr id="143" name="Shape 143"/>
-          <p:cNvPicPr preferRelativeResize="0"/>
-          <p:nvPr/>
-        </p:nvPicPr>
-        <p:blipFill>
-          <a:blip r:embed="rId3">
-            <a:alphaModFix/>
-          </a:blip>
-          <a:stretch>
-            <a:fillRect/>
-          </a:stretch>
-        </p:blipFill>
-        <p:spPr>
-          <a:xfrm>
-            <a:off x="1477625" y="778125"/>
-            <a:ext cx="7572265" cy="4266002"/>
-          </a:xfrm>
-          <a:prstGeom prst="rect">
-            <a:avLst/>
-          </a:prstGeom>
-          <a:noFill/>
-          <a:ln>
-            <a:noFill/>
-          </a:ln>
-        </p:spPr>
-      </p:pic>
-    </p:spTree>
-  </p:cSld>
-  <p:clrMapOvr>
-    <a:masterClrMapping/>
-  </p:clrMapOvr>
-</p:sld>
-</file>
-
-<file path=ppt/slides/slide14.xml><?xml version="1.0" encoding="utf-8"?>
-<p:sld xmlns:a="http://schemas.openxmlformats.org/drawingml/2006/main" xmlns:r="http://schemas.openxmlformats.org/officeDocument/2006/relationships" xmlns:mc="http://schemas.openxmlformats.org/markup-compatibility/2006" xmlns:mv="urn:schemas-microsoft-com:mac:vml" xmlns:p="http://schemas.openxmlformats.org/presentationml/2006/main" xmlns:c="http://schemas.openxmlformats.org/drawingml/2006/chart" xmlns:dgm="http://schemas.openxmlformats.org/drawingml/2006/diagram" xmlns:o="urn:schemas-microsoft-com:office:office" xmlns:v="urn:schemas-microsoft-com:vml" xmlns:pvml="urn:schemas-microsoft-com:office:powerpoint" xmlns:com="http://schemas.openxmlformats.org/drawingml/2006/compatibility" xmlns:p14="http://schemas.microsoft.com/office/powerpoint/2010/main" xmlns:p15="http://schemas.microsoft.com/office/powerpoint/2012/main">
-  <p:cSld>
-    <p:bg>
-      <p:bgPr>
-        <a:solidFill>
-          <a:srgbClr val="EFEFEF"/>
-        </a:solidFill>
-      </p:bgPr>
-    </p:bg>
-    <p:spTree>
-      <p:nvGrpSpPr>
-        <p:cNvPr id="147" name="Shape 147"/>
-        <p:cNvGrpSpPr/>
-        <p:nvPr/>
-      </p:nvGrpSpPr>
-      <p:grpSpPr>
-        <a:xfrm>
-          <a:off x="0" y="0"/>
-          <a:ext cx="0" cy="0"/>
-          <a:chOff x="0" y="0"/>
-          <a:chExt cx="0" cy="0"/>
-        </a:xfrm>
-      </p:grpSpPr>
-      <p:sp>
-        <p:nvSpPr>
-          <p:cNvPr id="148" name="Shape 148"/>
+          <p:cNvPr id="135" name="Shape 135"/>
           <p:cNvSpPr txBox="1"/>
           <p:nvPr>
             <p:ph type="title"/>
@@ -6123,7 +5679,7 @@
       </p:sp>
       <p:sp>
         <p:nvSpPr>
-          <p:cNvPr id="149" name="Shape 149"/>
+          <p:cNvPr id="136" name="Shape 136"/>
           <p:cNvSpPr txBox="1"/>
           <p:nvPr/>
         </p:nvSpPr>
@@ -6302,7 +5858,7 @@
 </p:sld>
 </file>
 
-<file path=ppt/slides/slide15.xml><?xml version="1.0" encoding="utf-8"?>
+<file path=ppt/slides/slide13.xml><?xml version="1.0" encoding="utf-8"?>
 <p:sld xmlns:a="http://schemas.openxmlformats.org/drawingml/2006/main" xmlns:r="http://schemas.openxmlformats.org/officeDocument/2006/relationships" xmlns:mc="http://schemas.openxmlformats.org/markup-compatibility/2006" xmlns:mv="urn:schemas-microsoft-com:mac:vml" xmlns:p="http://schemas.openxmlformats.org/presentationml/2006/main" xmlns:c="http://schemas.openxmlformats.org/drawingml/2006/chart" xmlns:dgm="http://schemas.openxmlformats.org/drawingml/2006/diagram" xmlns:o="urn:schemas-microsoft-com:office:office" xmlns:v="urn:schemas-microsoft-com:vml" xmlns:pvml="urn:schemas-microsoft-com:office:powerpoint" xmlns:com="http://schemas.openxmlformats.org/drawingml/2006/compatibility" xmlns:p14="http://schemas.microsoft.com/office/powerpoint/2010/main" xmlns:p15="http://schemas.microsoft.com/office/powerpoint/2012/main">
   <p:cSld>
     <p:bg>
@@ -6314,7 +5870,7 @@
     </p:bg>
     <p:spTree>
       <p:nvGrpSpPr>
-        <p:cNvPr id="153" name="Shape 153"/>
+        <p:cNvPr id="140" name="Shape 140"/>
         <p:cNvGrpSpPr/>
         <p:nvPr/>
       </p:nvGrpSpPr>
@@ -6328,7 +5884,7 @@
       </p:grpSpPr>
       <p:graphicFrame>
         <p:nvGraphicFramePr>
-          <p:cNvPr id="154" name="Shape 154"/>
+          <p:cNvPr id="141" name="Shape 141"/>
           <p:cNvGraphicFramePr/>
           <p:nvPr/>
         </p:nvGraphicFramePr>
@@ -6341,7 +5897,7 @@
             <a:tbl>
               <a:tblPr>
                 <a:noFill/>
-                <a:tableStyleId>{F9B7D604-EB72-4D57-9A2F-9175F3D8398A}</a:tableStyleId>
+                <a:tableStyleId>{489379B1-77BE-4925-8F4E-F06B661ABBD6}</a:tableStyleId>
               </a:tblPr>
               <a:tblGrid>
                 <a:gridCol w="1626350"/>
@@ -14559,7 +14115,7 @@
 </p:sld>
 </file>
 
-<file path=ppt/slides/slide16.xml><?xml version="1.0" encoding="utf-8"?>
+<file path=ppt/slides/slide14.xml><?xml version="1.0" encoding="utf-8"?>
 <p:sld xmlns:a="http://schemas.openxmlformats.org/drawingml/2006/main" xmlns:r="http://schemas.openxmlformats.org/officeDocument/2006/relationships" xmlns:mc="http://schemas.openxmlformats.org/markup-compatibility/2006" xmlns:mv="urn:schemas-microsoft-com:mac:vml" xmlns:p="http://schemas.openxmlformats.org/presentationml/2006/main" xmlns:c="http://schemas.openxmlformats.org/drawingml/2006/chart" xmlns:dgm="http://schemas.openxmlformats.org/drawingml/2006/diagram" xmlns:o="urn:schemas-microsoft-com:office:office" xmlns:v="urn:schemas-microsoft-com:vml" xmlns:pvml="urn:schemas-microsoft-com:office:powerpoint" xmlns:com="http://schemas.openxmlformats.org/drawingml/2006/compatibility" xmlns:p14="http://schemas.microsoft.com/office/powerpoint/2010/main" xmlns:p15="http://schemas.microsoft.com/office/powerpoint/2012/main">
   <p:cSld>
     <p:bg>
@@ -14571,7 +14127,7 @@
     </p:bg>
     <p:spTree>
       <p:nvGrpSpPr>
-        <p:cNvPr id="158" name="Shape 158"/>
+        <p:cNvPr id="145" name="Shape 145"/>
         <p:cNvGrpSpPr/>
         <p:nvPr/>
       </p:nvGrpSpPr>
@@ -14585,7 +14141,7 @@
       </p:grpSpPr>
       <p:sp>
         <p:nvSpPr>
-          <p:cNvPr id="159" name="Shape 159"/>
+          <p:cNvPr id="146" name="Shape 146"/>
           <p:cNvSpPr txBox="1"/>
           <p:nvPr/>
         </p:nvSpPr>
@@ -14637,7 +14193,7 @@
 </p:sld>
 </file>
 
-<file path=ppt/slides/slide17.xml><?xml version="1.0" encoding="utf-8"?>
+<file path=ppt/slides/slide15.xml><?xml version="1.0" encoding="utf-8"?>
 <p:sld xmlns:a="http://schemas.openxmlformats.org/drawingml/2006/main" xmlns:r="http://schemas.openxmlformats.org/officeDocument/2006/relationships" xmlns:mc="http://schemas.openxmlformats.org/markup-compatibility/2006" xmlns:mv="urn:schemas-microsoft-com:mac:vml" xmlns:p="http://schemas.openxmlformats.org/presentationml/2006/main" xmlns:c="http://schemas.openxmlformats.org/drawingml/2006/chart" xmlns:dgm="http://schemas.openxmlformats.org/drawingml/2006/diagram" xmlns:o="urn:schemas-microsoft-com:office:office" xmlns:v="urn:schemas-microsoft-com:vml" xmlns:pvml="urn:schemas-microsoft-com:office:powerpoint" xmlns:com="http://schemas.openxmlformats.org/drawingml/2006/compatibility" xmlns:p14="http://schemas.microsoft.com/office/powerpoint/2010/main" xmlns:p15="http://schemas.microsoft.com/office/powerpoint/2012/main">
   <p:cSld>
     <p:bg>
@@ -14649,7 +14205,7 @@
     </p:bg>
     <p:spTree>
       <p:nvGrpSpPr>
-        <p:cNvPr id="163" name="Shape 163"/>
+        <p:cNvPr id="150" name="Shape 150"/>
         <p:cNvGrpSpPr/>
         <p:nvPr/>
       </p:nvGrpSpPr>
@@ -14663,7 +14219,7 @@
       </p:grpSpPr>
       <p:sp>
         <p:nvSpPr>
-          <p:cNvPr id="164" name="Shape 164"/>
+          <p:cNvPr id="151" name="Shape 151"/>
           <p:cNvSpPr txBox="1"/>
           <p:nvPr/>
         </p:nvSpPr>
@@ -14826,17 +14382,18 @@
           <p:cNvPicPr preferRelativeResize="0"/>
           <p:nvPr/>
         </p:nvPicPr>
-        <p:blipFill rotWithShape="1">
+        <p:blipFill>
           <a:blip r:embed="rId3">
             <a:alphaModFix/>
           </a:blip>
-          <a:srcRect b="37477" l="5232" r="51661" t="21499"/>
-          <a:stretch/>
+          <a:stretch>
+            <a:fillRect/>
+          </a:stretch>
         </p:blipFill>
         <p:spPr>
           <a:xfrm>
-            <a:off x="4703150" y="1116725"/>
-            <a:ext cx="4156500" cy="2683576"/>
+            <a:off x="4748150" y="930000"/>
+            <a:ext cx="4120400" cy="3386644"/>
           </a:xfrm>
           <a:prstGeom prst="rect">
             <a:avLst/>
@@ -14863,8 +14420,8 @@
         </p:blipFill>
         <p:spPr>
           <a:xfrm>
-            <a:off x="273600" y="596500"/>
-            <a:ext cx="4120400" cy="3386644"/>
+            <a:off x="164375" y="892850"/>
+            <a:ext cx="4295326" cy="923425"/>
           </a:xfrm>
           <a:prstGeom prst="rect">
             <a:avLst/>
@@ -14881,73 +14438,17 @@
           <p:cNvPicPr preferRelativeResize="0"/>
           <p:nvPr/>
         </p:nvPicPr>
-        <p:blipFill>
+        <p:blipFill rotWithShape="1">
           <a:blip r:embed="rId5">
             <a:alphaModFix/>
           </a:blip>
-          <a:stretch>
-            <a:fillRect/>
-          </a:stretch>
-        </p:blipFill>
-        <p:spPr>
-          <a:xfrm>
-            <a:off x="4703150" y="3800300"/>
-            <a:ext cx="4004575" cy="1343200"/>
-          </a:xfrm>
-          <a:prstGeom prst="rect">
-            <a:avLst/>
-          </a:prstGeom>
-          <a:noFill/>
-          <a:ln>
-            <a:noFill/>
-          </a:ln>
-        </p:spPr>
-      </p:pic>
-      <p:pic>
-        <p:nvPicPr>
-          <p:cNvPr id="67" name="Shape 67"/>
-          <p:cNvPicPr preferRelativeResize="0"/>
-          <p:nvPr/>
-        </p:nvPicPr>
-        <p:blipFill>
-          <a:blip r:embed="rId6">
-            <a:alphaModFix/>
-          </a:blip>
-          <a:stretch>
-            <a:fillRect/>
-          </a:stretch>
-        </p:blipFill>
-        <p:spPr>
-          <a:xfrm>
-            <a:off x="255538" y="3983150"/>
-            <a:ext cx="4156517" cy="1160350"/>
-          </a:xfrm>
-          <a:prstGeom prst="rect">
-            <a:avLst/>
-          </a:prstGeom>
-          <a:noFill/>
-          <a:ln>
-            <a:noFill/>
-          </a:ln>
-        </p:spPr>
-      </p:pic>
-      <p:pic>
-        <p:nvPicPr>
-          <p:cNvPr id="68" name="Shape 68"/>
-          <p:cNvPicPr preferRelativeResize="0"/>
-          <p:nvPr/>
-        </p:nvPicPr>
-        <p:blipFill rotWithShape="1">
-          <a:blip r:embed="rId7">
-            <a:alphaModFix/>
-          </a:blip>
-          <a:srcRect b="80163" l="5337" r="50729" t="5227"/>
+          <a:srcRect b="0" l="1770" r="-1770" t="0"/>
           <a:stretch/>
         </p:blipFill>
         <p:spPr>
           <a:xfrm>
-            <a:off x="4703150" y="102774"/>
-            <a:ext cx="4156500" cy="1068052"/>
+            <a:off x="200400" y="1816275"/>
+            <a:ext cx="4295324" cy="2370995"/>
           </a:xfrm>
           <a:prstGeom prst="rect">
             <a:avLst/>
@@ -14978,7 +14479,7 @@
     </p:bg>
     <p:spTree>
       <p:nvGrpSpPr>
-        <p:cNvPr id="72" name="Shape 72"/>
+        <p:cNvPr id="70" name="Shape 70"/>
         <p:cNvGrpSpPr/>
         <p:nvPr/>
       </p:nvGrpSpPr>
@@ -14992,7 +14493,136 @@
       </p:grpSpPr>
       <p:sp>
         <p:nvSpPr>
+          <p:cNvPr id="71" name="Shape 71"/>
+          <p:cNvSpPr txBox="1"/>
+          <p:nvPr>
+            <p:ph type="title"/>
+          </p:nvPr>
+        </p:nvSpPr>
+        <p:spPr>
+          <a:xfrm>
+            <a:off x="95775" y="74875"/>
+            <a:ext cx="8520600" cy="572700"/>
+          </a:xfrm>
+          <a:prstGeom prst="rect">
+            <a:avLst/>
+          </a:prstGeom>
+        </p:spPr>
+        <p:txBody>
+          <a:bodyPr anchorCtr="0" anchor="t" bIns="91425" lIns="91425" rIns="91425" wrap="square" tIns="91425">
+            <a:noAutofit/>
+          </a:bodyPr>
+          <a:lstStyle/>
+          <a:p>
+            <a:pPr lvl="0" rtl="0" algn="l">
+              <a:spcBef>
+                <a:spcPts val="0"/>
+              </a:spcBef>
+              <a:buNone/>
+            </a:pPr>
+            <a:r>
+              <a:rPr b="1" i="1" lang="es">
+                <a:latin typeface="Cambria"/>
+                <a:ea typeface="Cambria"/>
+                <a:cs typeface="Cambria"/>
+                <a:sym typeface="Cambria"/>
+              </a:rPr>
+              <a:t>Logical Architecture</a:t>
+            </a:r>
+          </a:p>
+        </p:txBody>
+      </p:sp>
+      <p:pic>
+        <p:nvPicPr>
+          <p:cNvPr id="72" name="Shape 72"/>
+          <p:cNvPicPr preferRelativeResize="0"/>
+          <p:nvPr/>
+        </p:nvPicPr>
+        <p:blipFill>
+          <a:blip r:embed="rId3">
+            <a:alphaModFix/>
+          </a:blip>
+          <a:stretch>
+            <a:fillRect/>
+          </a:stretch>
+        </p:blipFill>
+        <p:spPr>
+          <a:xfrm>
+            <a:off x="2236713" y="2751875"/>
+            <a:ext cx="4670575" cy="1566575"/>
+          </a:xfrm>
+          <a:prstGeom prst="rect">
+            <a:avLst/>
+          </a:prstGeom>
+          <a:noFill/>
+          <a:ln>
+            <a:noFill/>
+          </a:ln>
+        </p:spPr>
+      </p:pic>
+      <p:pic>
+        <p:nvPicPr>
           <p:cNvPr id="73" name="Shape 73"/>
+          <p:cNvPicPr preferRelativeResize="0"/>
+          <p:nvPr/>
+        </p:nvPicPr>
+        <p:blipFill>
+          <a:blip r:embed="rId4">
+            <a:alphaModFix/>
+          </a:blip>
+          <a:stretch>
+            <a:fillRect/>
+          </a:stretch>
+        </p:blipFill>
+        <p:spPr>
+          <a:xfrm>
+            <a:off x="2244200" y="1172537"/>
+            <a:ext cx="4655599" cy="1299673"/>
+          </a:xfrm>
+          <a:prstGeom prst="rect">
+            <a:avLst/>
+          </a:prstGeom>
+          <a:noFill/>
+          <a:ln>
+            <a:noFill/>
+          </a:ln>
+        </p:spPr>
+      </p:pic>
+    </p:spTree>
+  </p:cSld>
+  <p:clrMapOvr>
+    <a:masterClrMapping/>
+  </p:clrMapOvr>
+</p:sld>
+</file>
+
+<file path=ppt/slides/slide4.xml><?xml version="1.0" encoding="utf-8"?>
+<p:sld xmlns:a="http://schemas.openxmlformats.org/drawingml/2006/main" xmlns:r="http://schemas.openxmlformats.org/officeDocument/2006/relationships" xmlns:mc="http://schemas.openxmlformats.org/markup-compatibility/2006" xmlns:mv="urn:schemas-microsoft-com:mac:vml" xmlns:p="http://schemas.openxmlformats.org/presentationml/2006/main" xmlns:c="http://schemas.openxmlformats.org/drawingml/2006/chart" xmlns:dgm="http://schemas.openxmlformats.org/drawingml/2006/diagram" xmlns:o="urn:schemas-microsoft-com:office:office" xmlns:v="urn:schemas-microsoft-com:vml" xmlns:pvml="urn:schemas-microsoft-com:office:powerpoint" xmlns:com="http://schemas.openxmlformats.org/drawingml/2006/compatibility" xmlns:p14="http://schemas.microsoft.com/office/powerpoint/2010/main" xmlns:p15="http://schemas.microsoft.com/office/powerpoint/2012/main">
+  <p:cSld>
+    <p:bg>
+      <p:bgPr>
+        <a:solidFill>
+          <a:srgbClr val="EFEFEF"/>
+        </a:solidFill>
+      </p:bgPr>
+    </p:bg>
+    <p:spTree>
+      <p:nvGrpSpPr>
+        <p:cNvPr id="77" name="Shape 77"/>
+        <p:cNvGrpSpPr/>
+        <p:nvPr/>
+      </p:nvGrpSpPr>
+      <p:grpSpPr>
+        <a:xfrm>
+          <a:off x="0" y="0"/>
+          <a:ext cx="0" cy="0"/>
+          <a:chOff x="0" y="0"/>
+          <a:chExt cx="0" cy="0"/>
+        </a:xfrm>
+      </p:grpSpPr>
+      <p:sp>
+        <p:nvSpPr>
+          <p:cNvPr id="78" name="Shape 78"/>
           <p:cNvSpPr txBox="1"/>
           <p:nvPr>
             <p:ph type="title"/>
@@ -15033,7 +14663,7 @@
       </p:sp>
       <p:pic>
         <p:nvPicPr>
-          <p:cNvPr id="74" name="Shape 74"/>
+          <p:cNvPr id="79" name="Shape 79"/>
           <p:cNvPicPr preferRelativeResize="0"/>
           <p:nvPr/>
         </p:nvPicPr>
@@ -15067,7 +14697,7 @@
 </p:sld>
 </file>
 
-<file path=ppt/slides/slide4.xml><?xml version="1.0" encoding="utf-8"?>
+<file path=ppt/slides/slide5.xml><?xml version="1.0" encoding="utf-8"?>
 <p:sld xmlns:a="http://schemas.openxmlformats.org/drawingml/2006/main" xmlns:r="http://schemas.openxmlformats.org/officeDocument/2006/relationships" xmlns:mc="http://schemas.openxmlformats.org/markup-compatibility/2006" xmlns:mv="urn:schemas-microsoft-com:mac:vml" xmlns:p="http://schemas.openxmlformats.org/presentationml/2006/main" xmlns:c="http://schemas.openxmlformats.org/drawingml/2006/chart" xmlns:dgm="http://schemas.openxmlformats.org/drawingml/2006/diagram" xmlns:o="urn:schemas-microsoft-com:office:office" xmlns:v="urn:schemas-microsoft-com:vml" xmlns:pvml="urn:schemas-microsoft-com:office:powerpoint" xmlns:com="http://schemas.openxmlformats.org/drawingml/2006/compatibility" xmlns:p14="http://schemas.microsoft.com/office/powerpoint/2010/main" xmlns:p15="http://schemas.microsoft.com/office/powerpoint/2012/main">
   <p:cSld>
     <p:bg>
@@ -15079,7 +14709,7 @@
     </p:bg>
     <p:spTree>
       <p:nvGrpSpPr>
-        <p:cNvPr id="78" name="Shape 78"/>
+        <p:cNvPr id="83" name="Shape 83"/>
         <p:cNvGrpSpPr/>
         <p:nvPr/>
       </p:nvGrpSpPr>
@@ -15093,7 +14723,7 @@
       </p:grpSpPr>
       <p:sp>
         <p:nvSpPr>
-          <p:cNvPr id="79" name="Shape 79"/>
+          <p:cNvPr id="84" name="Shape 84"/>
           <p:cNvSpPr txBox="1"/>
           <p:nvPr>
             <p:ph type="title"/>
@@ -15134,7 +14764,7 @@
       </p:sp>
       <p:pic>
         <p:nvPicPr>
-          <p:cNvPr id="80" name="Shape 80"/>
+          <p:cNvPr id="85" name="Shape 85"/>
           <p:cNvPicPr preferRelativeResize="0"/>
           <p:nvPr/>
         </p:nvPicPr>
@@ -15168,7 +14798,7 @@
 </p:sld>
 </file>
 
-<file path=ppt/slides/slide5.xml><?xml version="1.0" encoding="utf-8"?>
+<file path=ppt/slides/slide6.xml><?xml version="1.0" encoding="utf-8"?>
 <p:sld xmlns:a="http://schemas.openxmlformats.org/drawingml/2006/main" xmlns:r="http://schemas.openxmlformats.org/officeDocument/2006/relationships" xmlns:mc="http://schemas.openxmlformats.org/markup-compatibility/2006" xmlns:mv="urn:schemas-microsoft-com:mac:vml" xmlns:p="http://schemas.openxmlformats.org/presentationml/2006/main" xmlns:c="http://schemas.openxmlformats.org/drawingml/2006/chart" xmlns:dgm="http://schemas.openxmlformats.org/drawingml/2006/diagram" xmlns:o="urn:schemas-microsoft-com:office:office" xmlns:v="urn:schemas-microsoft-com:vml" xmlns:pvml="urn:schemas-microsoft-com:office:powerpoint" xmlns:com="http://schemas.openxmlformats.org/drawingml/2006/compatibility" xmlns:p14="http://schemas.microsoft.com/office/powerpoint/2010/main" xmlns:p15="http://schemas.microsoft.com/office/powerpoint/2012/main">
   <p:cSld>
     <p:bg>
@@ -15180,7 +14810,7 @@
     </p:bg>
     <p:spTree>
       <p:nvGrpSpPr>
-        <p:cNvPr id="84" name="Shape 84"/>
+        <p:cNvPr id="89" name="Shape 89"/>
         <p:cNvGrpSpPr/>
         <p:nvPr/>
       </p:nvGrpSpPr>
@@ -15194,7 +14824,7 @@
       </p:grpSpPr>
       <p:sp>
         <p:nvSpPr>
-          <p:cNvPr id="85" name="Shape 85"/>
+          <p:cNvPr id="90" name="Shape 90"/>
           <p:cNvSpPr txBox="1"/>
           <p:nvPr>
             <p:ph type="title"/>
@@ -15235,7 +14865,7 @@
       </p:sp>
       <p:pic>
         <p:nvPicPr>
-          <p:cNvPr id="86" name="Shape 86"/>
+          <p:cNvPr id="91" name="Shape 91"/>
           <p:cNvPicPr preferRelativeResize="0"/>
           <p:nvPr/>
         </p:nvPicPr>
@@ -15263,7 +14893,7 @@
       </p:pic>
       <p:pic>
         <p:nvPicPr>
-          <p:cNvPr id="87" name="Shape 87"/>
+          <p:cNvPr id="92" name="Shape 92"/>
           <p:cNvPicPr preferRelativeResize="0"/>
           <p:nvPr/>
         </p:nvPicPr>
@@ -15291,7 +14921,7 @@
       </p:pic>
       <p:pic>
         <p:nvPicPr>
-          <p:cNvPr id="88" name="Shape 88"/>
+          <p:cNvPr id="93" name="Shape 93"/>
           <p:cNvPicPr preferRelativeResize="0"/>
           <p:nvPr/>
         </p:nvPicPr>
@@ -15319,7 +14949,7 @@
       </p:pic>
       <p:pic>
         <p:nvPicPr>
-          <p:cNvPr id="89" name="Shape 89"/>
+          <p:cNvPr id="94" name="Shape 94"/>
           <p:cNvPicPr preferRelativeResize="0"/>
           <p:nvPr/>
         </p:nvPicPr>
@@ -15347,7 +14977,7 @@
       </p:pic>
       <p:sp>
         <p:nvSpPr>
-          <p:cNvPr id="90" name="Shape 90"/>
+          <p:cNvPr id="95" name="Shape 95"/>
           <p:cNvSpPr txBox="1"/>
           <p:nvPr/>
         </p:nvSpPr>
@@ -15385,7 +15015,7 @@
       </p:sp>
       <p:sp>
         <p:nvSpPr>
-          <p:cNvPr id="91" name="Shape 91"/>
+          <p:cNvPr id="96" name="Shape 96"/>
           <p:cNvSpPr txBox="1"/>
           <p:nvPr/>
         </p:nvSpPr>
@@ -15429,7 +15059,7 @@
 </p:sld>
 </file>
 
-<file path=ppt/slides/slide6.xml><?xml version="1.0" encoding="utf-8"?>
+<file path=ppt/slides/slide7.xml><?xml version="1.0" encoding="utf-8"?>
 <p:sld xmlns:a="http://schemas.openxmlformats.org/drawingml/2006/main" xmlns:r="http://schemas.openxmlformats.org/officeDocument/2006/relationships" xmlns:mc="http://schemas.openxmlformats.org/markup-compatibility/2006" xmlns:mv="urn:schemas-microsoft-com:mac:vml" xmlns:p="http://schemas.openxmlformats.org/presentationml/2006/main" xmlns:c="http://schemas.openxmlformats.org/drawingml/2006/chart" xmlns:dgm="http://schemas.openxmlformats.org/drawingml/2006/diagram" xmlns:o="urn:schemas-microsoft-com:office:office" xmlns:v="urn:schemas-microsoft-com:vml" xmlns:pvml="urn:schemas-microsoft-com:office:powerpoint" xmlns:com="http://schemas.openxmlformats.org/drawingml/2006/compatibility" xmlns:p14="http://schemas.microsoft.com/office/powerpoint/2010/main" xmlns:p15="http://schemas.microsoft.com/office/powerpoint/2012/main">
   <p:cSld>
     <p:bg>
@@ -15441,7 +15071,7 @@
     </p:bg>
     <p:spTree>
       <p:nvGrpSpPr>
-        <p:cNvPr id="95" name="Shape 95"/>
+        <p:cNvPr id="100" name="Shape 100"/>
         <p:cNvGrpSpPr/>
         <p:nvPr/>
       </p:nvGrpSpPr>
@@ -15455,7 +15085,7 @@
       </p:grpSpPr>
       <p:sp>
         <p:nvSpPr>
-          <p:cNvPr id="96" name="Shape 96"/>
+          <p:cNvPr id="101" name="Shape 101"/>
           <p:cNvSpPr txBox="1"/>
           <p:nvPr>
             <p:ph type="title"/>
@@ -15496,7 +15126,7 @@
       </p:sp>
       <p:pic>
         <p:nvPicPr>
-          <p:cNvPr id="97" name="Shape 97"/>
+          <p:cNvPr id="102" name="Shape 102"/>
           <p:cNvPicPr preferRelativeResize="0"/>
           <p:nvPr/>
         </p:nvPicPr>
@@ -15530,7 +15160,7 @@
 </p:sld>
 </file>
 
-<file path=ppt/slides/slide7.xml><?xml version="1.0" encoding="utf-8"?>
+<file path=ppt/slides/slide8.xml><?xml version="1.0" encoding="utf-8"?>
 <p:sld xmlns:a="http://schemas.openxmlformats.org/drawingml/2006/main" xmlns:r="http://schemas.openxmlformats.org/officeDocument/2006/relationships" xmlns:mc="http://schemas.openxmlformats.org/markup-compatibility/2006" xmlns:mv="urn:schemas-microsoft-com:mac:vml" xmlns:p="http://schemas.openxmlformats.org/presentationml/2006/main" xmlns:c="http://schemas.openxmlformats.org/drawingml/2006/chart" xmlns:dgm="http://schemas.openxmlformats.org/drawingml/2006/diagram" xmlns:o="urn:schemas-microsoft-com:office:office" xmlns:v="urn:schemas-microsoft-com:vml" xmlns:pvml="urn:schemas-microsoft-com:office:powerpoint" xmlns:com="http://schemas.openxmlformats.org/drawingml/2006/compatibility" xmlns:p14="http://schemas.microsoft.com/office/powerpoint/2010/main" xmlns:p15="http://schemas.microsoft.com/office/powerpoint/2012/main">
   <p:cSld>
     <p:bg>
@@ -15542,7 +15172,7 @@
     </p:bg>
     <p:spTree>
       <p:nvGrpSpPr>
-        <p:cNvPr id="101" name="Shape 101"/>
+        <p:cNvPr id="106" name="Shape 106"/>
         <p:cNvGrpSpPr/>
         <p:nvPr/>
       </p:nvGrpSpPr>
@@ -15556,7 +15186,7 @@
       </p:grpSpPr>
       <p:sp>
         <p:nvSpPr>
-          <p:cNvPr id="102" name="Shape 102"/>
+          <p:cNvPr id="107" name="Shape 107"/>
           <p:cNvSpPr txBox="1"/>
           <p:nvPr>
             <p:ph type="title"/>
@@ -15597,7 +15227,7 @@
       </p:sp>
       <p:pic>
         <p:nvPicPr>
-          <p:cNvPr id="103" name="Shape 103"/>
+          <p:cNvPr id="108" name="Shape 108"/>
           <p:cNvPicPr preferRelativeResize="0"/>
           <p:nvPr/>
         </p:nvPicPr>
@@ -15631,7 +15261,7 @@
 </p:sld>
 </file>
 
-<file path=ppt/slides/slide8.xml><?xml version="1.0" encoding="utf-8"?>
+<file path=ppt/slides/slide9.xml><?xml version="1.0" encoding="utf-8"?>
 <p:sld xmlns:a="http://schemas.openxmlformats.org/drawingml/2006/main" xmlns:r="http://schemas.openxmlformats.org/officeDocument/2006/relationships" xmlns:mc="http://schemas.openxmlformats.org/markup-compatibility/2006" xmlns:mv="urn:schemas-microsoft-com:mac:vml" xmlns:p="http://schemas.openxmlformats.org/presentationml/2006/main" xmlns:c="http://schemas.openxmlformats.org/drawingml/2006/chart" xmlns:dgm="http://schemas.openxmlformats.org/drawingml/2006/diagram" xmlns:o="urn:schemas-microsoft-com:office:office" xmlns:v="urn:schemas-microsoft-com:vml" xmlns:pvml="urn:schemas-microsoft-com:office:powerpoint" xmlns:com="http://schemas.openxmlformats.org/drawingml/2006/compatibility" xmlns:p14="http://schemas.microsoft.com/office/powerpoint/2010/main" xmlns:p15="http://schemas.microsoft.com/office/powerpoint/2012/main">
   <p:cSld>
     <p:bg>
@@ -15643,7 +15273,7 @@
     </p:bg>
     <p:spTree>
       <p:nvGrpSpPr>
-        <p:cNvPr id="107" name="Shape 107"/>
+        <p:cNvPr id="112" name="Shape 112"/>
         <p:cNvGrpSpPr/>
         <p:nvPr/>
       </p:nvGrpSpPr>
@@ -15657,7 +15287,7 @@
       </p:grpSpPr>
       <p:grpSp>
         <p:nvGrpSpPr>
-          <p:cNvPr id="108" name="Shape 108"/>
+          <p:cNvPr id="113" name="Shape 113"/>
           <p:cNvGrpSpPr/>
           <p:nvPr/>
         </p:nvGrpSpPr>
@@ -15671,7 +15301,7 @@
         </p:grpSpPr>
         <p:pic>
           <p:nvPicPr>
-            <p:cNvPr id="109" name="Shape 109"/>
+            <p:cNvPr id="114" name="Shape 114"/>
             <p:cNvPicPr preferRelativeResize="0"/>
             <p:nvPr/>
           </p:nvPicPr>
@@ -15699,7 +15329,7 @@
         </p:pic>
         <p:sp>
           <p:nvSpPr>
-            <p:cNvPr id="110" name="Shape 110"/>
+            <p:cNvPr id="115" name="Shape 115"/>
             <p:cNvSpPr/>
             <p:nvPr/>
           </p:nvSpPr>
@@ -15743,7 +15373,7 @@
         </p:sp>
         <p:sp>
           <p:nvSpPr>
-            <p:cNvPr id="111" name="Shape 111"/>
+            <p:cNvPr id="116" name="Shape 116"/>
             <p:cNvSpPr/>
             <p:nvPr/>
           </p:nvSpPr>
@@ -15787,7 +15417,7 @@
         </p:sp>
         <p:sp>
           <p:nvSpPr>
-            <p:cNvPr id="112" name="Shape 112"/>
+            <p:cNvPr id="117" name="Shape 117"/>
             <p:cNvSpPr/>
             <p:nvPr/>
           </p:nvSpPr>
@@ -15832,7 +15462,7 @@
       </p:grpSp>
       <p:sp>
         <p:nvSpPr>
-          <p:cNvPr id="113" name="Shape 113"/>
+          <p:cNvPr id="118" name="Shape 118"/>
           <p:cNvSpPr txBox="1"/>
           <p:nvPr>
             <p:ph type="title"/>
@@ -15916,125 +15546,286 @@
 </p:sld>
 </file>
 
-<file path=ppt/slides/slide9.xml><?xml version="1.0" encoding="utf-8"?>
-<p:sld xmlns:a="http://schemas.openxmlformats.org/drawingml/2006/main" xmlns:r="http://schemas.openxmlformats.org/officeDocument/2006/relationships" xmlns:mc="http://schemas.openxmlformats.org/markup-compatibility/2006" xmlns:mv="urn:schemas-microsoft-com:mac:vml" xmlns:p="http://schemas.openxmlformats.org/presentationml/2006/main" xmlns:c="http://schemas.openxmlformats.org/drawingml/2006/chart" xmlns:dgm="http://schemas.openxmlformats.org/drawingml/2006/diagram" xmlns:o="urn:schemas-microsoft-com:office:office" xmlns:v="urn:schemas-microsoft-com:vml" xmlns:pvml="urn:schemas-microsoft-com:office:powerpoint" xmlns:com="http://schemas.openxmlformats.org/drawingml/2006/compatibility" xmlns:p14="http://schemas.microsoft.com/office/powerpoint/2010/main" xmlns:p15="http://schemas.microsoft.com/office/powerpoint/2012/main">
-  <p:cSld>
-    <p:bg>
-      <p:bgPr>
+<file path=ppt/theme/theme1.xml><?xml version="1.0" encoding="utf-8"?>
+<a:theme xmlns:a="http://schemas.openxmlformats.org/drawingml/2006/main" xmlns:r="http://schemas.openxmlformats.org/officeDocument/2006/relationships" name="Simple Light">
+  <a:themeElements>
+    <a:clrScheme name="Simple Light">
+      <a:dk1>
+        <a:srgbClr val="000000"/>
+      </a:dk1>
+      <a:lt1>
+        <a:srgbClr val="FFFFFF"/>
+      </a:lt1>
+      <a:dk2>
+        <a:srgbClr val="595959"/>
+      </a:dk2>
+      <a:lt2>
+        <a:srgbClr val="EEEEEE"/>
+      </a:lt2>
+      <a:accent1>
+        <a:srgbClr val="FFAB40"/>
+      </a:accent1>
+      <a:accent2>
+        <a:srgbClr val="212121"/>
+      </a:accent2>
+      <a:accent3>
+        <a:srgbClr val="78909C"/>
+      </a:accent3>
+      <a:accent4>
+        <a:srgbClr val="FFAB40"/>
+      </a:accent4>
+      <a:accent5>
+        <a:srgbClr val="0097A7"/>
+      </a:accent5>
+      <a:accent6>
+        <a:srgbClr val="EEFF41"/>
+      </a:accent6>
+      <a:hlink>
+        <a:srgbClr val="0097A7"/>
+      </a:hlink>
+      <a:folHlink>
+        <a:srgbClr val="0097A7"/>
+      </a:folHlink>
+    </a:clrScheme>
+    <a:fontScheme name="Office">
+      <a:majorFont>
+        <a:latin typeface="Arial"/>
+        <a:ea typeface=""/>
+        <a:cs typeface=""/>
+        <a:font script="Jpan" typeface="ＭＳ Ｐゴシック"/>
+        <a:font script="Hang" typeface="맑은 고딕"/>
+        <a:font script="Hans" typeface="宋体"/>
+        <a:font script="Hant" typeface="新細明體"/>
+        <a:font script="Arab" typeface="Times New Roman"/>
+        <a:font script="Hebr" typeface="Times New Roman"/>
+        <a:font script="Thai" typeface="Angsana New"/>
+        <a:font script="Ethi" typeface="Nyala"/>
+        <a:font script="Beng" typeface="Vrinda"/>
+        <a:font script="Gujr" typeface="Shruti"/>
+        <a:font script="Khmr" typeface="MoolBoran"/>
+        <a:font script="Knda" typeface="Tunga"/>
+        <a:font script="Guru" typeface="Raavi"/>
+        <a:font script="Cans" typeface="Euphemia"/>
+        <a:font script="Cher" typeface="Plantagenet Cherokee"/>
+        <a:font script="Yiii" typeface="Microsoft Yi Baiti"/>
+        <a:font script="Tibt" typeface="Microsoft Himalaya"/>
+        <a:font script="Thaa" typeface="MV Boli"/>
+        <a:font script="Deva" typeface="Mangal"/>
+        <a:font script="Telu" typeface="Gautami"/>
+        <a:font script="Taml" typeface="Latha"/>
+        <a:font script="Syrc" typeface="Estrangelo Edessa"/>
+        <a:font script="Orya" typeface="Kalinga"/>
+        <a:font script="Mlym" typeface="Kartika"/>
+        <a:font script="Laoo" typeface="DokChampa"/>
+        <a:font script="Sinh" typeface="Iskoola Pota"/>
+        <a:font script="Mong" typeface="Mongolian Baiti"/>
+        <a:font script="Viet" typeface="Times New Roman"/>
+        <a:font script="Uigh" typeface="Microsoft Uighur"/>
+        <a:font script="Geor" typeface="Sylfaen"/>
+      </a:majorFont>
+      <a:minorFont>
+        <a:latin typeface="Arial"/>
+        <a:ea typeface=""/>
+        <a:cs typeface=""/>
+        <a:font script="Jpan" typeface="ＭＳ Ｐゴシック"/>
+        <a:font script="Hang" typeface="맑은 고딕"/>
+        <a:font script="Hans" typeface="宋体"/>
+        <a:font script="Hant" typeface="新細明體"/>
+        <a:font script="Arab" typeface="Arial"/>
+        <a:font script="Hebr" typeface="Arial"/>
+        <a:font script="Thai" typeface="Cordia New"/>
+        <a:font script="Ethi" typeface="Nyala"/>
+        <a:font script="Beng" typeface="Vrinda"/>
+        <a:font script="Gujr" typeface="Shruti"/>
+        <a:font script="Khmr" typeface="DaunPenh"/>
+        <a:font script="Knda" typeface="Tunga"/>
+        <a:font script="Guru" typeface="Raavi"/>
+        <a:font script="Cans" typeface="Euphemia"/>
+        <a:font script="Cher" typeface="Plantagenet Cherokee"/>
+        <a:font script="Yiii" typeface="Microsoft Yi Baiti"/>
+        <a:font script="Tibt" typeface="Microsoft Himalaya"/>
+        <a:font script="Thaa" typeface="MV Boli"/>
+        <a:font script="Deva" typeface="Mangal"/>
+        <a:font script="Telu" typeface="Gautami"/>
+        <a:font script="Taml" typeface="Latha"/>
+        <a:font script="Syrc" typeface="Estrangelo Edessa"/>
+        <a:font script="Orya" typeface="Kalinga"/>
+        <a:font script="Mlym" typeface="Kartika"/>
+        <a:font script="Laoo" typeface="DokChampa"/>
+        <a:font script="Sinh" typeface="Iskoola Pota"/>
+        <a:font script="Mong" typeface="Mongolian Baiti"/>
+        <a:font script="Viet" typeface="Arial"/>
+        <a:font script="Uigh" typeface="Microsoft Uighur"/>
+        <a:font script="Geor" typeface="Sylfaen"/>
+      </a:minorFont>
+    </a:fontScheme>
+    <a:fmtScheme name="Office">
+      <a:fillStyleLst>
         <a:solidFill>
-          <a:srgbClr val="EFEFEF"/>
+          <a:schemeClr val="phClr"/>
         </a:solidFill>
-      </p:bgPr>
-    </p:bg>
-    <p:spTree>
-      <p:nvGrpSpPr>
-        <p:cNvPr id="117" name="Shape 117"/>
-        <p:cNvGrpSpPr/>
-        <p:nvPr/>
-      </p:nvGrpSpPr>
-      <p:grpSpPr>
-        <a:xfrm>
-          <a:off x="0" y="0"/>
-          <a:ext cx="0" cy="0"/>
-          <a:chOff x="0" y="0"/>
-          <a:chExt cx="0" cy="0"/>
-        </a:xfrm>
-      </p:grpSpPr>
-      <p:sp>
-        <p:nvSpPr>
-          <p:cNvPr id="118" name="Shape 118"/>
-          <p:cNvSpPr txBox="1"/>
-          <p:nvPr>
-            <p:ph type="title"/>
-          </p:nvPr>
-        </p:nvSpPr>
-        <p:spPr>
-          <a:xfrm>
-            <a:off x="92750" y="0"/>
-            <a:ext cx="8520600" cy="572700"/>
-          </a:xfrm>
-          <a:prstGeom prst="rect">
-            <a:avLst/>
-          </a:prstGeom>
-        </p:spPr>
-        <p:txBody>
-          <a:bodyPr anchorCtr="0" anchor="t" bIns="91425" lIns="91425" rIns="91425" wrap="square" tIns="91425">
-            <a:noAutofit/>
-          </a:bodyPr>
-          <a:lstStyle/>
-          <a:p>
-            <a:pPr lvl="0" rtl="0" algn="l">
-              <a:spcBef>
-                <a:spcPts val="0"/>
-              </a:spcBef>
-              <a:buNone/>
-            </a:pPr>
-            <a:r>
-              <a:rPr b="1" i="1" lang="es">
-                <a:latin typeface="Cambria"/>
-                <a:ea typeface="Cambria"/>
-                <a:cs typeface="Cambria"/>
-                <a:sym typeface="Cambria"/>
-              </a:rPr>
-              <a:t>Sequence Diagram:</a:t>
-            </a:r>
-          </a:p>
-          <a:p>
-            <a:pPr lvl="0" rtl="0" algn="l">
-              <a:spcBef>
-                <a:spcPts val="0"/>
-              </a:spcBef>
-              <a:buNone/>
-            </a:pPr>
-            <a:r>
-              <a:rPr b="1" i="1" lang="es">
-                <a:latin typeface="Cambria"/>
-                <a:ea typeface="Cambria"/>
-                <a:cs typeface="Cambria"/>
-                <a:sym typeface="Cambria"/>
-              </a:rPr>
-              <a:t>Login</a:t>
-            </a:r>
-          </a:p>
-        </p:txBody>
-      </p:sp>
-      <p:pic>
-        <p:nvPicPr>
-          <p:cNvPr id="119" name="Shape 119"/>
-          <p:cNvPicPr preferRelativeResize="0"/>
-          <p:nvPr/>
-        </p:nvPicPr>
-        <p:blipFill>
-          <a:blip r:embed="rId3">
-            <a:alphaModFix/>
-          </a:blip>
-          <a:stretch>
-            <a:fillRect/>
-          </a:stretch>
-        </p:blipFill>
-        <p:spPr>
-          <a:xfrm>
-            <a:off x="152400" y="725100"/>
-            <a:ext cx="8676385" cy="4265999"/>
-          </a:xfrm>
-          <a:prstGeom prst="rect">
-            <a:avLst/>
-          </a:prstGeom>
-          <a:noFill/>
-          <a:ln>
-            <a:noFill/>
-          </a:ln>
-        </p:spPr>
-      </p:pic>
-    </p:spTree>
-  </p:cSld>
-  <p:clrMapOvr>
-    <a:masterClrMapping/>
-  </p:clrMapOvr>
-</p:sld>
+        <a:gradFill rotWithShape="1">
+          <a:gsLst>
+            <a:gs pos="0">
+              <a:schemeClr val="phClr">
+                <a:tint val="50000"/>
+                <a:satMod val="300000"/>
+              </a:schemeClr>
+            </a:gs>
+            <a:gs pos="35000">
+              <a:schemeClr val="phClr">
+                <a:tint val="37000"/>
+                <a:satMod val="300000"/>
+              </a:schemeClr>
+            </a:gs>
+            <a:gs pos="100000">
+              <a:schemeClr val="phClr">
+                <a:tint val="15000"/>
+                <a:satMod val="350000"/>
+              </a:schemeClr>
+            </a:gs>
+          </a:gsLst>
+          <a:lin ang="16200000" scaled="1"/>
+        </a:gradFill>
+        <a:gradFill rotWithShape="1">
+          <a:gsLst>
+            <a:gs pos="0">
+              <a:schemeClr val="phClr">
+                <a:tint val="100000"/>
+                <a:shade val="100000"/>
+                <a:satMod val="130000"/>
+              </a:schemeClr>
+            </a:gs>
+            <a:gs pos="100000">
+              <a:schemeClr val="phClr">
+                <a:tint val="50000"/>
+                <a:shade val="100000"/>
+                <a:satMod val="350000"/>
+              </a:schemeClr>
+            </a:gs>
+          </a:gsLst>
+          <a:lin ang="16200000" scaled="0"/>
+        </a:gradFill>
+      </a:fillStyleLst>
+      <a:lnStyleLst>
+        <a:ln w="9525" cap="flat" cmpd="sng" algn="ctr">
+          <a:solidFill>
+            <a:schemeClr val="phClr">
+              <a:shade val="95000"/>
+              <a:satMod val="105000"/>
+            </a:schemeClr>
+          </a:solidFill>
+          <a:prstDash val="solid"/>
+        </a:ln>
+        <a:ln w="25400" cap="flat" cmpd="sng" algn="ctr">
+          <a:solidFill>
+            <a:schemeClr val="phClr"/>
+          </a:solidFill>
+          <a:prstDash val="solid"/>
+        </a:ln>
+        <a:ln w="38100" cap="flat" cmpd="sng" algn="ctr">
+          <a:solidFill>
+            <a:schemeClr val="phClr"/>
+          </a:solidFill>
+          <a:prstDash val="solid"/>
+        </a:ln>
+      </a:lnStyleLst>
+      <a:effectStyleLst>
+        <a:effectStyle>
+          <a:effectLst>
+            <a:outerShdw blurRad="40000" dist="20000" dir="5400000" rotWithShape="0">
+              <a:srgbClr val="000000">
+                <a:alpha val="38000"/>
+              </a:srgbClr>
+            </a:outerShdw>
+          </a:effectLst>
+        </a:effectStyle>
+        <a:effectStyle>
+          <a:effectLst>
+            <a:outerShdw blurRad="40000" dist="23000" dir="5400000" rotWithShape="0">
+              <a:srgbClr val="000000">
+                <a:alpha val="35000"/>
+              </a:srgbClr>
+            </a:outerShdw>
+          </a:effectLst>
+        </a:effectStyle>
+        <a:effectStyle>
+          <a:effectLst>
+            <a:outerShdw blurRad="40000" dist="23000" dir="5400000" rotWithShape="0">
+              <a:srgbClr val="000000">
+                <a:alpha val="35000"/>
+              </a:srgbClr>
+            </a:outerShdw>
+          </a:effectLst>
+          <a:scene3d>
+            <a:camera prst="orthographicFront">
+              <a:rot lat="0" lon="0" rev="0"/>
+            </a:camera>
+            <a:lightRig rig="threePt" dir="t">
+              <a:rot lat="0" lon="0" rev="1200000"/>
+            </a:lightRig>
+          </a:scene3d>
+          <a:sp3d>
+            <a:bevelT w="63500" h="25400"/>
+          </a:sp3d>
+        </a:effectStyle>
+      </a:effectStyleLst>
+      <a:bgFillStyleLst>
+        <a:solidFill>
+          <a:schemeClr val="phClr"/>
+        </a:solidFill>
+        <a:gradFill rotWithShape="1">
+          <a:gsLst>
+            <a:gs pos="0">
+              <a:schemeClr val="phClr">
+                <a:tint val="40000"/>
+                <a:satMod val="350000"/>
+              </a:schemeClr>
+            </a:gs>
+            <a:gs pos="40000">
+              <a:schemeClr val="phClr">
+                <a:tint val="45000"/>
+                <a:shade val="99000"/>
+                <a:satMod val="350000"/>
+              </a:schemeClr>
+            </a:gs>
+            <a:gs pos="100000">
+              <a:schemeClr val="phClr">
+                <a:shade val="20000"/>
+                <a:satMod val="255000"/>
+              </a:schemeClr>
+            </a:gs>
+          </a:gsLst>
+          <a:path path="circle">
+            <a:fillToRect l="50000" t="-80000" r="50000" b="180000"/>
+          </a:path>
+        </a:gradFill>
+        <a:gradFill rotWithShape="1">
+          <a:gsLst>
+            <a:gs pos="0">
+              <a:schemeClr val="phClr">
+                <a:tint val="80000"/>
+                <a:satMod val="300000"/>
+              </a:schemeClr>
+            </a:gs>
+            <a:gs pos="100000">
+              <a:schemeClr val="phClr">
+                <a:shade val="30000"/>
+                <a:satMod val="200000"/>
+              </a:schemeClr>
+            </a:gs>
+          </a:gsLst>
+          <a:path path="circle">
+            <a:fillToRect l="50000" t="50000" r="50000" b="50000"/>
+          </a:path>
+        </a:gradFill>
+      </a:bgFillStyleLst>
+    </a:fmtScheme>
+  </a:themeElements>
+</a:theme>
 </file>
 
-<file path=ppt/theme/theme1.xml><?xml version="1.0" encoding="utf-8"?>
+<file path=ppt/theme/theme2.xml><?xml version="1.0" encoding="utf-8"?>
 <a:theme xmlns:a="http://schemas.openxmlformats.org/drawingml/2006/main" xmlns:r="http://schemas.openxmlformats.org/officeDocument/2006/relationships" name="Custom Theme">
   <a:themeElements>
     <a:clrScheme name="Default">
@@ -16311,283 +16102,4 @@
     </a:fmtScheme>
   </a:themeElements>
 </a:theme>
-</file>
-
-<file path=ppt/theme/theme2.xml><?xml version="1.0" encoding="utf-8"?>
-<a:theme xmlns:a="http://schemas.openxmlformats.org/drawingml/2006/main" xmlns:r="http://schemas.openxmlformats.org/officeDocument/2006/relationships" name="Simple Light">
-  <a:themeElements>
-    <a:clrScheme name="Simple Light">
-      <a:dk1>
-        <a:srgbClr val="000000"/>
-      </a:dk1>
-      <a:lt1>
-        <a:srgbClr val="FFFFFF"/>
-      </a:lt1>
-      <a:dk2>
-        <a:srgbClr val="595959"/>
-      </a:dk2>
-      <a:lt2>
-        <a:srgbClr val="EEEEEE"/>
-      </a:lt2>
-      <a:accent1>
-        <a:srgbClr val="FFAB40"/>
-      </a:accent1>
-      <a:accent2>
-        <a:srgbClr val="212121"/>
-      </a:accent2>
-      <a:accent3>
-        <a:srgbClr val="78909C"/>
-      </a:accent3>
-      <a:accent4>
-        <a:srgbClr val="FFAB40"/>
-      </a:accent4>
-      <a:accent5>
-        <a:srgbClr val="0097A7"/>
-      </a:accent5>
-      <a:accent6>
-        <a:srgbClr val="EEFF41"/>
-      </a:accent6>
-      <a:hlink>
-        <a:srgbClr val="0097A7"/>
-      </a:hlink>
-      <a:folHlink>
-        <a:srgbClr val="0097A7"/>
-      </a:folHlink>
-    </a:clrScheme>
-    <a:fontScheme name="Office">
-      <a:majorFont>
-        <a:latin typeface="Arial"/>
-        <a:ea typeface=""/>
-        <a:cs typeface=""/>
-        <a:font script="Jpan" typeface="ＭＳ Ｐゴシック"/>
-        <a:font script="Hang" typeface="맑은 고딕"/>
-        <a:font script="Hans" typeface="宋体"/>
-        <a:font script="Hant" typeface="新細明體"/>
-        <a:font script="Arab" typeface="Times New Roman"/>
-        <a:font script="Hebr" typeface="Times New Roman"/>
-        <a:font script="Thai" typeface="Angsana New"/>
-        <a:font script="Ethi" typeface="Nyala"/>
-        <a:font script="Beng" typeface="Vrinda"/>
-        <a:font script="Gujr" typeface="Shruti"/>
-        <a:font script="Khmr" typeface="MoolBoran"/>
-        <a:font script="Knda" typeface="Tunga"/>
-        <a:font script="Guru" typeface="Raavi"/>
-        <a:font script="Cans" typeface="Euphemia"/>
-        <a:font script="Cher" typeface="Plantagenet Cherokee"/>
-        <a:font script="Yiii" typeface="Microsoft Yi Baiti"/>
-        <a:font script="Tibt" typeface="Microsoft Himalaya"/>
-        <a:font script="Thaa" typeface="MV Boli"/>
-        <a:font script="Deva" typeface="Mangal"/>
-        <a:font script="Telu" typeface="Gautami"/>
-        <a:font script="Taml" typeface="Latha"/>
-        <a:font script="Syrc" typeface="Estrangelo Edessa"/>
-        <a:font script="Orya" typeface="Kalinga"/>
-        <a:font script="Mlym" typeface="Kartika"/>
-        <a:font script="Laoo" typeface="DokChampa"/>
-        <a:font script="Sinh" typeface="Iskoola Pota"/>
-        <a:font script="Mong" typeface="Mongolian Baiti"/>
-        <a:font script="Viet" typeface="Times New Roman"/>
-        <a:font script="Uigh" typeface="Microsoft Uighur"/>
-        <a:font script="Geor" typeface="Sylfaen"/>
-      </a:majorFont>
-      <a:minorFont>
-        <a:latin typeface="Arial"/>
-        <a:ea typeface=""/>
-        <a:cs typeface=""/>
-        <a:font script="Jpan" typeface="ＭＳ Ｐゴシック"/>
-        <a:font script="Hang" typeface="맑은 고딕"/>
-        <a:font script="Hans" typeface="宋体"/>
-        <a:font script="Hant" typeface="新細明體"/>
-        <a:font script="Arab" typeface="Arial"/>
-        <a:font script="Hebr" typeface="Arial"/>
-        <a:font script="Thai" typeface="Cordia New"/>
-        <a:font script="Ethi" typeface="Nyala"/>
-        <a:font script="Beng" typeface="Vrinda"/>
-        <a:font script="Gujr" typeface="Shruti"/>
-        <a:font script="Khmr" typeface="DaunPenh"/>
-        <a:font script="Knda" typeface="Tunga"/>
-        <a:font script="Guru" typeface="Raavi"/>
-        <a:font script="Cans" typeface="Euphemia"/>
-        <a:font script="Cher" typeface="Plantagenet Cherokee"/>
-        <a:font script="Yiii" typeface="Microsoft Yi Baiti"/>
-        <a:font script="Tibt" typeface="Microsoft Himalaya"/>
-        <a:font script="Thaa" typeface="MV Boli"/>
-        <a:font script="Deva" typeface="Mangal"/>
-        <a:font script="Telu" typeface="Gautami"/>
-        <a:font script="Taml" typeface="Latha"/>
-        <a:font script="Syrc" typeface="Estrangelo Edessa"/>
-        <a:font script="Orya" typeface="Kalinga"/>
-        <a:font script="Mlym" typeface="Kartika"/>
-        <a:font script="Laoo" typeface="DokChampa"/>
-        <a:font script="Sinh" typeface="Iskoola Pota"/>
-        <a:font script="Mong" typeface="Mongolian Baiti"/>
-        <a:font script="Viet" typeface="Arial"/>
-        <a:font script="Uigh" typeface="Microsoft Uighur"/>
-        <a:font script="Geor" typeface="Sylfaen"/>
-      </a:minorFont>
-    </a:fontScheme>
-    <a:fmtScheme name="Office">
-      <a:fillStyleLst>
-        <a:solidFill>
-          <a:schemeClr val="phClr"/>
-        </a:solidFill>
-        <a:gradFill rotWithShape="1">
-          <a:gsLst>
-            <a:gs pos="0">
-              <a:schemeClr val="phClr">
-                <a:tint val="50000"/>
-                <a:satMod val="300000"/>
-              </a:schemeClr>
-            </a:gs>
-            <a:gs pos="35000">
-              <a:schemeClr val="phClr">
-                <a:tint val="37000"/>
-                <a:satMod val="300000"/>
-              </a:schemeClr>
-            </a:gs>
-            <a:gs pos="100000">
-              <a:schemeClr val="phClr">
-                <a:tint val="15000"/>
-                <a:satMod val="350000"/>
-              </a:schemeClr>
-            </a:gs>
-          </a:gsLst>
-          <a:lin ang="16200000" scaled="1"/>
-        </a:gradFill>
-        <a:gradFill rotWithShape="1">
-          <a:gsLst>
-            <a:gs pos="0">
-              <a:schemeClr val="phClr">
-                <a:tint val="100000"/>
-                <a:shade val="100000"/>
-                <a:satMod val="130000"/>
-              </a:schemeClr>
-            </a:gs>
-            <a:gs pos="100000">
-              <a:schemeClr val="phClr">
-                <a:tint val="50000"/>
-                <a:shade val="100000"/>
-                <a:satMod val="350000"/>
-              </a:schemeClr>
-            </a:gs>
-          </a:gsLst>
-          <a:lin ang="16200000" scaled="0"/>
-        </a:gradFill>
-      </a:fillStyleLst>
-      <a:lnStyleLst>
-        <a:ln w="9525" cap="flat" cmpd="sng" algn="ctr">
-          <a:solidFill>
-            <a:schemeClr val="phClr">
-              <a:shade val="95000"/>
-              <a:satMod val="105000"/>
-            </a:schemeClr>
-          </a:solidFill>
-          <a:prstDash val="solid"/>
-        </a:ln>
-        <a:ln w="25400" cap="flat" cmpd="sng" algn="ctr">
-          <a:solidFill>
-            <a:schemeClr val="phClr"/>
-          </a:solidFill>
-          <a:prstDash val="solid"/>
-        </a:ln>
-        <a:ln w="38100" cap="flat" cmpd="sng" algn="ctr">
-          <a:solidFill>
-            <a:schemeClr val="phClr"/>
-          </a:solidFill>
-          <a:prstDash val="solid"/>
-        </a:ln>
-      </a:lnStyleLst>
-      <a:effectStyleLst>
-        <a:effectStyle>
-          <a:effectLst>
-            <a:outerShdw blurRad="40000" dist="20000" dir="5400000" rotWithShape="0">
-              <a:srgbClr val="000000">
-                <a:alpha val="38000"/>
-              </a:srgbClr>
-            </a:outerShdw>
-          </a:effectLst>
-        </a:effectStyle>
-        <a:effectStyle>
-          <a:effectLst>
-            <a:outerShdw blurRad="40000" dist="23000" dir="5400000" rotWithShape="0">
-              <a:srgbClr val="000000">
-                <a:alpha val="35000"/>
-              </a:srgbClr>
-            </a:outerShdw>
-          </a:effectLst>
-        </a:effectStyle>
-        <a:effectStyle>
-          <a:effectLst>
-            <a:outerShdw blurRad="40000" dist="23000" dir="5400000" rotWithShape="0">
-              <a:srgbClr val="000000">
-                <a:alpha val="35000"/>
-              </a:srgbClr>
-            </a:outerShdw>
-          </a:effectLst>
-          <a:scene3d>
-            <a:camera prst="orthographicFront">
-              <a:rot lat="0" lon="0" rev="0"/>
-            </a:camera>
-            <a:lightRig rig="threePt" dir="t">
-              <a:rot lat="0" lon="0" rev="1200000"/>
-            </a:lightRig>
-          </a:scene3d>
-          <a:sp3d>
-            <a:bevelT w="63500" h="25400"/>
-          </a:sp3d>
-        </a:effectStyle>
-      </a:effectStyleLst>
-      <a:bgFillStyleLst>
-        <a:solidFill>
-          <a:schemeClr val="phClr"/>
-        </a:solidFill>
-        <a:gradFill rotWithShape="1">
-          <a:gsLst>
-            <a:gs pos="0">
-              <a:schemeClr val="phClr">
-                <a:tint val="40000"/>
-                <a:satMod val="350000"/>
-              </a:schemeClr>
-            </a:gs>
-            <a:gs pos="40000">
-              <a:schemeClr val="phClr">
-                <a:tint val="45000"/>
-                <a:shade val="99000"/>
-                <a:satMod val="350000"/>
-              </a:schemeClr>
-            </a:gs>
-            <a:gs pos="100000">
-              <a:schemeClr val="phClr">
-                <a:shade val="20000"/>
-                <a:satMod val="255000"/>
-              </a:schemeClr>
-            </a:gs>
-          </a:gsLst>
-          <a:path path="circle">
-            <a:fillToRect l="50000" t="-80000" r="50000" b="180000"/>
-          </a:path>
-        </a:gradFill>
-        <a:gradFill rotWithShape="1">
-          <a:gsLst>
-            <a:gs pos="0">
-              <a:schemeClr val="phClr">
-                <a:tint val="80000"/>
-                <a:satMod val="300000"/>
-              </a:schemeClr>
-            </a:gs>
-            <a:gs pos="100000">
-              <a:schemeClr val="phClr">
-                <a:shade val="30000"/>
-                <a:satMod val="200000"/>
-              </a:schemeClr>
-            </a:gs>
-          </a:gsLst>
-          <a:path path="circle">
-            <a:fillToRect l="50000" t="50000" r="50000" b="50000"/>
-          </a:path>
-        </a:gradFill>
-      </a:bgFillStyleLst>
-    </a:fmtScheme>
-  </a:themeElements>
-</a:theme>
 </file>
--- a/documentation/P4 Presentation.pptx
+++ b/documentation/P4 Presentation.pptx
@@ -5592,8 +5592,8 @@
         </p:blipFill>
         <p:spPr>
           <a:xfrm>
-            <a:off x="1089875" y="275025"/>
-            <a:ext cx="7093676" cy="4911951"/>
+            <a:off x="1002413" y="256875"/>
+            <a:ext cx="7139176" cy="4943451"/>
           </a:xfrm>
           <a:prstGeom prst="rect">
             <a:avLst/>
@@ -5897,7 +5897,7 @@
             <a:tbl>
               <a:tblPr>
                 <a:noFill/>
-                <a:tableStyleId>{489379B1-77BE-4925-8F4E-F06B661ABBD6}</a:tableStyleId>
+                <a:tableStyleId>{EA218EC1-4CEF-4999-B013-D487FC43E9D5}</a:tableStyleId>
               </a:tblPr>
               <a:tblGrid>
                 <a:gridCol w="1626350"/>
@@ -15547,6 +15547,285 @@
 </file>
 
 <file path=ppt/theme/theme1.xml><?xml version="1.0" encoding="utf-8"?>
+<a:theme xmlns:a="http://schemas.openxmlformats.org/drawingml/2006/main" xmlns:r="http://schemas.openxmlformats.org/officeDocument/2006/relationships" name="Custom Theme">
+  <a:themeElements>
+    <a:clrScheme name="Default">
+      <a:dk1>
+        <a:srgbClr val="000000"/>
+      </a:dk1>
+      <a:lt1>
+        <a:srgbClr val="FFFFFF"/>
+      </a:lt1>
+      <a:dk2>
+        <a:srgbClr val="158158"/>
+      </a:dk2>
+      <a:lt2>
+        <a:srgbClr val="F3F3F3"/>
+      </a:lt2>
+      <a:accent1>
+        <a:srgbClr val="058DC7"/>
+      </a:accent1>
+      <a:accent2>
+        <a:srgbClr val="50B432"/>
+      </a:accent2>
+      <a:accent3>
+        <a:srgbClr val="ED561B"/>
+      </a:accent3>
+      <a:accent4>
+        <a:srgbClr val="EDEF00"/>
+      </a:accent4>
+      <a:accent5>
+        <a:srgbClr val="24CBE5"/>
+      </a:accent5>
+      <a:accent6>
+        <a:srgbClr val="64E572"/>
+      </a:accent6>
+      <a:hlink>
+        <a:srgbClr val="2200CC"/>
+      </a:hlink>
+      <a:folHlink>
+        <a:srgbClr val="551A8B"/>
+      </a:folHlink>
+    </a:clrScheme>
+    <a:fontScheme name="Office">
+      <a:majorFont>
+        <a:latin typeface="Arial"/>
+        <a:ea typeface=""/>
+        <a:cs typeface=""/>
+        <a:font script="Jpan" typeface="ＭＳ Ｐゴシック"/>
+        <a:font script="Hang" typeface="맑은 고딕"/>
+        <a:font script="Hans" typeface="宋体"/>
+        <a:font script="Hant" typeface="新細明體"/>
+        <a:font script="Arab" typeface="Times New Roman"/>
+        <a:font script="Hebr" typeface="Times New Roman"/>
+        <a:font script="Thai" typeface="Angsana New"/>
+        <a:font script="Ethi" typeface="Nyala"/>
+        <a:font script="Beng" typeface="Vrinda"/>
+        <a:font script="Gujr" typeface="Shruti"/>
+        <a:font script="Khmr" typeface="MoolBoran"/>
+        <a:font script="Knda" typeface="Tunga"/>
+        <a:font script="Guru" typeface="Raavi"/>
+        <a:font script="Cans" typeface="Euphemia"/>
+        <a:font script="Cher" typeface="Plantagenet Cherokee"/>
+        <a:font script="Yiii" typeface="Microsoft Yi Baiti"/>
+        <a:font script="Tibt" typeface="Microsoft Himalaya"/>
+        <a:font script="Thaa" typeface="MV Boli"/>
+        <a:font script="Deva" typeface="Mangal"/>
+        <a:font script="Telu" typeface="Gautami"/>
+        <a:font script="Taml" typeface="Latha"/>
+        <a:font script="Syrc" typeface="Estrangelo Edessa"/>
+        <a:font script="Orya" typeface="Kalinga"/>
+        <a:font script="Mlym" typeface="Kartika"/>
+        <a:font script="Laoo" typeface="DokChampa"/>
+        <a:font script="Sinh" typeface="Iskoola Pota"/>
+        <a:font script="Mong" typeface="Mongolian Baiti"/>
+        <a:font script="Viet" typeface="Times New Roman"/>
+        <a:font script="Uigh" typeface="Microsoft Uighur"/>
+        <a:font script="Geor" typeface="Sylfaen"/>
+      </a:majorFont>
+      <a:minorFont>
+        <a:latin typeface="Arial"/>
+        <a:ea typeface=""/>
+        <a:cs typeface=""/>
+        <a:font script="Jpan" typeface="ＭＳ Ｐゴシック"/>
+        <a:font script="Hang" typeface="맑은 고딕"/>
+        <a:font script="Hans" typeface="宋体"/>
+        <a:font script="Hant" typeface="新細明體"/>
+        <a:font script="Arab" typeface="Arial"/>
+        <a:font script="Hebr" typeface="Arial"/>
+        <a:font script="Thai" typeface="Cordia New"/>
+        <a:font script="Ethi" typeface="Nyala"/>
+        <a:font script="Beng" typeface="Vrinda"/>
+        <a:font script="Gujr" typeface="Shruti"/>
+        <a:font script="Khmr" typeface="DaunPenh"/>
+        <a:font script="Knda" typeface="Tunga"/>
+        <a:font script="Guru" typeface="Raavi"/>
+        <a:font script="Cans" typeface="Euphemia"/>
+        <a:font script="Cher" typeface="Plantagenet Cherokee"/>
+        <a:font script="Yiii" typeface="Microsoft Yi Baiti"/>
+        <a:font script="Tibt" typeface="Microsoft Himalaya"/>
+        <a:font script="Thaa" typeface="MV Boli"/>
+        <a:font script="Deva" typeface="Mangal"/>
+        <a:font script="Telu" typeface="Gautami"/>
+        <a:font script="Taml" typeface="Latha"/>
+        <a:font script="Syrc" typeface="Estrangelo Edessa"/>
+        <a:font script="Orya" typeface="Kalinga"/>
+        <a:font script="Mlym" typeface="Kartika"/>
+        <a:font script="Laoo" typeface="DokChampa"/>
+        <a:font script="Sinh" typeface="Iskoola Pota"/>
+        <a:font script="Mong" typeface="Mongolian Baiti"/>
+        <a:font script="Viet" typeface="Arial"/>
+        <a:font script="Uigh" typeface="Microsoft Uighur"/>
+        <a:font script="Geor" typeface="Sylfaen"/>
+      </a:minorFont>
+    </a:fontScheme>
+    <a:fmtScheme name="Office">
+      <a:fillStyleLst>
+        <a:solidFill>
+          <a:schemeClr val="phClr"/>
+        </a:solidFill>
+        <a:gradFill rotWithShape="1">
+          <a:gsLst>
+            <a:gs pos="0">
+              <a:schemeClr val="phClr">
+                <a:tint val="50000"/>
+                <a:satMod val="300000"/>
+              </a:schemeClr>
+            </a:gs>
+            <a:gs pos="35000">
+              <a:schemeClr val="phClr">
+                <a:tint val="37000"/>
+                <a:satMod val="300000"/>
+              </a:schemeClr>
+            </a:gs>
+            <a:gs pos="100000">
+              <a:schemeClr val="phClr">
+                <a:tint val="15000"/>
+                <a:satMod val="350000"/>
+              </a:schemeClr>
+            </a:gs>
+          </a:gsLst>
+          <a:lin ang="16200000" scaled="1"/>
+        </a:gradFill>
+        <a:gradFill rotWithShape="1">
+          <a:gsLst>
+            <a:gs pos="0">
+              <a:schemeClr val="phClr">
+                <a:tint val="100000"/>
+                <a:shade val="100000"/>
+                <a:satMod val="130000"/>
+              </a:schemeClr>
+            </a:gs>
+            <a:gs pos="100000">
+              <a:schemeClr val="phClr">
+                <a:tint val="50000"/>
+                <a:shade val="100000"/>
+                <a:satMod val="350000"/>
+              </a:schemeClr>
+            </a:gs>
+          </a:gsLst>
+          <a:lin ang="16200000" scaled="0"/>
+        </a:gradFill>
+      </a:fillStyleLst>
+      <a:lnStyleLst>
+        <a:ln w="9525" cap="flat" cmpd="sng" algn="ctr">
+          <a:solidFill>
+            <a:schemeClr val="phClr">
+              <a:shade val="95000"/>
+              <a:satMod val="105000"/>
+            </a:schemeClr>
+          </a:solidFill>
+          <a:prstDash val="solid"/>
+        </a:ln>
+        <a:ln w="25400" cap="flat" cmpd="sng" algn="ctr">
+          <a:solidFill>
+            <a:schemeClr val="phClr"/>
+          </a:solidFill>
+          <a:prstDash val="solid"/>
+        </a:ln>
+        <a:ln w="38100" cap="flat" cmpd="sng" algn="ctr">
+          <a:solidFill>
+            <a:schemeClr val="phClr"/>
+          </a:solidFill>
+          <a:prstDash val="solid"/>
+        </a:ln>
+      </a:lnStyleLst>
+      <a:effectStyleLst>
+        <a:effectStyle>
+          <a:effectLst>
+            <a:outerShdw blurRad="40000" dist="20000" dir="5400000" rotWithShape="0">
+              <a:srgbClr val="000000">
+                <a:alpha val="38000"/>
+              </a:srgbClr>
+            </a:outerShdw>
+          </a:effectLst>
+        </a:effectStyle>
+        <a:effectStyle>
+          <a:effectLst>
+            <a:outerShdw blurRad="40000" dist="23000" dir="5400000" rotWithShape="0">
+              <a:srgbClr val="000000">
+                <a:alpha val="35000"/>
+              </a:srgbClr>
+            </a:outerShdw>
+          </a:effectLst>
+        </a:effectStyle>
+        <a:effectStyle>
+          <a:effectLst>
+            <a:outerShdw blurRad="40000" dist="23000" dir="5400000" rotWithShape="0">
+              <a:srgbClr val="000000">
+                <a:alpha val="35000"/>
+              </a:srgbClr>
+            </a:outerShdw>
+          </a:effectLst>
+          <a:scene3d>
+            <a:camera prst="orthographicFront">
+              <a:rot lat="0" lon="0" rev="0"/>
+            </a:camera>
+            <a:lightRig rig="threePt" dir="t">
+              <a:rot lat="0" lon="0" rev="1200000"/>
+            </a:lightRig>
+          </a:scene3d>
+          <a:sp3d>
+            <a:bevelT w="63500" h="25400"/>
+          </a:sp3d>
+        </a:effectStyle>
+      </a:effectStyleLst>
+      <a:bgFillStyleLst>
+        <a:solidFill>
+          <a:schemeClr val="phClr"/>
+        </a:solidFill>
+        <a:gradFill rotWithShape="1">
+          <a:gsLst>
+            <a:gs pos="0">
+              <a:schemeClr val="phClr">
+                <a:tint val="40000"/>
+                <a:satMod val="350000"/>
+              </a:schemeClr>
+            </a:gs>
+            <a:gs pos="40000">
+              <a:schemeClr val="phClr">
+                <a:tint val="45000"/>
+                <a:shade val="99000"/>
+                <a:satMod val="350000"/>
+              </a:schemeClr>
+            </a:gs>
+            <a:gs pos="100000">
+              <a:schemeClr val="phClr">
+                <a:shade val="20000"/>
+                <a:satMod val="255000"/>
+              </a:schemeClr>
+            </a:gs>
+          </a:gsLst>
+          <a:path path="circle">
+            <a:fillToRect l="50000" t="-80000" r="50000" b="180000"/>
+          </a:path>
+        </a:gradFill>
+        <a:gradFill rotWithShape="1">
+          <a:gsLst>
+            <a:gs pos="0">
+              <a:schemeClr val="phClr">
+                <a:tint val="80000"/>
+                <a:satMod val="300000"/>
+              </a:schemeClr>
+            </a:gs>
+            <a:gs pos="100000">
+              <a:schemeClr val="phClr">
+                <a:shade val="30000"/>
+                <a:satMod val="200000"/>
+              </a:schemeClr>
+            </a:gs>
+          </a:gsLst>
+          <a:path path="circle">
+            <a:fillToRect l="50000" t="50000" r="50000" b="50000"/>
+          </a:path>
+        </a:gradFill>
+      </a:bgFillStyleLst>
+    </a:fmtScheme>
+  </a:themeElements>
+</a:theme>
+</file>
+
+<file path=ppt/theme/theme2.xml><?xml version="1.0" encoding="utf-8"?>
 <a:theme xmlns:a="http://schemas.openxmlformats.org/drawingml/2006/main" xmlns:r="http://schemas.openxmlformats.org/officeDocument/2006/relationships" name="Simple Light">
   <a:themeElements>
     <a:clrScheme name="Simple Light">
@@ -15823,283 +16102,4 @@
     </a:fmtScheme>
   </a:themeElements>
 </a:theme>
-</file>
-
-<file path=ppt/theme/theme2.xml><?xml version="1.0" encoding="utf-8"?>
-<a:theme xmlns:a="http://schemas.openxmlformats.org/drawingml/2006/main" xmlns:r="http://schemas.openxmlformats.org/officeDocument/2006/relationships" name="Custom Theme">
-  <a:themeElements>
-    <a:clrScheme name="Default">
-      <a:dk1>
-        <a:srgbClr val="000000"/>
-      </a:dk1>
-      <a:lt1>
-        <a:srgbClr val="FFFFFF"/>
-      </a:lt1>
-      <a:dk2>
-        <a:srgbClr val="158158"/>
-      </a:dk2>
-      <a:lt2>
-        <a:srgbClr val="F3F3F3"/>
-      </a:lt2>
-      <a:accent1>
-        <a:srgbClr val="058DC7"/>
-      </a:accent1>
-      <a:accent2>
-        <a:srgbClr val="50B432"/>
-      </a:accent2>
-      <a:accent3>
-        <a:srgbClr val="ED561B"/>
-      </a:accent3>
-      <a:accent4>
-        <a:srgbClr val="EDEF00"/>
-      </a:accent4>
-      <a:accent5>
-        <a:srgbClr val="24CBE5"/>
-      </a:accent5>
-      <a:accent6>
-        <a:srgbClr val="64E572"/>
-      </a:accent6>
-      <a:hlink>
-        <a:srgbClr val="2200CC"/>
-      </a:hlink>
-      <a:folHlink>
-        <a:srgbClr val="551A8B"/>
-      </a:folHlink>
-    </a:clrScheme>
-    <a:fontScheme name="Office">
-      <a:majorFont>
-        <a:latin typeface="Arial"/>
-        <a:ea typeface=""/>
-        <a:cs typeface=""/>
-        <a:font script="Jpan" typeface="ＭＳ Ｐゴシック"/>
-        <a:font script="Hang" typeface="맑은 고딕"/>
-        <a:font script="Hans" typeface="宋体"/>
-        <a:font script="Hant" typeface="新細明體"/>
-        <a:font script="Arab" typeface="Times New Roman"/>
-        <a:font script="Hebr" typeface="Times New Roman"/>
-        <a:font script="Thai" typeface="Angsana New"/>
-        <a:font script="Ethi" typeface="Nyala"/>
-        <a:font script="Beng" typeface="Vrinda"/>
-        <a:font script="Gujr" typeface="Shruti"/>
-        <a:font script="Khmr" typeface="MoolBoran"/>
-        <a:font script="Knda" typeface="Tunga"/>
-        <a:font script="Guru" typeface="Raavi"/>
-        <a:font script="Cans" typeface="Euphemia"/>
-        <a:font script="Cher" typeface="Plantagenet Cherokee"/>
-        <a:font script="Yiii" typeface="Microsoft Yi Baiti"/>
-        <a:font script="Tibt" typeface="Microsoft Himalaya"/>
-        <a:font script="Thaa" typeface="MV Boli"/>
-        <a:font script="Deva" typeface="Mangal"/>
-        <a:font script="Telu" typeface="Gautami"/>
-        <a:font script="Taml" typeface="Latha"/>
-        <a:font script="Syrc" typeface="Estrangelo Edessa"/>
-        <a:font script="Orya" typeface="Kalinga"/>
-        <a:font script="Mlym" typeface="Kartika"/>
-        <a:font script="Laoo" typeface="DokChampa"/>
-        <a:font script="Sinh" typeface="Iskoola Pota"/>
-        <a:font script="Mong" typeface="Mongolian Baiti"/>
-        <a:font script="Viet" typeface="Times New Roman"/>
-        <a:font script="Uigh" typeface="Microsoft Uighur"/>
-        <a:font script="Geor" typeface="Sylfaen"/>
-      </a:majorFont>
-      <a:minorFont>
-        <a:latin typeface="Arial"/>
-        <a:ea typeface=""/>
-        <a:cs typeface=""/>
-        <a:font script="Jpan" typeface="ＭＳ Ｐゴシック"/>
-        <a:font script="Hang" typeface="맑은 고딕"/>
-        <a:font script="Hans" typeface="宋体"/>
-        <a:font script="Hant" typeface="新細明體"/>
-        <a:font script="Arab" typeface="Arial"/>
-        <a:font script="Hebr" typeface="Arial"/>
-        <a:font script="Thai" typeface="Cordia New"/>
-        <a:font script="Ethi" typeface="Nyala"/>
-        <a:font script="Beng" typeface="Vrinda"/>
-        <a:font script="Gujr" typeface="Shruti"/>
-        <a:font script="Khmr" typeface="DaunPenh"/>
-        <a:font script="Knda" typeface="Tunga"/>
-        <a:font script="Guru" typeface="Raavi"/>
-        <a:font script="Cans" typeface="Euphemia"/>
-        <a:font script="Cher" typeface="Plantagenet Cherokee"/>
-        <a:font script="Yiii" typeface="Microsoft Yi Baiti"/>
-        <a:font script="Tibt" typeface="Microsoft Himalaya"/>
-        <a:font script="Thaa" typeface="MV Boli"/>
-        <a:font script="Deva" typeface="Mangal"/>
-        <a:font script="Telu" typeface="Gautami"/>
-        <a:font script="Taml" typeface="Latha"/>
-        <a:font script="Syrc" typeface="Estrangelo Edessa"/>
-        <a:font script="Orya" typeface="Kalinga"/>
-        <a:font script="Mlym" typeface="Kartika"/>
-        <a:font script="Laoo" typeface="DokChampa"/>
-        <a:font script="Sinh" typeface="Iskoola Pota"/>
-        <a:font script="Mong" typeface="Mongolian Baiti"/>
-        <a:font script="Viet" typeface="Arial"/>
-        <a:font script="Uigh" typeface="Microsoft Uighur"/>
-        <a:font script="Geor" typeface="Sylfaen"/>
-      </a:minorFont>
-    </a:fontScheme>
-    <a:fmtScheme name="Office">
-      <a:fillStyleLst>
-        <a:solidFill>
-          <a:schemeClr val="phClr"/>
-        </a:solidFill>
-        <a:gradFill rotWithShape="1">
-          <a:gsLst>
-            <a:gs pos="0">
-              <a:schemeClr val="phClr">
-                <a:tint val="50000"/>
-                <a:satMod val="300000"/>
-              </a:schemeClr>
-            </a:gs>
-            <a:gs pos="35000">
-              <a:schemeClr val="phClr">
-                <a:tint val="37000"/>
-                <a:satMod val="300000"/>
-              </a:schemeClr>
-            </a:gs>
-            <a:gs pos="100000">
-              <a:schemeClr val="phClr">
-                <a:tint val="15000"/>
-                <a:satMod val="350000"/>
-              </a:schemeClr>
-            </a:gs>
-          </a:gsLst>
-          <a:lin ang="16200000" scaled="1"/>
-        </a:gradFill>
-        <a:gradFill rotWithShape="1">
-          <a:gsLst>
-            <a:gs pos="0">
-              <a:schemeClr val="phClr">
-                <a:tint val="100000"/>
-                <a:shade val="100000"/>
-                <a:satMod val="130000"/>
-              </a:schemeClr>
-            </a:gs>
-            <a:gs pos="100000">
-              <a:schemeClr val="phClr">
-                <a:tint val="50000"/>
-                <a:shade val="100000"/>
-                <a:satMod val="350000"/>
-              </a:schemeClr>
-            </a:gs>
-          </a:gsLst>
-          <a:lin ang="16200000" scaled="0"/>
-        </a:gradFill>
-      </a:fillStyleLst>
-      <a:lnStyleLst>
-        <a:ln w="9525" cap="flat" cmpd="sng" algn="ctr">
-          <a:solidFill>
-            <a:schemeClr val="phClr">
-              <a:shade val="95000"/>
-              <a:satMod val="105000"/>
-            </a:schemeClr>
-          </a:solidFill>
-          <a:prstDash val="solid"/>
-        </a:ln>
-        <a:ln w="25400" cap="flat" cmpd="sng" algn="ctr">
-          <a:solidFill>
-            <a:schemeClr val="phClr"/>
-          </a:solidFill>
-          <a:prstDash val="solid"/>
-        </a:ln>
-        <a:ln w="38100" cap="flat" cmpd="sng" algn="ctr">
-          <a:solidFill>
-            <a:schemeClr val="phClr"/>
-          </a:solidFill>
-          <a:prstDash val="solid"/>
-        </a:ln>
-      </a:lnStyleLst>
-      <a:effectStyleLst>
-        <a:effectStyle>
-          <a:effectLst>
-            <a:outerShdw blurRad="40000" dist="20000" dir="5400000" rotWithShape="0">
-              <a:srgbClr val="000000">
-                <a:alpha val="38000"/>
-              </a:srgbClr>
-            </a:outerShdw>
-          </a:effectLst>
-        </a:effectStyle>
-        <a:effectStyle>
-          <a:effectLst>
-            <a:outerShdw blurRad="40000" dist="23000" dir="5400000" rotWithShape="0">
-              <a:srgbClr val="000000">
-                <a:alpha val="35000"/>
-              </a:srgbClr>
-            </a:outerShdw>
-          </a:effectLst>
-        </a:effectStyle>
-        <a:effectStyle>
-          <a:effectLst>
-            <a:outerShdw blurRad="40000" dist="23000" dir="5400000" rotWithShape="0">
-              <a:srgbClr val="000000">
-                <a:alpha val="35000"/>
-              </a:srgbClr>
-            </a:outerShdw>
-          </a:effectLst>
-          <a:scene3d>
-            <a:camera prst="orthographicFront">
-              <a:rot lat="0" lon="0" rev="0"/>
-            </a:camera>
-            <a:lightRig rig="threePt" dir="t">
-              <a:rot lat="0" lon="0" rev="1200000"/>
-            </a:lightRig>
-          </a:scene3d>
-          <a:sp3d>
-            <a:bevelT w="63500" h="25400"/>
-          </a:sp3d>
-        </a:effectStyle>
-      </a:effectStyleLst>
-      <a:bgFillStyleLst>
-        <a:solidFill>
-          <a:schemeClr val="phClr"/>
-        </a:solidFill>
-        <a:gradFill rotWithShape="1">
-          <a:gsLst>
-            <a:gs pos="0">
-              <a:schemeClr val="phClr">
-                <a:tint val="40000"/>
-                <a:satMod val="350000"/>
-              </a:schemeClr>
-            </a:gs>
-            <a:gs pos="40000">
-              <a:schemeClr val="phClr">
-                <a:tint val="45000"/>
-                <a:shade val="99000"/>
-                <a:satMod val="350000"/>
-              </a:schemeClr>
-            </a:gs>
-            <a:gs pos="100000">
-              <a:schemeClr val="phClr">
-                <a:shade val="20000"/>
-                <a:satMod val="255000"/>
-              </a:schemeClr>
-            </a:gs>
-          </a:gsLst>
-          <a:path path="circle">
-            <a:fillToRect l="50000" t="-80000" r="50000" b="180000"/>
-          </a:path>
-        </a:gradFill>
-        <a:gradFill rotWithShape="1">
-          <a:gsLst>
-            <a:gs pos="0">
-              <a:schemeClr val="phClr">
-                <a:tint val="80000"/>
-                <a:satMod val="300000"/>
-              </a:schemeClr>
-            </a:gs>
-            <a:gs pos="100000">
-              <a:schemeClr val="phClr">
-                <a:shade val="30000"/>
-                <a:satMod val="200000"/>
-              </a:schemeClr>
-            </a:gs>
-          </a:gsLst>
-          <a:path path="circle">
-            <a:fillToRect l="50000" t="50000" r="50000" b="50000"/>
-          </a:path>
-        </a:gradFill>
-      </a:bgFillStyleLst>
-    </a:fmtScheme>
-  </a:themeElements>
-</a:theme>
 </file>